--- a/Physical and Social Predictors of Health Presentation Eric.pptx
+++ b/Physical and Social Predictors of Health Presentation Eric.pptx
@@ -5,27 +5,22 @@
     <p:sldMasterId id="2147483666" r:id="rId4"/>
   </p:sldMasterIdLst>
   <p:notesMasterIdLst>
-    <p:notesMasterId r:id="rId20"/>
+    <p:notesMasterId r:id="rId15"/>
   </p:notesMasterIdLst>
   <p:handoutMasterIdLst>
-    <p:handoutMasterId r:id="rId21"/>
+    <p:handoutMasterId r:id="rId16"/>
   </p:handoutMasterIdLst>
   <p:sldIdLst>
     <p:sldId id="326" r:id="rId5"/>
     <p:sldId id="327" r:id="rId6"/>
     <p:sldId id="328" r:id="rId7"/>
-    <p:sldId id="320" r:id="rId8"/>
-    <p:sldId id="324" r:id="rId9"/>
-    <p:sldId id="317" r:id="rId10"/>
-    <p:sldId id="315" r:id="rId11"/>
-    <p:sldId id="316" r:id="rId12"/>
-    <p:sldId id="318" r:id="rId13"/>
-    <p:sldId id="319" r:id="rId14"/>
-    <p:sldId id="321" r:id="rId15"/>
-    <p:sldId id="322" r:id="rId16"/>
-    <p:sldId id="323" r:id="rId17"/>
-    <p:sldId id="325" r:id="rId18"/>
-    <p:sldId id="309" r:id="rId19"/>
+    <p:sldId id="318" r:id="rId8"/>
+    <p:sldId id="320" r:id="rId9"/>
+    <p:sldId id="329" r:id="rId10"/>
+    <p:sldId id="324" r:id="rId11"/>
+    <p:sldId id="330" r:id="rId12"/>
+    <p:sldId id="317" r:id="rId13"/>
+    <p:sldId id="331" r:id="rId14"/>
   </p:sldIdLst>
   <p:sldSz cx="12192000" cy="6858000"/>
   <p:notesSz cx="6858000" cy="9144000"/>
@@ -252,7 +247,7 @@
           <a:p>
             <a:fld id="{F352A77B-D33C-49B3-A83C-450AA2ED72B3}" type="datetimeFigureOut">
               <a:rPr lang="en-US" smtClean="0"/>
-              <a:t>9/18/2024</a:t>
+              <a:t>9/19/2024</a:t>
             </a:fld>
             <a:endParaRPr lang="en-US" dirty="0"/>
           </a:p>
@@ -429,7 +424,7 @@
           <a:p>
             <a:fld id="{E38D8F9A-F5CB-4EF8-A859-ED5E107B9763}" type="datetimeFigureOut">
               <a:rPr lang="en-US" smtClean="0"/>
-              <a:t>9/18/2024</a:t>
+              <a:t>9/19/2024</a:t>
             </a:fld>
             <a:endParaRPr lang="en-US" dirty="0"/>
           </a:p>
@@ -824,7 +819,49 @@
           <a:bodyPr/>
           <a:lstStyle/>
           <a:p>
+            <a:r>
+              <a:rPr lang="en-US" dirty="0"/>
+              <a:t>MAE and MSE are similar values to what we found in the neural network</a:t>
+            </a:r>
+          </a:p>
+          <a:p>
+            <a:r>
+              <a:rPr lang="en-US" dirty="0"/>
+              <a:t>RMSE – Root Mean Squared Error provides an error metric in the same units as the target variable</a:t>
+            </a:r>
+          </a:p>
+          <a:p>
+            <a:r>
+              <a:rPr lang="en-US" dirty="0"/>
+              <a:t>R2 – represents the how much of the variance in the target can be explained by the model. </a:t>
+            </a:r>
+          </a:p>
+          <a:p>
+            <a:r>
+              <a:rPr lang="en-US" dirty="0"/>
+              <a:t>	84.8% suggests high predictive ability</a:t>
+            </a:r>
+          </a:p>
+          <a:p>
             <a:endParaRPr lang="en-US" dirty="0"/>
+          </a:p>
+          <a:p>
+            <a:r>
+              <a:rPr lang="en-US" dirty="0"/>
+              <a:t>REMNRTY - Persons of racial or ethnic minority status</a:t>
+            </a:r>
+          </a:p>
+          <a:p>
+            <a:r>
+              <a:rPr lang="en-US" dirty="0"/>
+              <a:t>CROWD - Crowding among housing units</a:t>
+            </a:r>
+          </a:p>
+          <a:p>
+            <a:r>
+              <a:rPr lang="en-US" dirty="0"/>
+              <a:t>NOHSDP - No high school diploma among adults aged 25 years or older</a:t>
+            </a:r>
           </a:p>
         </p:txBody>
       </p:sp>
@@ -854,427 +891,7 @@
     </p:spTree>
     <p:extLst>
       <p:ext uri="{BB962C8B-B14F-4D97-AF65-F5344CB8AC3E}">
-        <p14:creationId xmlns:p14="http://schemas.microsoft.com/office/powerpoint/2010/main" val="3486472807"/>
-      </p:ext>
-    </p:extLst>
-  </p:cSld>
-  <p:clrMapOvr>
-    <a:masterClrMapping/>
-  </p:clrMapOvr>
-</p:notes>
-</file>
-
-<file path=ppt/notesSlides/notesSlide11.xml><?xml version="1.0" encoding="utf-8"?>
-<p:notes xmlns:a="http://schemas.openxmlformats.org/drawingml/2006/main" xmlns:r="http://schemas.openxmlformats.org/officeDocument/2006/relationships" xmlns:p="http://schemas.openxmlformats.org/presentationml/2006/main">
-  <p:cSld>
-    <p:spTree>
-      <p:nvGrpSpPr>
-        <p:cNvPr id="1" name=""/>
-        <p:cNvGrpSpPr/>
-        <p:nvPr/>
-      </p:nvGrpSpPr>
-      <p:grpSpPr>
-        <a:xfrm>
-          <a:off x="0" y="0"/>
-          <a:ext cx="0" cy="0"/>
-          <a:chOff x="0" y="0"/>
-          <a:chExt cx="0" cy="0"/>
-        </a:xfrm>
-      </p:grpSpPr>
-      <p:sp>
-        <p:nvSpPr>
-          <p:cNvPr id="2" name="Slide Image Placeholder 1"/>
-          <p:cNvSpPr>
-            <a:spLocks noGrp="1" noRot="1" noChangeAspect="1"/>
-          </p:cNvSpPr>
-          <p:nvPr>
-            <p:ph type="sldImg"/>
-          </p:nvPr>
-        </p:nvSpPr>
-        <p:spPr/>
-      </p:sp>
-      <p:sp>
-        <p:nvSpPr>
-          <p:cNvPr id="3" name="Notes Placeholder 2"/>
-          <p:cNvSpPr>
-            <a:spLocks noGrp="1"/>
-          </p:cNvSpPr>
-          <p:nvPr>
-            <p:ph type="body" idx="1"/>
-          </p:nvPr>
-        </p:nvSpPr>
-        <p:spPr/>
-        <p:txBody>
-          <a:bodyPr/>
-          <a:lstStyle/>
-          <a:p>
-            <a:endParaRPr lang="en-US" dirty="0"/>
-          </a:p>
-        </p:txBody>
-      </p:sp>
-      <p:sp>
-        <p:nvSpPr>
-          <p:cNvPr id="4" name="Slide Number Placeholder 3"/>
-          <p:cNvSpPr>
-            <a:spLocks noGrp="1"/>
-          </p:cNvSpPr>
-          <p:nvPr>
-            <p:ph type="sldNum" sz="quarter" idx="5"/>
-          </p:nvPr>
-        </p:nvSpPr>
-        <p:spPr/>
-        <p:txBody>
-          <a:bodyPr/>
-          <a:lstStyle/>
-          <a:p>
-            <a:fld id="{D4B9A9E5-4F7F-4A7D-9DE1-899232329269}" type="slidenum">
-              <a:rPr lang="en-US" smtClean="0"/>
-              <a:t>11</a:t>
-            </a:fld>
-            <a:endParaRPr lang="en-US" dirty="0"/>
-          </a:p>
-        </p:txBody>
-      </p:sp>
-    </p:spTree>
-    <p:extLst>
-      <p:ext uri="{BB962C8B-B14F-4D97-AF65-F5344CB8AC3E}">
-        <p14:creationId xmlns:p14="http://schemas.microsoft.com/office/powerpoint/2010/main" val="3984229589"/>
-      </p:ext>
-    </p:extLst>
-  </p:cSld>
-  <p:clrMapOvr>
-    <a:masterClrMapping/>
-  </p:clrMapOvr>
-</p:notes>
-</file>
-
-<file path=ppt/notesSlides/notesSlide12.xml><?xml version="1.0" encoding="utf-8"?>
-<p:notes xmlns:a="http://schemas.openxmlformats.org/drawingml/2006/main" xmlns:r="http://schemas.openxmlformats.org/officeDocument/2006/relationships" xmlns:p="http://schemas.openxmlformats.org/presentationml/2006/main">
-  <p:cSld>
-    <p:spTree>
-      <p:nvGrpSpPr>
-        <p:cNvPr id="1" name=""/>
-        <p:cNvGrpSpPr/>
-        <p:nvPr/>
-      </p:nvGrpSpPr>
-      <p:grpSpPr>
-        <a:xfrm>
-          <a:off x="0" y="0"/>
-          <a:ext cx="0" cy="0"/>
-          <a:chOff x="0" y="0"/>
-          <a:chExt cx="0" cy="0"/>
-        </a:xfrm>
-      </p:grpSpPr>
-      <p:sp>
-        <p:nvSpPr>
-          <p:cNvPr id="2" name="Slide Image Placeholder 1"/>
-          <p:cNvSpPr>
-            <a:spLocks noGrp="1" noRot="1" noChangeAspect="1"/>
-          </p:cNvSpPr>
-          <p:nvPr>
-            <p:ph type="sldImg"/>
-          </p:nvPr>
-        </p:nvSpPr>
-        <p:spPr/>
-      </p:sp>
-      <p:sp>
-        <p:nvSpPr>
-          <p:cNvPr id="3" name="Notes Placeholder 2"/>
-          <p:cNvSpPr>
-            <a:spLocks noGrp="1"/>
-          </p:cNvSpPr>
-          <p:nvPr>
-            <p:ph type="body" idx="1"/>
-          </p:nvPr>
-        </p:nvSpPr>
-        <p:spPr/>
-        <p:txBody>
-          <a:bodyPr/>
-          <a:lstStyle/>
-          <a:p>
-            <a:endParaRPr lang="en-US" dirty="0"/>
-          </a:p>
-        </p:txBody>
-      </p:sp>
-      <p:sp>
-        <p:nvSpPr>
-          <p:cNvPr id="4" name="Slide Number Placeholder 3"/>
-          <p:cNvSpPr>
-            <a:spLocks noGrp="1"/>
-          </p:cNvSpPr>
-          <p:nvPr>
-            <p:ph type="sldNum" sz="quarter" idx="5"/>
-          </p:nvPr>
-        </p:nvSpPr>
-        <p:spPr/>
-        <p:txBody>
-          <a:bodyPr/>
-          <a:lstStyle/>
-          <a:p>
-            <a:fld id="{D4B9A9E5-4F7F-4A7D-9DE1-899232329269}" type="slidenum">
-              <a:rPr lang="en-US" smtClean="0"/>
-              <a:t>12</a:t>
-            </a:fld>
-            <a:endParaRPr lang="en-US" dirty="0"/>
-          </a:p>
-        </p:txBody>
-      </p:sp>
-    </p:spTree>
-    <p:extLst>
-      <p:ext uri="{BB962C8B-B14F-4D97-AF65-F5344CB8AC3E}">
-        <p14:creationId xmlns:p14="http://schemas.microsoft.com/office/powerpoint/2010/main" val="2586565686"/>
-      </p:ext>
-    </p:extLst>
-  </p:cSld>
-  <p:clrMapOvr>
-    <a:masterClrMapping/>
-  </p:clrMapOvr>
-</p:notes>
-</file>
-
-<file path=ppt/notesSlides/notesSlide13.xml><?xml version="1.0" encoding="utf-8"?>
-<p:notes xmlns:a="http://schemas.openxmlformats.org/drawingml/2006/main" xmlns:r="http://schemas.openxmlformats.org/officeDocument/2006/relationships" xmlns:p="http://schemas.openxmlformats.org/presentationml/2006/main">
-  <p:cSld>
-    <p:spTree>
-      <p:nvGrpSpPr>
-        <p:cNvPr id="1" name=""/>
-        <p:cNvGrpSpPr/>
-        <p:nvPr/>
-      </p:nvGrpSpPr>
-      <p:grpSpPr>
-        <a:xfrm>
-          <a:off x="0" y="0"/>
-          <a:ext cx="0" cy="0"/>
-          <a:chOff x="0" y="0"/>
-          <a:chExt cx="0" cy="0"/>
-        </a:xfrm>
-      </p:grpSpPr>
-      <p:sp>
-        <p:nvSpPr>
-          <p:cNvPr id="2" name="Slide Image Placeholder 1"/>
-          <p:cNvSpPr>
-            <a:spLocks noGrp="1" noRot="1" noChangeAspect="1"/>
-          </p:cNvSpPr>
-          <p:nvPr>
-            <p:ph type="sldImg"/>
-          </p:nvPr>
-        </p:nvSpPr>
-        <p:spPr/>
-      </p:sp>
-      <p:sp>
-        <p:nvSpPr>
-          <p:cNvPr id="3" name="Notes Placeholder 2"/>
-          <p:cNvSpPr>
-            <a:spLocks noGrp="1"/>
-          </p:cNvSpPr>
-          <p:nvPr>
-            <p:ph type="body" idx="1"/>
-          </p:nvPr>
-        </p:nvSpPr>
-        <p:spPr/>
-        <p:txBody>
-          <a:bodyPr/>
-          <a:lstStyle/>
-          <a:p>
-            <a:endParaRPr lang="en-US" dirty="0"/>
-          </a:p>
-        </p:txBody>
-      </p:sp>
-      <p:sp>
-        <p:nvSpPr>
-          <p:cNvPr id="4" name="Slide Number Placeholder 3"/>
-          <p:cNvSpPr>
-            <a:spLocks noGrp="1"/>
-          </p:cNvSpPr>
-          <p:nvPr>
-            <p:ph type="sldNum" sz="quarter" idx="5"/>
-          </p:nvPr>
-        </p:nvSpPr>
-        <p:spPr/>
-        <p:txBody>
-          <a:bodyPr/>
-          <a:lstStyle/>
-          <a:p>
-            <a:fld id="{D4B9A9E5-4F7F-4A7D-9DE1-899232329269}" type="slidenum">
-              <a:rPr lang="en-US" smtClean="0"/>
-              <a:t>13</a:t>
-            </a:fld>
-            <a:endParaRPr lang="en-US" dirty="0"/>
-          </a:p>
-        </p:txBody>
-      </p:sp>
-    </p:spTree>
-    <p:extLst>
-      <p:ext uri="{BB962C8B-B14F-4D97-AF65-F5344CB8AC3E}">
-        <p14:creationId xmlns:p14="http://schemas.microsoft.com/office/powerpoint/2010/main" val="4110010862"/>
-      </p:ext>
-    </p:extLst>
-  </p:cSld>
-  <p:clrMapOvr>
-    <a:masterClrMapping/>
-  </p:clrMapOvr>
-</p:notes>
-</file>
-
-<file path=ppt/notesSlides/notesSlide14.xml><?xml version="1.0" encoding="utf-8"?>
-<p:notes xmlns:a="http://schemas.openxmlformats.org/drawingml/2006/main" xmlns:r="http://schemas.openxmlformats.org/officeDocument/2006/relationships" xmlns:p="http://schemas.openxmlformats.org/presentationml/2006/main">
-  <p:cSld>
-    <p:spTree>
-      <p:nvGrpSpPr>
-        <p:cNvPr id="1" name=""/>
-        <p:cNvGrpSpPr/>
-        <p:nvPr/>
-      </p:nvGrpSpPr>
-      <p:grpSpPr>
-        <a:xfrm>
-          <a:off x="0" y="0"/>
-          <a:ext cx="0" cy="0"/>
-          <a:chOff x="0" y="0"/>
-          <a:chExt cx="0" cy="0"/>
-        </a:xfrm>
-      </p:grpSpPr>
-      <p:sp>
-        <p:nvSpPr>
-          <p:cNvPr id="2" name="Slide Image Placeholder 1"/>
-          <p:cNvSpPr>
-            <a:spLocks noGrp="1" noRot="1" noChangeAspect="1"/>
-          </p:cNvSpPr>
-          <p:nvPr>
-            <p:ph type="sldImg"/>
-          </p:nvPr>
-        </p:nvSpPr>
-        <p:spPr/>
-      </p:sp>
-      <p:sp>
-        <p:nvSpPr>
-          <p:cNvPr id="3" name="Notes Placeholder 2"/>
-          <p:cNvSpPr>
-            <a:spLocks noGrp="1"/>
-          </p:cNvSpPr>
-          <p:nvPr>
-            <p:ph type="body" idx="1"/>
-          </p:nvPr>
-        </p:nvSpPr>
-        <p:spPr/>
-        <p:txBody>
-          <a:bodyPr/>
-          <a:lstStyle/>
-          <a:p>
-            <a:endParaRPr lang="en-US" dirty="0"/>
-          </a:p>
-        </p:txBody>
-      </p:sp>
-      <p:sp>
-        <p:nvSpPr>
-          <p:cNvPr id="4" name="Slide Number Placeholder 3"/>
-          <p:cNvSpPr>
-            <a:spLocks noGrp="1"/>
-          </p:cNvSpPr>
-          <p:nvPr>
-            <p:ph type="sldNum" sz="quarter" idx="5"/>
-          </p:nvPr>
-        </p:nvSpPr>
-        <p:spPr/>
-        <p:txBody>
-          <a:bodyPr/>
-          <a:lstStyle/>
-          <a:p>
-            <a:fld id="{D4B9A9E5-4F7F-4A7D-9DE1-899232329269}" type="slidenum">
-              <a:rPr lang="en-US" smtClean="0"/>
-              <a:t>14</a:t>
-            </a:fld>
-            <a:endParaRPr lang="en-US" dirty="0"/>
-          </a:p>
-        </p:txBody>
-      </p:sp>
-    </p:spTree>
-    <p:extLst>
-      <p:ext uri="{BB962C8B-B14F-4D97-AF65-F5344CB8AC3E}">
-        <p14:creationId xmlns:p14="http://schemas.microsoft.com/office/powerpoint/2010/main" val="2261767694"/>
-      </p:ext>
-    </p:extLst>
-  </p:cSld>
-  <p:clrMapOvr>
-    <a:masterClrMapping/>
-  </p:clrMapOvr>
-</p:notes>
-</file>
-
-<file path=ppt/notesSlides/notesSlide15.xml><?xml version="1.0" encoding="utf-8"?>
-<p:notes xmlns:a="http://schemas.openxmlformats.org/drawingml/2006/main" xmlns:r="http://schemas.openxmlformats.org/officeDocument/2006/relationships" xmlns:p="http://schemas.openxmlformats.org/presentationml/2006/main">
-  <p:cSld>
-    <p:spTree>
-      <p:nvGrpSpPr>
-        <p:cNvPr id="1" name=""/>
-        <p:cNvGrpSpPr/>
-        <p:nvPr/>
-      </p:nvGrpSpPr>
-      <p:grpSpPr>
-        <a:xfrm>
-          <a:off x="0" y="0"/>
-          <a:ext cx="0" cy="0"/>
-          <a:chOff x="0" y="0"/>
-          <a:chExt cx="0" cy="0"/>
-        </a:xfrm>
-      </p:grpSpPr>
-      <p:sp>
-        <p:nvSpPr>
-          <p:cNvPr id="2" name="Slide Image Placeholder 1"/>
-          <p:cNvSpPr>
-            <a:spLocks noGrp="1" noRot="1" noChangeAspect="1"/>
-          </p:cNvSpPr>
-          <p:nvPr>
-            <p:ph type="sldImg"/>
-          </p:nvPr>
-        </p:nvSpPr>
-        <p:spPr/>
-      </p:sp>
-      <p:sp>
-        <p:nvSpPr>
-          <p:cNvPr id="3" name="Notes Placeholder 2"/>
-          <p:cNvSpPr>
-            <a:spLocks noGrp="1"/>
-          </p:cNvSpPr>
-          <p:nvPr>
-            <p:ph type="body" idx="1"/>
-          </p:nvPr>
-        </p:nvSpPr>
-        <p:spPr/>
-        <p:txBody>
-          <a:bodyPr/>
-          <a:lstStyle/>
-          <a:p>
-            <a:endParaRPr lang="en-US" dirty="0"/>
-          </a:p>
-        </p:txBody>
-      </p:sp>
-      <p:sp>
-        <p:nvSpPr>
-          <p:cNvPr id="4" name="Slide Number Placeholder 3"/>
-          <p:cNvSpPr>
-            <a:spLocks noGrp="1"/>
-          </p:cNvSpPr>
-          <p:nvPr>
-            <p:ph type="sldNum" sz="quarter" idx="5"/>
-          </p:nvPr>
-        </p:nvSpPr>
-        <p:spPr/>
-        <p:txBody>
-          <a:bodyPr/>
-          <a:lstStyle/>
-          <a:p>
-            <a:fld id="{D4B9A9E5-4F7F-4A7D-9DE1-899232329269}" type="slidenum">
-              <a:rPr lang="en-US" smtClean="0"/>
-              <a:t>15</a:t>
-            </a:fld>
-            <a:endParaRPr lang="en-US" dirty="0"/>
-          </a:p>
-        </p:txBody>
-      </p:sp>
-    </p:spTree>
-    <p:extLst>
-      <p:ext uri="{BB962C8B-B14F-4D97-AF65-F5344CB8AC3E}">
-        <p14:creationId xmlns:p14="http://schemas.microsoft.com/office/powerpoint/2010/main" val="2429966596"/>
+        <p14:creationId xmlns:p14="http://schemas.microsoft.com/office/powerpoint/2010/main" val="2805893404"/>
       </p:ext>
     </p:extLst>
   </p:cSld>
@@ -1496,6 +1113,130 @@
           <a:bodyPr/>
           <a:lstStyle/>
           <a:p>
+            <a:r>
+              <a:rPr lang="en-US" dirty="0">
+                <a:latin typeface="Bookman Old Style" panose="02050604050505020204" pitchFamily="18" charset="0"/>
+                <a:cs typeface="Times New Roman" panose="02020603050405020304" pitchFamily="18" charset="0"/>
+              </a:rPr>
+              <a:t>Circled in Red – </a:t>
+            </a:r>
+          </a:p>
+          <a:p>
+            <a:r>
+              <a:rPr lang="en-US" dirty="0">
+                <a:latin typeface="Bookman Old Style" panose="02050604050505020204" pitchFamily="18" charset="0"/>
+                <a:cs typeface="Times New Roman" panose="02020603050405020304" pitchFamily="18" charset="0"/>
+              </a:rPr>
+              <a:t>Output layer activation function - changed from ‘sigmoid’ to ‘linear’</a:t>
+            </a:r>
+          </a:p>
+          <a:p>
+            <a:r>
+              <a:rPr lang="en-US" dirty="0">
+                <a:latin typeface="Bookman Old Style" panose="02050604050505020204" pitchFamily="18" charset="0"/>
+                <a:cs typeface="Times New Roman" panose="02020603050405020304" pitchFamily="18" charset="0"/>
+              </a:rPr>
+              <a:t>Loss Function – changed from ‘</a:t>
+            </a:r>
+            <a:r>
+              <a:rPr lang="en-US" dirty="0" err="1">
+                <a:latin typeface="Bookman Old Style" panose="02050604050505020204" pitchFamily="18" charset="0"/>
+                <a:cs typeface="Times New Roman" panose="02020603050405020304" pitchFamily="18" charset="0"/>
+              </a:rPr>
+              <a:t>binary_crossentropy</a:t>
+            </a:r>
+            <a:r>
+              <a:rPr lang="en-US" dirty="0">
+                <a:latin typeface="Bookman Old Style" panose="02050604050505020204" pitchFamily="18" charset="0"/>
+                <a:cs typeface="Times New Roman" panose="02020603050405020304" pitchFamily="18" charset="0"/>
+              </a:rPr>
+              <a:t>’ to ‘</a:t>
+            </a:r>
+            <a:r>
+              <a:rPr lang="en-US" dirty="0" err="1">
+                <a:latin typeface="Bookman Old Style" panose="02050604050505020204" pitchFamily="18" charset="0"/>
+                <a:cs typeface="Times New Roman" panose="02020603050405020304" pitchFamily="18" charset="0"/>
+              </a:rPr>
+              <a:t>mean_squared_error</a:t>
+            </a:r>
+            <a:r>
+              <a:rPr lang="en-US" dirty="0">
+                <a:latin typeface="Bookman Old Style" panose="02050604050505020204" pitchFamily="18" charset="0"/>
+                <a:cs typeface="Times New Roman" panose="02020603050405020304" pitchFamily="18" charset="0"/>
+              </a:rPr>
+              <a:t>’</a:t>
+            </a:r>
+          </a:p>
+          <a:p>
+            <a:r>
+              <a:rPr lang="en-US" dirty="0">
+                <a:latin typeface="Bookman Old Style" panose="02050604050505020204" pitchFamily="18" charset="0"/>
+                <a:cs typeface="Times New Roman" panose="02020603050405020304" pitchFamily="18" charset="0"/>
+              </a:rPr>
+              <a:t>	Appropriate loss functions could be Mean Squared Error (MSE) or Mean Absolute Error (MAE)</a:t>
+            </a:r>
+          </a:p>
+          <a:p>
+            <a:r>
+              <a:rPr lang="en-US" dirty="0">
+                <a:latin typeface="Bookman Old Style" panose="02050604050505020204" pitchFamily="18" charset="0"/>
+                <a:cs typeface="Times New Roman" panose="02020603050405020304" pitchFamily="18" charset="0"/>
+              </a:rPr>
+              <a:t>	I chose Mean Squared Error because it is more sensitive to large errors since it squares them which encourages the model to reduce large deviations</a:t>
+            </a:r>
+          </a:p>
+          <a:p>
+            <a:r>
+              <a:rPr lang="en-US" dirty="0">
+                <a:latin typeface="Bookman Old Style" panose="02050604050505020204" pitchFamily="18" charset="0"/>
+                <a:cs typeface="Times New Roman" panose="02020603050405020304" pitchFamily="18" charset="0"/>
+              </a:rPr>
+              <a:t>Metrics – changed from ‘accuracy’ to ‘MAE’</a:t>
+            </a:r>
+          </a:p>
+          <a:p>
+            <a:r>
+              <a:rPr lang="en-US" dirty="0">
+                <a:latin typeface="Bookman Old Style" panose="02050604050505020204" pitchFamily="18" charset="0"/>
+                <a:cs typeface="Times New Roman" panose="02020603050405020304" pitchFamily="18" charset="0"/>
+              </a:rPr>
+              <a:t>	Including MAE in metrics gives us </a:t>
+            </a:r>
+            <a:r>
+              <a:rPr lang="en-US" dirty="0"/>
+              <a:t>an idea of the average magnitude of errors in the same units as the target variable</a:t>
+            </a:r>
+          </a:p>
+          <a:p>
+            <a:r>
+              <a:rPr lang="en-US" dirty="0">
+                <a:latin typeface="Bookman Old Style" panose="02050604050505020204" pitchFamily="18" charset="0"/>
+                <a:cs typeface="Times New Roman" panose="02020603050405020304" pitchFamily="18" charset="0"/>
+              </a:rPr>
+              <a:t>Since MAE was used in .</a:t>
+            </a:r>
+            <a:r>
+              <a:rPr lang="en-US" dirty="0" err="1">
+                <a:latin typeface="Bookman Old Style" panose="02050604050505020204" pitchFamily="18" charset="0"/>
+                <a:cs typeface="Times New Roman" panose="02020603050405020304" pitchFamily="18" charset="0"/>
+              </a:rPr>
+              <a:t>complie</a:t>
+            </a:r>
+            <a:r>
+              <a:rPr lang="en-US" dirty="0">
+                <a:latin typeface="Bookman Old Style" panose="02050604050505020204" pitchFamily="18" charset="0"/>
+                <a:cs typeface="Times New Roman" panose="02020603050405020304" pitchFamily="18" charset="0"/>
+              </a:rPr>
+              <a:t> we use it in .evaluate</a:t>
+            </a:r>
+          </a:p>
+          <a:p>
+            <a:endParaRPr lang="en-US" dirty="0">
+              <a:latin typeface="Bookman Old Style" panose="02050604050505020204" pitchFamily="18" charset="0"/>
+              <a:cs typeface="Times New Roman" panose="02020603050405020304" pitchFamily="18" charset="0"/>
+            </a:endParaRPr>
+          </a:p>
+          <a:p>
             <a:endParaRPr lang="en-US" dirty="0"/>
           </a:p>
         </p:txBody>
@@ -1526,7 +1267,7 @@
     </p:spTree>
     <p:extLst>
       <p:ext uri="{BB962C8B-B14F-4D97-AF65-F5344CB8AC3E}">
-        <p14:creationId xmlns:p14="http://schemas.microsoft.com/office/powerpoint/2010/main" val="3555126551"/>
+        <p14:creationId xmlns:p14="http://schemas.microsoft.com/office/powerpoint/2010/main" val="631242069"/>
       </p:ext>
     </p:extLst>
   </p:cSld>
@@ -1580,6 +1321,92 @@
           <a:bodyPr/>
           <a:lstStyle/>
           <a:p>
+            <a:r>
+              <a:rPr lang="en-US" dirty="0"/>
+              <a:t>(ELU) is an activation function that helps the model learn complex patterns. This can lead to faster learning and improved performance.</a:t>
+            </a:r>
+          </a:p>
+          <a:p>
+            <a:r>
+              <a:rPr lang="en-US" dirty="0"/>
+              <a:t>(SGD) Is a basic optimization algorithm. While it is often slower and less efficient than more advanced optimizers like </a:t>
+            </a:r>
+            <a:r>
+              <a:rPr lang="en-US" dirty="0" err="1"/>
+              <a:t>adam</a:t>
+            </a:r>
+            <a:r>
+              <a:rPr lang="en-US" dirty="0"/>
+              <a:t>, it can sometimes yield better results.</a:t>
+            </a:r>
+          </a:p>
+          <a:p>
+            <a:pPr marL="0" marR="0" lvl="0" indent="0" algn="l" defTabSz="914400" rtl="0" eaLnBrk="1" fontAlgn="auto" latinLnBrk="0" hangingPunct="1">
+              <a:lnSpc>
+                <a:spcPct val="100000"/>
+              </a:lnSpc>
+              <a:spcBef>
+                <a:spcPts val="0"/>
+              </a:spcBef>
+              <a:spcAft>
+                <a:spcPts val="0"/>
+              </a:spcAft>
+              <a:buClrTx/>
+              <a:buSzTx/>
+              <a:buFontTx/>
+              <a:buNone/>
+              <a:tabLst/>
+              <a:defRPr/>
+            </a:pPr>
+            <a:r>
+              <a:rPr lang="en-US" sz="1200" dirty="0"/>
+              <a:t>MAE 0.005796 – Predictions are within 0.58% of actual value</a:t>
+            </a:r>
+          </a:p>
+          <a:p>
+            <a:pPr marL="0" marR="0" lvl="0" indent="0" algn="l" defTabSz="914400" rtl="0" eaLnBrk="1" fontAlgn="auto" latinLnBrk="0" hangingPunct="1">
+              <a:lnSpc>
+                <a:spcPct val="100000"/>
+              </a:lnSpc>
+              <a:spcBef>
+                <a:spcPts val="0"/>
+              </a:spcBef>
+              <a:spcAft>
+                <a:spcPts val="0"/>
+              </a:spcAft>
+              <a:buClrTx/>
+              <a:buSzTx/>
+              <a:buFontTx/>
+              <a:buNone/>
+              <a:tabLst/>
+              <a:defRPr/>
+            </a:pPr>
+            <a:r>
+              <a:rPr lang="en-US" sz="1200" dirty="0"/>
+              <a:t>Loss (MSE) 0.000058 – Indicates the model has learned the training data well</a:t>
+            </a:r>
+          </a:p>
+          <a:p>
+            <a:pPr marL="0" marR="0" lvl="0" indent="0" algn="l" defTabSz="914400" rtl="0" eaLnBrk="1" fontAlgn="auto" latinLnBrk="0" hangingPunct="1">
+              <a:lnSpc>
+                <a:spcPct val="100000"/>
+              </a:lnSpc>
+              <a:spcBef>
+                <a:spcPts val="0"/>
+              </a:spcBef>
+              <a:spcAft>
+                <a:spcPts val="0"/>
+              </a:spcAft>
+              <a:buClrTx/>
+              <a:buSzTx/>
+              <a:buFontTx/>
+              <a:buNone/>
+              <a:tabLst/>
+              <a:defRPr/>
+            </a:pPr>
+            <a:endParaRPr lang="en-US" sz="1200" dirty="0"/>
+          </a:p>
+          <a:p>
             <a:endParaRPr lang="en-US" dirty="0"/>
           </a:p>
         </p:txBody>
@@ -1610,7 +1437,7 @@
     </p:spTree>
     <p:extLst>
       <p:ext uri="{BB962C8B-B14F-4D97-AF65-F5344CB8AC3E}">
-        <p14:creationId xmlns:p14="http://schemas.microsoft.com/office/powerpoint/2010/main" val="679238203"/>
+        <p14:creationId xmlns:p14="http://schemas.microsoft.com/office/powerpoint/2010/main" val="3555126551"/>
       </p:ext>
     </p:extLst>
   </p:cSld>
@@ -1664,7 +1491,49 @@
           <a:bodyPr/>
           <a:lstStyle/>
           <a:p>
+            <a:r>
+              <a:rPr lang="en-US" dirty="0"/>
+              <a:t>MAE and MSE are similar values to what we found in the neural network</a:t>
+            </a:r>
+          </a:p>
+          <a:p>
+            <a:r>
+              <a:rPr lang="en-US" dirty="0"/>
+              <a:t>RMSE – Root Mean Squared Error provides an error metric in the same units as the target variable</a:t>
+            </a:r>
+          </a:p>
+          <a:p>
+            <a:r>
+              <a:rPr lang="en-US" dirty="0"/>
+              <a:t>R2 – represents the how much of the variance in the target can be explained by the model. </a:t>
+            </a:r>
+          </a:p>
+          <a:p>
+            <a:r>
+              <a:rPr lang="en-US" dirty="0"/>
+              <a:t>	91.7% suggests high predictive ability</a:t>
+            </a:r>
+          </a:p>
+          <a:p>
             <a:endParaRPr lang="en-US" dirty="0"/>
+          </a:p>
+          <a:p>
+            <a:r>
+              <a:rPr lang="en-US" dirty="0"/>
+              <a:t>POV150 - Persons living below 150% of the poverty level</a:t>
+            </a:r>
+          </a:p>
+          <a:p>
+            <a:r>
+              <a:rPr lang="en-US" dirty="0"/>
+              <a:t>REMNRTY - Persons of racial or ethnic minority status</a:t>
+            </a:r>
+          </a:p>
+          <a:p>
+            <a:r>
+              <a:rPr lang="en-US" dirty="0"/>
+              <a:t>NOHSDP - No high school diploma among adults aged 25 years or older</a:t>
+            </a:r>
           </a:p>
         </p:txBody>
       </p:sp>
@@ -1694,7 +1563,7 @@
     </p:spTree>
     <p:extLst>
       <p:ext uri="{BB962C8B-B14F-4D97-AF65-F5344CB8AC3E}">
-        <p14:creationId xmlns:p14="http://schemas.microsoft.com/office/powerpoint/2010/main" val="3336033586"/>
+        <p14:creationId xmlns:p14="http://schemas.microsoft.com/office/powerpoint/2010/main" val="2106663393"/>
       </p:ext>
     </p:extLst>
   </p:cSld>
@@ -1748,6 +1617,68 @@
           <a:bodyPr/>
           <a:lstStyle/>
           <a:p>
+            <a:r>
+              <a:rPr lang="en-US" dirty="0"/>
+              <a:t>Swish often outperforms traditional activation functions because it is non-monotonic, allowing more flexible learning </a:t>
+            </a:r>
+          </a:p>
+          <a:p>
+            <a:r>
+              <a:rPr lang="en-US" dirty="0" err="1"/>
+              <a:t>Adamax</a:t>
+            </a:r>
+            <a:r>
+              <a:rPr lang="en-US" dirty="0"/>
+              <a:t> is a variant of the Adam optimizer. It is generally more stable and has been shown to work well for deep learning models</a:t>
+            </a:r>
+          </a:p>
+          <a:p>
+            <a:pPr marL="0" marR="0" lvl="0" indent="0" algn="l" defTabSz="914400" rtl="0" eaLnBrk="1" fontAlgn="auto" latinLnBrk="0" hangingPunct="1">
+              <a:lnSpc>
+                <a:spcPct val="100000"/>
+              </a:lnSpc>
+              <a:spcBef>
+                <a:spcPts val="0"/>
+              </a:spcBef>
+              <a:spcAft>
+                <a:spcPts val="0"/>
+              </a:spcAft>
+              <a:buClrTx/>
+              <a:buSzTx/>
+              <a:buFontTx/>
+              <a:buNone/>
+              <a:tabLst/>
+              <a:defRPr/>
+            </a:pPr>
+            <a:r>
+              <a:rPr lang="en-US" sz="1200" dirty="0"/>
+              <a:t>MAE 0.002372 – Predictions are within .24% of the actual value</a:t>
+            </a:r>
+          </a:p>
+          <a:p>
+            <a:pPr marL="0" marR="0" lvl="0" indent="0" algn="l" defTabSz="914400" rtl="0" eaLnBrk="1" fontAlgn="auto" latinLnBrk="0" hangingPunct="1">
+              <a:lnSpc>
+                <a:spcPct val="100000"/>
+              </a:lnSpc>
+              <a:spcBef>
+                <a:spcPts val="0"/>
+              </a:spcBef>
+              <a:spcAft>
+                <a:spcPts val="0"/>
+              </a:spcAft>
+              <a:buClrTx/>
+              <a:buSzTx/>
+              <a:buFontTx/>
+              <a:buNone/>
+              <a:tabLst/>
+              <a:defRPr/>
+            </a:pPr>
+            <a:r>
+              <a:rPr lang="en-US" sz="1200" dirty="0"/>
+              <a:t>Loss (MSE) 0.00001 – Indicates the model has learned the training data well</a:t>
+            </a:r>
+          </a:p>
+          <a:p>
             <a:endParaRPr lang="en-US" dirty="0"/>
           </a:p>
         </p:txBody>
@@ -1778,7 +1709,7 @@
     </p:spTree>
     <p:extLst>
       <p:ext uri="{BB962C8B-B14F-4D97-AF65-F5344CB8AC3E}">
-        <p14:creationId xmlns:p14="http://schemas.microsoft.com/office/powerpoint/2010/main" val="1698969355"/>
+        <p14:creationId xmlns:p14="http://schemas.microsoft.com/office/powerpoint/2010/main" val="679238203"/>
       </p:ext>
     </p:extLst>
   </p:cSld>
@@ -1832,7 +1763,62 @@
           <a:bodyPr/>
           <a:lstStyle/>
           <a:p>
+            <a:r>
+              <a:rPr lang="en-US" dirty="0"/>
+              <a:t>MAE and MSE are similar values to what we found in the neural network</a:t>
+            </a:r>
+          </a:p>
+          <a:p>
+            <a:r>
+              <a:rPr lang="en-US" dirty="0"/>
+              <a:t>RMSE – Root Mean Squared Error provides an error metric in the same units as the target variable</a:t>
+            </a:r>
+          </a:p>
+          <a:p>
+            <a:r>
+              <a:rPr lang="en-US" dirty="0"/>
+              <a:t>R2 – represents the how much of the variance in the target can be explained by the model. </a:t>
+            </a:r>
+          </a:p>
+          <a:p>
+            <a:r>
+              <a:rPr lang="en-US" dirty="0"/>
+              <a:t>	88.2% suggests high predictive ability</a:t>
+            </a:r>
+          </a:p>
+          <a:p>
             <a:endParaRPr lang="en-US" dirty="0"/>
+          </a:p>
+          <a:p>
+            <a:r>
+              <a:rPr lang="en-US" dirty="0"/>
+              <a:t>POV150 - Persons living below 150% of the poverty level</a:t>
+            </a:r>
+          </a:p>
+          <a:p>
+            <a:r>
+              <a:rPr lang="en-US" dirty="0"/>
+              <a:t>NOHSDP - No high school diploma among adults aged 25 years or older</a:t>
+            </a:r>
+            <a:br>
+              <a:rPr lang="en-US" dirty="0"/>
+            </a:br>
+            <a:r>
+              <a:rPr lang="en-US" dirty="0"/>
+              <a:t>HCOST - Housing cost burden among households</a:t>
+            </a:r>
+          </a:p>
+          <a:p>
+            <a:r>
+              <a:rPr lang="en-US" dirty="0"/>
+              <a:t>BROAD - No broadband internet subscription among households</a:t>
+            </a:r>
+          </a:p>
+          <a:p>
+            <a:r>
+              <a:rPr lang="en-US" dirty="0"/>
+              <a:t>REMNRTY - Persons of racial or ethnic minority status</a:t>
+            </a:r>
           </a:p>
         </p:txBody>
       </p:sp>
@@ -1862,7 +1848,7 @@
     </p:spTree>
     <p:extLst>
       <p:ext uri="{BB962C8B-B14F-4D97-AF65-F5344CB8AC3E}">
-        <p14:creationId xmlns:p14="http://schemas.microsoft.com/office/powerpoint/2010/main" val="3528550546"/>
+        <p14:creationId xmlns:p14="http://schemas.microsoft.com/office/powerpoint/2010/main" val="3385012073"/>
       </p:ext>
     </p:extLst>
   </p:cSld>
@@ -1916,6 +1902,52 @@
           <a:bodyPr/>
           <a:lstStyle/>
           <a:p>
+            <a:r>
+              <a:rPr lang="en-US" dirty="0"/>
+              <a:t>Swish often outperforms traditional activation functions because it is non-monotonic, allowing more flexible learning </a:t>
+            </a:r>
+          </a:p>
+          <a:p>
+            <a:r>
+              <a:rPr lang="en-US" dirty="0"/>
+              <a:t>RMSprop is an adaptive learning rate optimizer designed to handle noisy and non-stationary data</a:t>
+            </a:r>
+          </a:p>
+          <a:p>
+            <a:r>
+              <a:rPr lang="en-US" sz="1200" dirty="0"/>
+              <a:t>MAE 0.000948 – Predictions are within .09% of the actual value</a:t>
+            </a:r>
+          </a:p>
+          <a:p>
+            <a:pPr marL="0" marR="0" lvl="0" indent="0" algn="l" defTabSz="914400" rtl="0" eaLnBrk="1" fontAlgn="auto" latinLnBrk="0" hangingPunct="1">
+              <a:lnSpc>
+                <a:spcPct val="100000"/>
+              </a:lnSpc>
+              <a:spcBef>
+                <a:spcPts val="0"/>
+              </a:spcBef>
+              <a:spcAft>
+                <a:spcPts val="0"/>
+              </a:spcAft>
+              <a:buClrTx/>
+              <a:buSzTx/>
+              <a:buFontTx/>
+              <a:buNone/>
+              <a:tabLst/>
+              <a:defRPr/>
+            </a:pPr>
+            <a:r>
+              <a:rPr lang="en-US" sz="1200" dirty="0"/>
+              <a:t>Loss (MSE) 0.000002 – is </a:t>
+            </a:r>
+            <a:r>
+              <a:rPr lang="en-US" dirty="0"/>
+              <a:t>extremely low, suggesting that the model is highly efficient at minimizing prediction errors</a:t>
+            </a:r>
+            <a:endParaRPr lang="en-US" sz="1200" dirty="0"/>
+          </a:p>
+          <a:p>
             <a:endParaRPr lang="en-US" dirty="0"/>
           </a:p>
         </p:txBody>
@@ -1946,7 +1978,7 @@
     </p:spTree>
     <p:extLst>
       <p:ext uri="{BB962C8B-B14F-4D97-AF65-F5344CB8AC3E}">
-        <p14:creationId xmlns:p14="http://schemas.microsoft.com/office/powerpoint/2010/main" val="631242069"/>
+        <p14:creationId xmlns:p14="http://schemas.microsoft.com/office/powerpoint/2010/main" val="3336033586"/>
       </p:ext>
     </p:extLst>
   </p:cSld>
@@ -7075,2364 +7107,92 @@
       </p:grpSpPr>
       <p:sp>
         <p:nvSpPr>
-          <p:cNvPr id="2" name="Title 1">
-            <a:extLst>
-              <a:ext uri="{FF2B5EF4-FFF2-40B4-BE49-F238E27FC236}">
-                <a16:creationId xmlns:a16="http://schemas.microsoft.com/office/drawing/2014/main" id="{14808221-C29B-07A3-B569-B8B466B1020B}"/>
-              </a:ext>
-            </a:extLst>
-          </p:cNvPr>
-          <p:cNvSpPr>
-            <a:spLocks noGrp="1"/>
-          </p:cNvSpPr>
-          <p:nvPr>
-            <p:ph type="title"/>
-          </p:nvPr>
-        </p:nvSpPr>
-        <p:spPr>
-          <a:xfrm>
-            <a:off x="6096000" y="375285"/>
-            <a:ext cx="4896678" cy="3624984"/>
-          </a:xfrm>
+          <p:cNvPr id="11" name="TextBox 10">
+            <a:extLst>
+              <a:ext uri="{FF2B5EF4-FFF2-40B4-BE49-F238E27FC236}">
+                <a16:creationId xmlns:a16="http://schemas.microsoft.com/office/drawing/2014/main" id="{EF560E1A-5D93-7C5A-63E5-F0BE69BB027D}"/>
+              </a:ext>
+            </a:extLst>
+          </p:cNvPr>
+          <p:cNvSpPr txBox="1"/>
+          <p:nvPr/>
+        </p:nvSpPr>
+        <p:spPr>
+          <a:xfrm>
+            <a:off x="1291608" y="233520"/>
+            <a:ext cx="5036456" cy="954107"/>
+          </a:xfrm>
+          <a:prstGeom prst="rect">
+            <a:avLst/>
+          </a:prstGeom>
+          <a:noFill/>
         </p:spPr>
         <p:txBody>
-          <a:bodyPr/>
+          <a:bodyPr wrap="square" rtlCol="0">
+            <a:spAutoFit/>
+          </a:bodyPr>
           <a:lstStyle/>
           <a:p>
             <a:r>
-              <a:rPr lang="en-US" dirty="0"/>
-              <a:t>Product benefits</a:t>
+              <a:rPr lang="en-US" sz="2800" b="1" dirty="0"/>
+              <a:t>Cancer Random Forest Regressor Evaluation Metrics</a:t>
             </a:r>
           </a:p>
         </p:txBody>
       </p:sp>
       <p:pic>
         <p:nvPicPr>
-          <p:cNvPr id="5" name="Picture Placeholder 4" descr="A person standing in a greenhouse">
-            <a:extLst>
-              <a:ext uri="{FF2B5EF4-FFF2-40B4-BE49-F238E27FC236}">
-                <a16:creationId xmlns:a16="http://schemas.microsoft.com/office/drawing/2014/main" id="{EE30546E-D63D-6DD8-4DA7-41DD51A44C2F}"/>
+          <p:cNvPr id="4104" name="Picture 8">
+            <a:extLst>
+              <a:ext uri="{FF2B5EF4-FFF2-40B4-BE49-F238E27FC236}">
+                <a16:creationId xmlns:a16="http://schemas.microsoft.com/office/drawing/2014/main" id="{6B93406A-159D-AEF6-7AB5-FCE8DECE3987}"/>
               </a:ext>
             </a:extLst>
           </p:cNvPr>
           <p:cNvPicPr>
-            <a:picLocks noGrp="1" noChangeAspect="1"/>
+            <a:picLocks noChangeAspect="1" noChangeArrowheads="1"/>
           </p:cNvPicPr>
-          <p:nvPr>
-            <p:ph type="pic" sz="quarter" idx="11"/>
-          </p:nvPr>
+          <p:nvPr/>
         </p:nvPicPr>
         <p:blipFill>
-          <a:blip r:embed="rId3"/>
-          <a:srcRect t="12487" b="12487"/>
-          <a:stretch/>
+          <a:blip r:embed="rId3">
+            <a:extLst>
+              <a:ext uri="{28A0092B-C50C-407E-A947-70E740481C1C}">
+                <a14:useLocalDpi xmlns:a14="http://schemas.microsoft.com/office/drawing/2010/main" val="0"/>
+              </a:ext>
+            </a:extLst>
+          </a:blip>
+          <a:srcRect/>
+          <a:stretch>
+            <a:fillRect/>
+          </a:stretch>
         </p:blipFill>
-        <p:spPr>
-          <a:xfrm>
-            <a:off x="0" y="0"/>
-            <a:ext cx="6096000" cy="6858000"/>
-          </a:xfrm>
+        <p:spPr bwMode="auto">
+          <a:xfrm>
+            <a:off x="405246" y="1432231"/>
+            <a:ext cx="8274021" cy="5192249"/>
+          </a:xfrm>
+          <a:prstGeom prst="rect">
+            <a:avLst/>
+          </a:prstGeom>
+          <a:noFill/>
+          <a:extLst>
+            <a:ext uri="{909E8E84-426E-40DD-AFC4-6F175D3DCCD1}">
+              <a14:hiddenFill xmlns:a14="http://schemas.microsoft.com/office/drawing/2010/main">
+                <a:solidFill>
+                  <a:srgbClr val="FFFFFF"/>
+                </a:solidFill>
+              </a14:hiddenFill>
+            </a:ext>
+          </a:extLst>
         </p:spPr>
       </p:pic>
-      <p:sp>
-        <p:nvSpPr>
-          <p:cNvPr id="3" name="Content Placeholder 2">
-            <a:extLst>
-              <a:ext uri="{FF2B5EF4-FFF2-40B4-BE49-F238E27FC236}">
-                <a16:creationId xmlns:a16="http://schemas.microsoft.com/office/drawing/2014/main" id="{D6BEA7D4-8B96-5A0E-252E-6B8E8B1CF178}"/>
-              </a:ext>
-            </a:extLst>
-          </p:cNvPr>
-          <p:cNvSpPr>
-            <a:spLocks noGrp="1"/>
-          </p:cNvSpPr>
-          <p:nvPr>
-            <p:ph sz="quarter" idx="10"/>
-          </p:nvPr>
-        </p:nvSpPr>
-        <p:spPr>
-          <a:xfrm>
-            <a:off x="6096000" y="4172990"/>
-            <a:ext cx="4896677" cy="2309726"/>
-          </a:xfrm>
-        </p:spPr>
-        <p:txBody>
-          <a:bodyPr/>
-          <a:lstStyle/>
-          <a:p>
-            <a:r>
-              <a:rPr lang="en-US" noProof="1"/>
-              <a:t>Online store and market swap</a:t>
-            </a:r>
-          </a:p>
-        </p:txBody>
-      </p:sp>
-    </p:spTree>
-    <p:extLst>
-      <p:ext uri="{BB962C8B-B14F-4D97-AF65-F5344CB8AC3E}">
-        <p14:creationId xmlns:p14="http://schemas.microsoft.com/office/powerpoint/2010/main" val="1760417424"/>
-      </p:ext>
-    </p:extLst>
-  </p:cSld>
-  <p:clrMapOvr>
-    <a:masterClrMapping/>
-  </p:clrMapOvr>
-</p:sld>
-</file>
-
-<file path=ppt/slides/slide11.xml><?xml version="1.0" encoding="utf-8"?>
-<p:sld xmlns:a="http://schemas.openxmlformats.org/drawingml/2006/main" xmlns:r="http://schemas.openxmlformats.org/officeDocument/2006/relationships" xmlns:p="http://schemas.openxmlformats.org/presentationml/2006/main">
-  <p:cSld>
-    <p:spTree>
-      <p:nvGrpSpPr>
-        <p:cNvPr id="1" name=""/>
-        <p:cNvGrpSpPr/>
-        <p:nvPr/>
-      </p:nvGrpSpPr>
-      <p:grpSpPr>
-        <a:xfrm>
-          <a:off x="0" y="0"/>
-          <a:ext cx="0" cy="0"/>
-          <a:chOff x="0" y="0"/>
-          <a:chExt cx="0" cy="0"/>
-        </a:xfrm>
-      </p:grpSpPr>
-      <p:sp>
-        <p:nvSpPr>
-          <p:cNvPr id="2" name="Title 1">
-            <a:extLst>
-              <a:ext uri="{FF2B5EF4-FFF2-40B4-BE49-F238E27FC236}">
-                <a16:creationId xmlns:a16="http://schemas.microsoft.com/office/drawing/2014/main" id="{6DBDB0AE-5ADD-1975-6BDD-38608925072A}"/>
-              </a:ext>
-            </a:extLst>
-          </p:cNvPr>
-          <p:cNvSpPr>
-            <a:spLocks noGrp="1"/>
-          </p:cNvSpPr>
-          <p:nvPr>
-            <p:ph type="title"/>
-          </p:nvPr>
-        </p:nvSpPr>
-        <p:spPr>
-          <a:xfrm>
-            <a:off x="914398" y="365125"/>
-            <a:ext cx="10439401" cy="1617017"/>
-          </a:xfrm>
-        </p:spPr>
-        <p:txBody>
-          <a:bodyPr/>
-          <a:lstStyle/>
-          <a:p>
-            <a:r>
-              <a:rPr lang="en-US" dirty="0"/>
-              <a:t>Product overview </a:t>
-            </a:r>
-          </a:p>
-        </p:txBody>
-      </p:sp>
-      <p:sp>
-        <p:nvSpPr>
-          <p:cNvPr id="3" name="Content Placeholder 2">
-            <a:extLst>
-              <a:ext uri="{FF2B5EF4-FFF2-40B4-BE49-F238E27FC236}">
-                <a16:creationId xmlns:a16="http://schemas.microsoft.com/office/drawing/2014/main" id="{E374C67C-D286-74AE-086C-3E45FF9D9542}"/>
-              </a:ext>
-            </a:extLst>
-          </p:cNvPr>
-          <p:cNvSpPr>
-            <a:spLocks noGrp="1"/>
-          </p:cNvSpPr>
-          <p:nvPr>
-            <p:ph sz="quarter" idx="10"/>
-          </p:nvPr>
-        </p:nvSpPr>
-        <p:spPr>
-          <a:xfrm>
-            <a:off x="914399" y="2022250"/>
-            <a:ext cx="3310129" cy="3747180"/>
-          </a:xfrm>
-        </p:spPr>
-        <p:txBody>
-          <a:bodyPr/>
-          <a:lstStyle/>
-          <a:p>
-            <a:r>
-              <a:rPr lang="en-US" dirty="0"/>
-              <a:t>Unique</a:t>
-            </a:r>
-          </a:p>
-          <a:p>
-            <a:r>
-              <a:rPr lang="en-US" dirty="0"/>
-              <a:t>First to market</a:t>
-            </a:r>
-          </a:p>
-          <a:p>
-            <a:r>
-              <a:rPr lang="en-US" dirty="0"/>
-              <a:t>Tested</a:t>
-            </a:r>
-          </a:p>
-          <a:p>
-            <a:r>
-              <a:rPr lang="en-US" dirty="0"/>
-              <a:t>Authentic</a:t>
-            </a:r>
-          </a:p>
-        </p:txBody>
-      </p:sp>
-      <p:sp>
-        <p:nvSpPr>
-          <p:cNvPr id="4" name="Content Placeholder 3">
-            <a:extLst>
-              <a:ext uri="{FF2B5EF4-FFF2-40B4-BE49-F238E27FC236}">
-                <a16:creationId xmlns:a16="http://schemas.microsoft.com/office/drawing/2014/main" id="{701C2F4A-ABC8-39B2-B7BB-36C02B7A4540}"/>
-              </a:ext>
-            </a:extLst>
-          </p:cNvPr>
-          <p:cNvSpPr>
-            <a:spLocks noGrp="1"/>
-          </p:cNvSpPr>
-          <p:nvPr>
-            <p:ph sz="quarter" idx="11"/>
-          </p:nvPr>
-        </p:nvSpPr>
-        <p:spPr>
-          <a:xfrm>
-            <a:off x="4602310" y="2018120"/>
-            <a:ext cx="6751489" cy="3747180"/>
-          </a:xfrm>
-        </p:spPr>
-        <p:txBody>
-          <a:bodyPr/>
-          <a:lstStyle/>
-          <a:p>
-            <a:r>
-              <a:rPr lang="en-US" dirty="0"/>
-              <a:t>Only product specifically dedicated to this niche market</a:t>
-            </a:r>
-          </a:p>
-          <a:p>
-            <a:r>
-              <a:rPr lang="en-US" dirty="0"/>
-              <a:t>First beautifully designed product that's both stylish and functional</a:t>
-            </a:r>
-          </a:p>
-          <a:p>
-            <a:r>
-              <a:rPr lang="en-US" dirty="0"/>
-              <a:t>Conducted testing with college students in the area</a:t>
-            </a:r>
-          </a:p>
-          <a:p>
-            <a:r>
-              <a:rPr lang="en-US" dirty="0"/>
-              <a:t>Designed with the help and input of experts in the field </a:t>
-            </a:r>
-          </a:p>
-        </p:txBody>
-      </p:sp>
-      <p:sp>
-        <p:nvSpPr>
-          <p:cNvPr id="5" name="Slide Number Placeholder 4">
-            <a:extLst>
-              <a:ext uri="{FF2B5EF4-FFF2-40B4-BE49-F238E27FC236}">
-                <a16:creationId xmlns:a16="http://schemas.microsoft.com/office/drawing/2014/main" id="{4D27E5DB-AFB6-9088-87C9-1F671C0B0330}"/>
-              </a:ext>
-            </a:extLst>
-          </p:cNvPr>
-          <p:cNvSpPr>
-            <a:spLocks noGrp="1"/>
-          </p:cNvSpPr>
-          <p:nvPr>
-            <p:ph type="sldNum" sz="quarter" idx="4"/>
-          </p:nvPr>
-        </p:nvSpPr>
-        <p:spPr>
-          <a:xfrm>
-            <a:off x="914400" y="6246254"/>
-            <a:ext cx="631065" cy="296214"/>
-          </a:xfrm>
-        </p:spPr>
-        <p:txBody>
-          <a:bodyPr/>
-          <a:lstStyle/>
-          <a:p>
-            <a:fld id="{B5CEABB6-07DC-46E8-9B57-56EC44A396E5}" type="slidenum">
-              <a:rPr lang="en-US" smtClean="0"/>
-              <a:pPr/>
-              <a:t>11</a:t>
-            </a:fld>
-            <a:endParaRPr lang="en-US" dirty="0"/>
-          </a:p>
-        </p:txBody>
-      </p:sp>
-    </p:spTree>
-    <p:extLst>
-      <p:ext uri="{BB962C8B-B14F-4D97-AF65-F5344CB8AC3E}">
-        <p14:creationId xmlns:p14="http://schemas.microsoft.com/office/powerpoint/2010/main" val="569699605"/>
-      </p:ext>
-    </p:extLst>
-  </p:cSld>
-  <p:clrMapOvr>
-    <a:masterClrMapping/>
-  </p:clrMapOvr>
-</p:sld>
-</file>
-
-<file path=ppt/slides/slide12.xml><?xml version="1.0" encoding="utf-8"?>
-<p:sld xmlns:a="http://schemas.openxmlformats.org/drawingml/2006/main" xmlns:r="http://schemas.openxmlformats.org/officeDocument/2006/relationships" xmlns:p="http://schemas.openxmlformats.org/presentationml/2006/main">
-  <p:cSld>
-    <p:spTree>
-      <p:nvGrpSpPr>
-        <p:cNvPr id="1" name=""/>
-        <p:cNvGrpSpPr/>
-        <p:nvPr/>
-      </p:nvGrpSpPr>
-      <p:grpSpPr>
-        <a:xfrm>
-          <a:off x="0" y="0"/>
-          <a:ext cx="0" cy="0"/>
-          <a:chOff x="0" y="0"/>
-          <a:chExt cx="0" cy="0"/>
-        </a:xfrm>
-      </p:grpSpPr>
-      <p:sp>
-        <p:nvSpPr>
-          <p:cNvPr id="2" name="Title 1">
-            <a:extLst>
-              <a:ext uri="{FF2B5EF4-FFF2-40B4-BE49-F238E27FC236}">
-                <a16:creationId xmlns:a16="http://schemas.microsoft.com/office/drawing/2014/main" id="{56FEAA13-E02F-EB47-E510-E3F48A95F847}"/>
-              </a:ext>
-            </a:extLst>
-          </p:cNvPr>
-          <p:cNvSpPr>
-            <a:spLocks noGrp="1"/>
-          </p:cNvSpPr>
-          <p:nvPr>
-            <p:ph type="title"/>
-          </p:nvPr>
-        </p:nvSpPr>
-        <p:spPr>
-          <a:xfrm>
-            <a:off x="916385" y="446313"/>
-            <a:ext cx="5179615" cy="1448747"/>
-          </a:xfrm>
-        </p:spPr>
-        <p:txBody>
-          <a:bodyPr/>
-          <a:lstStyle/>
-          <a:p>
-            <a:r>
-              <a:rPr lang="en-US" dirty="0"/>
-              <a:t>Growth strategy</a:t>
-            </a:r>
-          </a:p>
-        </p:txBody>
-      </p:sp>
-      <p:sp>
-        <p:nvSpPr>
-          <p:cNvPr id="3" name="Content Placeholder 2">
-            <a:extLst>
-              <a:ext uri="{FF2B5EF4-FFF2-40B4-BE49-F238E27FC236}">
-                <a16:creationId xmlns:a16="http://schemas.microsoft.com/office/drawing/2014/main" id="{05E26637-007F-EC9E-F644-AAFBA0900F3C}"/>
-              </a:ext>
-            </a:extLst>
-          </p:cNvPr>
-          <p:cNvSpPr>
-            <a:spLocks noGrp="1"/>
-          </p:cNvSpPr>
-          <p:nvPr>
-            <p:ph sz="quarter" idx="10"/>
-          </p:nvPr>
-        </p:nvSpPr>
-        <p:spPr>
-          <a:xfrm>
-            <a:off x="914399" y="2022250"/>
-            <a:ext cx="5181600" cy="3747180"/>
-          </a:xfrm>
-        </p:spPr>
-        <p:txBody>
-          <a:bodyPr/>
-          <a:lstStyle/>
-          <a:p>
-            <a:r>
-              <a:rPr lang="en-US" b="1" dirty="0"/>
-              <a:t>Feb 20XX: </a:t>
-            </a:r>
-            <a:r>
-              <a:rPr lang="en-US" dirty="0"/>
-              <a:t>roll out product to high profile or top-level participants to help establish the product</a:t>
-            </a:r>
-          </a:p>
-          <a:p>
-            <a:r>
-              <a:rPr lang="en-US" b="1" dirty="0"/>
-              <a:t>May 20XX: </a:t>
-            </a:r>
-            <a:r>
-              <a:rPr lang="en-US" dirty="0"/>
-              <a:t>release the product to the public and monitor press release and social media accounts</a:t>
-            </a:r>
-          </a:p>
-          <a:p>
-            <a:r>
-              <a:rPr lang="en-US" b="1" dirty="0"/>
-              <a:t>Oct 20XX: </a:t>
-            </a:r>
-            <a:r>
-              <a:rPr lang="en-US" dirty="0"/>
-              <a:t>gather feedback and adjust product design as necessary</a:t>
-            </a:r>
-          </a:p>
-        </p:txBody>
-      </p:sp>
-      <p:sp>
-        <p:nvSpPr>
-          <p:cNvPr id="5" name="Slide Number Placeholder 4">
-            <a:extLst>
-              <a:ext uri="{FF2B5EF4-FFF2-40B4-BE49-F238E27FC236}">
-                <a16:creationId xmlns:a16="http://schemas.microsoft.com/office/drawing/2014/main" id="{1DDD930B-FB1B-543D-6828-8C31F30BBD28}"/>
-              </a:ext>
-            </a:extLst>
-          </p:cNvPr>
-          <p:cNvSpPr>
-            <a:spLocks noGrp="1"/>
-          </p:cNvSpPr>
-          <p:nvPr>
-            <p:ph type="sldNum" sz="quarter" idx="4"/>
-          </p:nvPr>
-        </p:nvSpPr>
-        <p:spPr>
-          <a:xfrm>
-            <a:off x="914400" y="6246254"/>
-            <a:ext cx="631065" cy="296214"/>
-          </a:xfrm>
-        </p:spPr>
-        <p:txBody>
-          <a:bodyPr/>
-          <a:lstStyle/>
-          <a:p>
-            <a:fld id="{B5CEABB6-07DC-46E8-9B57-56EC44A396E5}" type="slidenum">
-              <a:rPr lang="en-US" smtClean="0"/>
-              <a:pPr/>
-              <a:t>12</a:t>
-            </a:fld>
-            <a:endParaRPr lang="en-US" dirty="0"/>
-          </a:p>
-        </p:txBody>
-      </p:sp>
       <p:pic>
         <p:nvPicPr>
-          <p:cNvPr id="18" name="Picture Placeholder 17" descr="Two people looking at their phones">
-            <a:extLst>
-              <a:ext uri="{FF2B5EF4-FFF2-40B4-BE49-F238E27FC236}">
-                <a16:creationId xmlns:a16="http://schemas.microsoft.com/office/drawing/2014/main" id="{1609D79A-E8EF-302E-E8CA-07C644CE0E0F}"/>
-              </a:ext>
-            </a:extLst>
-          </p:cNvPr>
-          <p:cNvPicPr>
-            <a:picLocks noGrp="1" noChangeAspect="1"/>
-          </p:cNvPicPr>
-          <p:nvPr>
-            <p:ph type="pic" sz="quarter" idx="11"/>
-          </p:nvPr>
-        </p:nvPicPr>
-        <p:blipFill>
-          <a:blip r:embed="rId3"/>
-          <a:srcRect l="81" r="81"/>
-          <a:stretch/>
-        </p:blipFill>
-        <p:spPr>
-          <a:xfrm>
-            <a:off x="6076950" y="0"/>
-            <a:ext cx="6115050" cy="6868886"/>
-          </a:xfrm>
-        </p:spPr>
-      </p:pic>
-    </p:spTree>
-    <p:extLst>
-      <p:ext uri="{BB962C8B-B14F-4D97-AF65-F5344CB8AC3E}">
-        <p14:creationId xmlns:p14="http://schemas.microsoft.com/office/powerpoint/2010/main" val="1517447069"/>
-      </p:ext>
-    </p:extLst>
-  </p:cSld>
-  <p:clrMapOvr>
-    <a:masterClrMapping/>
-  </p:clrMapOvr>
-</p:sld>
-</file>
-
-<file path=ppt/slides/slide13.xml><?xml version="1.0" encoding="utf-8"?>
-<p:sld xmlns:a="http://schemas.openxmlformats.org/drawingml/2006/main" xmlns:r="http://schemas.openxmlformats.org/officeDocument/2006/relationships" xmlns:p="http://schemas.openxmlformats.org/presentationml/2006/main">
-  <p:cSld>
-    <p:spTree>
-      <p:nvGrpSpPr>
-        <p:cNvPr id="1" name=""/>
-        <p:cNvGrpSpPr/>
-        <p:nvPr/>
-      </p:nvGrpSpPr>
-      <p:grpSpPr>
-        <a:xfrm>
-          <a:off x="0" y="0"/>
-          <a:ext cx="0" cy="0"/>
-          <a:chOff x="0" y="0"/>
-          <a:chExt cx="0" cy="0"/>
-        </a:xfrm>
-      </p:grpSpPr>
-      <p:sp>
-        <p:nvSpPr>
-          <p:cNvPr id="2" name="Title 1">
-            <a:extLst>
-              <a:ext uri="{FF2B5EF4-FFF2-40B4-BE49-F238E27FC236}">
-                <a16:creationId xmlns:a16="http://schemas.microsoft.com/office/drawing/2014/main" id="{8ED62B2F-534F-A196-1186-33D282CE3C7F}"/>
-              </a:ext>
-            </a:extLst>
-          </p:cNvPr>
-          <p:cNvSpPr>
-            <a:spLocks noGrp="1"/>
-          </p:cNvSpPr>
-          <p:nvPr>
-            <p:ph type="title"/>
-          </p:nvPr>
-        </p:nvSpPr>
-        <p:spPr>
-          <a:xfrm>
-            <a:off x="914399" y="365125"/>
-            <a:ext cx="10363202" cy="1603462"/>
-          </a:xfrm>
-        </p:spPr>
-        <p:txBody>
-          <a:bodyPr/>
-          <a:lstStyle/>
-          <a:p>
-            <a:r>
-              <a:rPr lang="en-US" dirty="0"/>
-              <a:t>Market overview</a:t>
-            </a:r>
-          </a:p>
-        </p:txBody>
-      </p:sp>
-      <p:sp>
-        <p:nvSpPr>
-          <p:cNvPr id="3" name="Content Placeholder 2">
-            <a:extLst>
-              <a:ext uri="{FF2B5EF4-FFF2-40B4-BE49-F238E27FC236}">
-                <a16:creationId xmlns:a16="http://schemas.microsoft.com/office/drawing/2014/main" id="{93C71586-1388-197C-1294-83D4DD85293E}"/>
-              </a:ext>
-            </a:extLst>
-          </p:cNvPr>
-          <p:cNvSpPr>
-            <a:spLocks noGrp="1"/>
-          </p:cNvSpPr>
-          <p:nvPr>
-            <p:ph sz="quarter" idx="10"/>
-          </p:nvPr>
-        </p:nvSpPr>
-        <p:spPr>
-          <a:xfrm>
-            <a:off x="914399" y="2022250"/>
-            <a:ext cx="3299013" cy="3914910"/>
-          </a:xfrm>
-        </p:spPr>
-        <p:txBody>
-          <a:bodyPr/>
-          <a:lstStyle/>
-          <a:p>
-            <a:r>
-              <a:rPr lang="en-US" dirty="0"/>
-              <a:t>Opportunity to build</a:t>
-            </a:r>
-          </a:p>
-          <a:p>
-            <a:r>
-              <a:rPr lang="en-US" dirty="0"/>
-              <a:t>Fully inclusive market</a:t>
-            </a:r>
-          </a:p>
-          <a:p>
-            <a:r>
-              <a:rPr lang="en-US" dirty="0"/>
-              <a:t>Total addressable market</a:t>
-            </a:r>
-          </a:p>
-          <a:p>
-            <a:r>
-              <a:rPr lang="en-US" noProof="1"/>
-              <a:t>Freedom to invent</a:t>
-            </a:r>
-            <a:endParaRPr lang="en-US" dirty="0"/>
-          </a:p>
-          <a:p>
-            <a:r>
-              <a:rPr lang="en-US" noProof="1"/>
-              <a:t>Selectively inclusive market</a:t>
-            </a:r>
-          </a:p>
-          <a:p>
-            <a:r>
-              <a:rPr lang="en-US" noProof="1"/>
-              <a:t>Serviceable available market</a:t>
-            </a:r>
-          </a:p>
-        </p:txBody>
-      </p:sp>
-      <p:graphicFrame>
-        <p:nvGraphicFramePr>
-          <p:cNvPr id="6" name="Table 11">
-            <a:extLst>
-              <a:ext uri="{FF2B5EF4-FFF2-40B4-BE49-F238E27FC236}">
-                <a16:creationId xmlns:a16="http://schemas.microsoft.com/office/drawing/2014/main" id="{2EE5D6E7-8306-54E8-220A-099D3B755FFE}"/>
-              </a:ext>
-            </a:extLst>
-          </p:cNvPr>
-          <p:cNvGraphicFramePr>
-            <a:graphicFrameLocks noGrp="1"/>
-          </p:cNvGraphicFramePr>
-          <p:nvPr>
-            <p:ph type="tbl" sz="quarter" idx="11"/>
-            <p:extLst>
-              <p:ext uri="{D42A27DB-BD31-4B8C-83A1-F6EECF244321}">
-                <p14:modId xmlns:p14="http://schemas.microsoft.com/office/powerpoint/2010/main" val="2564561545"/>
-              </p:ext>
-            </p:extLst>
-          </p:nvPr>
-        </p:nvGraphicFramePr>
-        <p:xfrm>
-          <a:off x="4602163" y="2017713"/>
-          <a:ext cx="6675294" cy="3925485"/>
-        </p:xfrm>
-        <a:graphic>
-          <a:graphicData uri="http://schemas.openxmlformats.org/drawingml/2006/table">
-            <a:tbl>
-              <a:tblPr firstRow="1" bandRow="1">
-                <a:tableStyleId>{5C22544A-7EE6-4342-B048-85BDC9FD1C3A}</a:tableStyleId>
-              </a:tblPr>
-              <a:tblGrid>
-                <a:gridCol w="1085272">
-                  <a:extLst>
-                    <a:ext uri="{9D8B030D-6E8A-4147-A177-3AD203B41FA5}">
-                      <a16:colId xmlns:a16="http://schemas.microsoft.com/office/drawing/2014/main" val="3233966979"/>
-                    </a:ext>
-                  </a:extLst>
-                </a:gridCol>
-                <a:gridCol w="1085272">
-                  <a:extLst>
-                    <a:ext uri="{9D8B030D-6E8A-4147-A177-3AD203B41FA5}">
-                      <a16:colId xmlns:a16="http://schemas.microsoft.com/office/drawing/2014/main" val="1158840958"/>
-                    </a:ext>
-                  </a:extLst>
-                </a:gridCol>
-                <a:gridCol w="1085272">
-                  <a:extLst>
-                    <a:ext uri="{9D8B030D-6E8A-4147-A177-3AD203B41FA5}">
-                      <a16:colId xmlns:a16="http://schemas.microsoft.com/office/drawing/2014/main" val="1014947327"/>
-                    </a:ext>
-                  </a:extLst>
-                </a:gridCol>
-                <a:gridCol w="1709739">
-                  <a:extLst>
-                    <a:ext uri="{9D8B030D-6E8A-4147-A177-3AD203B41FA5}">
-                      <a16:colId xmlns:a16="http://schemas.microsoft.com/office/drawing/2014/main" val="2653728004"/>
-                    </a:ext>
-                  </a:extLst>
-                </a:gridCol>
-                <a:gridCol w="1709739">
-                  <a:extLst>
-                    <a:ext uri="{9D8B030D-6E8A-4147-A177-3AD203B41FA5}">
-                      <a16:colId xmlns:a16="http://schemas.microsoft.com/office/drawing/2014/main" val="4218738779"/>
-                    </a:ext>
-                  </a:extLst>
-                </a:gridCol>
-              </a:tblGrid>
-              <a:tr h="785097">
-                <a:tc>
-                  <a:txBody>
-                    <a:bodyPr/>
-                    <a:lstStyle/>
-                    <a:p>
-                      <a:pPr algn="l"/>
-                      <a:endParaRPr lang="en-US" sz="1800" dirty="0">
-                        <a:solidFill>
-                          <a:schemeClr val="tx1"/>
-                        </a:solidFill>
-                      </a:endParaRPr>
-                    </a:p>
-                  </a:txBody>
-                  <a:tcPr/>
-                </a:tc>
-                <a:tc>
-                  <a:txBody>
-                    <a:bodyPr/>
-                    <a:lstStyle/>
-                    <a:p>
-                      <a:pPr algn="l"/>
-                      <a:r>
-                        <a:rPr lang="en-US" sz="1800" dirty="0">
-                          <a:solidFill>
-                            <a:schemeClr val="tx1"/>
-                          </a:solidFill>
-                        </a:rPr>
-                        <a:t>Clients</a:t>
-                      </a:r>
-                      <a:endParaRPr lang="ru-RU" sz="1800" dirty="0">
-                        <a:solidFill>
-                          <a:schemeClr val="tx1"/>
-                        </a:solidFill>
-                      </a:endParaRPr>
-                    </a:p>
-                  </a:txBody>
-                  <a:tcPr marL="95186" marR="95186" marT="47593" marB="47593" anchor="ctr"/>
-                </a:tc>
-                <a:tc>
-                  <a:txBody>
-                    <a:bodyPr/>
-                    <a:lstStyle/>
-                    <a:p>
-                      <a:pPr algn="l"/>
-                      <a:r>
-                        <a:rPr lang="en-US" sz="1800" dirty="0">
-                          <a:solidFill>
-                            <a:schemeClr val="tx1"/>
-                          </a:solidFill>
-                        </a:rPr>
-                        <a:t>Orders</a:t>
-                      </a:r>
-                      <a:endParaRPr lang="ru-RU" sz="1800" dirty="0">
-                        <a:solidFill>
-                          <a:schemeClr val="tx1"/>
-                        </a:solidFill>
-                      </a:endParaRPr>
-                    </a:p>
-                  </a:txBody>
-                  <a:tcPr marL="95186" marR="95186" marT="47593" marB="47593" anchor="ctr"/>
-                </a:tc>
-                <a:tc>
-                  <a:txBody>
-                    <a:bodyPr/>
-                    <a:lstStyle/>
-                    <a:p>
-                      <a:pPr algn="l"/>
-                      <a:r>
-                        <a:rPr lang="en-US" sz="1800" dirty="0">
-                          <a:solidFill>
-                            <a:schemeClr val="tx1"/>
-                          </a:solidFill>
-                        </a:rPr>
-                        <a:t>Gross revenue</a:t>
-                      </a:r>
-                      <a:endParaRPr lang="ru-RU" sz="1800" dirty="0">
-                        <a:solidFill>
-                          <a:schemeClr val="tx1"/>
-                        </a:solidFill>
-                      </a:endParaRPr>
-                    </a:p>
-                  </a:txBody>
-                  <a:tcPr marL="95186" marR="95186" marT="47593" marB="47593" anchor="ctr"/>
-                </a:tc>
-                <a:tc>
-                  <a:txBody>
-                    <a:bodyPr/>
-                    <a:lstStyle/>
-                    <a:p>
-                      <a:pPr algn="l"/>
-                      <a:r>
-                        <a:rPr lang="en-US" sz="1800" dirty="0">
-                          <a:solidFill>
-                            <a:schemeClr val="tx1"/>
-                          </a:solidFill>
-                        </a:rPr>
-                        <a:t>Net revenue</a:t>
-                      </a:r>
-                      <a:endParaRPr lang="ru-RU" sz="1800" dirty="0">
-                        <a:solidFill>
-                          <a:schemeClr val="tx1"/>
-                        </a:solidFill>
-                      </a:endParaRPr>
-                    </a:p>
-                  </a:txBody>
-                  <a:tcPr marL="95186" marR="95186" marT="47593" marB="47593" anchor="ctr"/>
-                </a:tc>
-                <a:extLst>
-                  <a:ext uri="{0D108BD9-81ED-4DB2-BD59-A6C34878D82A}">
-                    <a16:rowId xmlns:a16="http://schemas.microsoft.com/office/drawing/2014/main" val="3213590700"/>
-                  </a:ext>
-                </a:extLst>
-              </a:tr>
-              <a:tr h="785097">
-                <a:tc>
-                  <a:txBody>
-                    <a:bodyPr/>
-                    <a:lstStyle/>
-                    <a:p>
-                      <a:pPr algn="l"/>
-                      <a:r>
-                        <a:rPr lang="en-US" sz="1800" dirty="0">
-                          <a:solidFill>
-                            <a:schemeClr val="tx1"/>
-                          </a:solidFill>
-                        </a:rPr>
-                        <a:t>20XX</a:t>
-                      </a:r>
-                      <a:endParaRPr lang="ru-RU" sz="1800" dirty="0">
-                        <a:solidFill>
-                          <a:schemeClr val="tx1"/>
-                        </a:solidFill>
-                      </a:endParaRPr>
-                    </a:p>
-                  </a:txBody>
-                  <a:tcPr anchor="ctr"/>
-                </a:tc>
-                <a:tc>
-                  <a:txBody>
-                    <a:bodyPr/>
-                    <a:lstStyle/>
-                    <a:p>
-                      <a:pPr algn="l"/>
-                      <a:r>
-                        <a:rPr lang="en-US" sz="1800" dirty="0">
-                          <a:solidFill>
-                            <a:schemeClr val="tx1"/>
-                          </a:solidFill>
-                        </a:rPr>
-                        <a:t>10</a:t>
-                      </a:r>
-                      <a:endParaRPr lang="ru-RU" sz="1800" dirty="0">
-                        <a:solidFill>
-                          <a:schemeClr val="tx1"/>
-                        </a:solidFill>
-                      </a:endParaRPr>
-                    </a:p>
-                  </a:txBody>
-                  <a:tcPr marL="95186" marR="95186" marT="47593" marB="47593" anchor="ctr"/>
-                </a:tc>
-                <a:tc>
-                  <a:txBody>
-                    <a:bodyPr/>
-                    <a:lstStyle/>
-                    <a:p>
-                      <a:pPr algn="l"/>
-                      <a:r>
-                        <a:rPr lang="en-US" sz="1800" dirty="0">
-                          <a:solidFill>
-                            <a:schemeClr val="tx1"/>
-                          </a:solidFill>
-                        </a:rPr>
-                        <a:t>1100</a:t>
-                      </a:r>
-                      <a:endParaRPr lang="ru-RU" sz="1800" dirty="0">
-                        <a:solidFill>
-                          <a:schemeClr val="tx1"/>
-                        </a:solidFill>
-                      </a:endParaRPr>
-                    </a:p>
-                  </a:txBody>
-                  <a:tcPr marL="95186" marR="95186" marT="47593" marB="47593" anchor="ctr"/>
-                </a:tc>
-                <a:tc>
-                  <a:txBody>
-                    <a:bodyPr/>
-                    <a:lstStyle/>
-                    <a:p>
-                      <a:pPr algn="l"/>
-                      <a:r>
-                        <a:rPr lang="en-US" sz="1800" dirty="0">
-                          <a:solidFill>
-                            <a:schemeClr val="tx1"/>
-                          </a:solidFill>
-                        </a:rPr>
-                        <a:t>$10,000</a:t>
-                      </a:r>
-                      <a:endParaRPr lang="ru-RU" sz="1800" dirty="0">
-                        <a:solidFill>
-                          <a:schemeClr val="tx1"/>
-                        </a:solidFill>
-                      </a:endParaRPr>
-                    </a:p>
-                  </a:txBody>
-                  <a:tcPr marL="95186" marR="95186" marT="47593" marB="47593" anchor="ctr"/>
-                </a:tc>
-                <a:tc>
-                  <a:txBody>
-                    <a:bodyPr/>
-                    <a:lstStyle/>
-                    <a:p>
-                      <a:pPr algn="l"/>
-                      <a:r>
-                        <a:rPr lang="en-US" sz="1800" dirty="0">
-                          <a:solidFill>
-                            <a:schemeClr val="tx1"/>
-                          </a:solidFill>
-                        </a:rPr>
-                        <a:t>$7,000</a:t>
-                      </a:r>
-                      <a:endParaRPr lang="ru-RU" sz="1800" dirty="0">
-                        <a:solidFill>
-                          <a:schemeClr val="tx1"/>
-                        </a:solidFill>
-                      </a:endParaRPr>
-                    </a:p>
-                  </a:txBody>
-                  <a:tcPr marL="95186" marR="95186" marT="47593" marB="47593" anchor="ctr"/>
-                </a:tc>
-                <a:extLst>
-                  <a:ext uri="{0D108BD9-81ED-4DB2-BD59-A6C34878D82A}">
-                    <a16:rowId xmlns:a16="http://schemas.microsoft.com/office/drawing/2014/main" val="2830826746"/>
-                  </a:ext>
-                </a:extLst>
-              </a:tr>
-              <a:tr h="785097">
-                <a:tc>
-                  <a:txBody>
-                    <a:bodyPr/>
-                    <a:lstStyle/>
-                    <a:p>
-                      <a:pPr algn="l"/>
-                      <a:r>
-                        <a:rPr lang="en-US" sz="1800" dirty="0">
-                          <a:solidFill>
-                            <a:schemeClr val="tx1"/>
-                          </a:solidFill>
-                        </a:rPr>
-                        <a:t>20XX</a:t>
-                      </a:r>
-                      <a:endParaRPr lang="ru-RU" sz="1800" dirty="0">
-                        <a:solidFill>
-                          <a:schemeClr val="tx1"/>
-                        </a:solidFill>
-                      </a:endParaRPr>
-                    </a:p>
-                  </a:txBody>
-                  <a:tcPr anchor="ctr"/>
-                </a:tc>
-                <a:tc>
-                  <a:txBody>
-                    <a:bodyPr/>
-                    <a:lstStyle/>
-                    <a:p>
-                      <a:pPr algn="l"/>
-                      <a:r>
-                        <a:rPr lang="en-US" sz="1800" dirty="0">
-                          <a:solidFill>
-                            <a:schemeClr val="tx1"/>
-                          </a:solidFill>
-                        </a:rPr>
-                        <a:t>20</a:t>
-                      </a:r>
-                      <a:endParaRPr lang="ru-RU" sz="1800" dirty="0">
-                        <a:solidFill>
-                          <a:schemeClr val="tx1"/>
-                        </a:solidFill>
-                      </a:endParaRPr>
-                    </a:p>
-                  </a:txBody>
-                  <a:tcPr marL="95186" marR="95186" marT="47593" marB="47593" anchor="ctr"/>
-                </a:tc>
-                <a:tc>
-                  <a:txBody>
-                    <a:bodyPr/>
-                    <a:lstStyle/>
-                    <a:p>
-                      <a:pPr algn="l"/>
-                      <a:r>
-                        <a:rPr lang="en-US" sz="1800" dirty="0">
-                          <a:solidFill>
-                            <a:schemeClr val="tx1"/>
-                          </a:solidFill>
-                        </a:rPr>
-                        <a:t>200</a:t>
-                      </a:r>
-                      <a:endParaRPr lang="ru-RU" sz="1800" dirty="0">
-                        <a:solidFill>
-                          <a:schemeClr val="tx1"/>
-                        </a:solidFill>
-                      </a:endParaRPr>
-                    </a:p>
-                  </a:txBody>
-                  <a:tcPr marL="95186" marR="95186" marT="47593" marB="47593" anchor="ctr"/>
-                </a:tc>
-                <a:tc>
-                  <a:txBody>
-                    <a:bodyPr/>
-                    <a:lstStyle/>
-                    <a:p>
-                      <a:pPr marL="0" marR="0" lvl="0" indent="0" algn="l" defTabSz="914400" rtl="0" eaLnBrk="1" fontAlgn="auto" latinLnBrk="0" hangingPunct="1">
-                        <a:lnSpc>
-                          <a:spcPct val="100000"/>
-                        </a:lnSpc>
-                        <a:spcBef>
-                          <a:spcPts val="0"/>
-                        </a:spcBef>
-                        <a:spcAft>
-                          <a:spcPts val="0"/>
-                        </a:spcAft>
-                        <a:buClrTx/>
-                        <a:buSzTx/>
-                        <a:buFontTx/>
-                        <a:buNone/>
-                        <a:tabLst/>
-                        <a:defRPr/>
-                      </a:pPr>
-                      <a:r>
-                        <a:rPr lang="en-US" sz="1800" dirty="0">
-                          <a:solidFill>
-                            <a:schemeClr val="tx1"/>
-                          </a:solidFill>
-                        </a:rPr>
-                        <a:t>$20,000</a:t>
-                      </a:r>
-                      <a:endParaRPr lang="ru-RU" sz="1800" dirty="0">
-                        <a:solidFill>
-                          <a:schemeClr val="tx1"/>
-                        </a:solidFill>
-                      </a:endParaRPr>
-                    </a:p>
-                  </a:txBody>
-                  <a:tcPr marL="95186" marR="95186" marT="47593" marB="47593" anchor="ctr"/>
-                </a:tc>
-                <a:tc>
-                  <a:txBody>
-                    <a:bodyPr/>
-                    <a:lstStyle/>
-                    <a:p>
-                      <a:pPr marL="0" marR="0" lvl="0" indent="0" algn="l" defTabSz="914400" rtl="0" eaLnBrk="1" fontAlgn="auto" latinLnBrk="0" hangingPunct="1">
-                        <a:lnSpc>
-                          <a:spcPct val="100000"/>
-                        </a:lnSpc>
-                        <a:spcBef>
-                          <a:spcPts val="0"/>
-                        </a:spcBef>
-                        <a:spcAft>
-                          <a:spcPts val="0"/>
-                        </a:spcAft>
-                        <a:buClrTx/>
-                        <a:buSzTx/>
-                        <a:buFontTx/>
-                        <a:buNone/>
-                        <a:tabLst/>
-                        <a:defRPr/>
-                      </a:pPr>
-                      <a:r>
-                        <a:rPr lang="en-US" sz="1800" dirty="0">
-                          <a:solidFill>
-                            <a:schemeClr val="tx1"/>
-                          </a:solidFill>
-                        </a:rPr>
-                        <a:t>$16,000</a:t>
-                      </a:r>
-                      <a:endParaRPr lang="ru-RU" sz="1800" dirty="0">
-                        <a:solidFill>
-                          <a:schemeClr val="tx1"/>
-                        </a:solidFill>
-                      </a:endParaRPr>
-                    </a:p>
-                  </a:txBody>
-                  <a:tcPr marL="95186" marR="95186" marT="47593" marB="47593" anchor="ctr"/>
-                </a:tc>
-                <a:extLst>
-                  <a:ext uri="{0D108BD9-81ED-4DB2-BD59-A6C34878D82A}">
-                    <a16:rowId xmlns:a16="http://schemas.microsoft.com/office/drawing/2014/main" val="2517333721"/>
-                  </a:ext>
-                </a:extLst>
-              </a:tr>
-              <a:tr h="785097">
-                <a:tc>
-                  <a:txBody>
-                    <a:bodyPr/>
-                    <a:lstStyle/>
-                    <a:p>
-                      <a:pPr algn="l"/>
-                      <a:r>
-                        <a:rPr lang="en-US" sz="1800" dirty="0">
-                          <a:solidFill>
-                            <a:schemeClr val="tx1"/>
-                          </a:solidFill>
-                        </a:rPr>
-                        <a:t>20XX</a:t>
-                      </a:r>
-                      <a:endParaRPr lang="ru-RU" sz="1800" dirty="0">
-                        <a:solidFill>
-                          <a:schemeClr val="tx1"/>
-                        </a:solidFill>
-                      </a:endParaRPr>
-                    </a:p>
-                  </a:txBody>
-                  <a:tcPr anchor="ctr"/>
-                </a:tc>
-                <a:tc>
-                  <a:txBody>
-                    <a:bodyPr/>
-                    <a:lstStyle/>
-                    <a:p>
-                      <a:pPr algn="l"/>
-                      <a:r>
-                        <a:rPr lang="en-US" sz="1800" dirty="0">
-                          <a:solidFill>
-                            <a:schemeClr val="tx1"/>
-                          </a:solidFill>
-                        </a:rPr>
-                        <a:t>30</a:t>
-                      </a:r>
-                      <a:endParaRPr lang="ru-RU" sz="1800" dirty="0">
-                        <a:solidFill>
-                          <a:schemeClr val="tx1"/>
-                        </a:solidFill>
-                      </a:endParaRPr>
-                    </a:p>
-                  </a:txBody>
-                  <a:tcPr marL="95186" marR="95186" marT="47593" marB="47593" anchor="ctr"/>
-                </a:tc>
-                <a:tc>
-                  <a:txBody>
-                    <a:bodyPr/>
-                    <a:lstStyle/>
-                    <a:p>
-                      <a:pPr algn="l"/>
-                      <a:r>
-                        <a:rPr lang="en-US" sz="1800" dirty="0">
-                          <a:solidFill>
-                            <a:schemeClr val="tx1"/>
-                          </a:solidFill>
-                        </a:rPr>
-                        <a:t>300</a:t>
-                      </a:r>
-                      <a:endParaRPr lang="ru-RU" sz="1800" dirty="0">
-                        <a:solidFill>
-                          <a:schemeClr val="tx1"/>
-                        </a:solidFill>
-                      </a:endParaRPr>
-                    </a:p>
-                  </a:txBody>
-                  <a:tcPr marL="95186" marR="95186" marT="47593" marB="47593" anchor="ctr"/>
-                </a:tc>
-                <a:tc>
-                  <a:txBody>
-                    <a:bodyPr/>
-                    <a:lstStyle/>
-                    <a:p>
-                      <a:pPr marL="0" marR="0" lvl="0" indent="0" algn="l" defTabSz="914400" rtl="0" eaLnBrk="1" fontAlgn="auto" latinLnBrk="0" hangingPunct="1">
-                        <a:lnSpc>
-                          <a:spcPct val="100000"/>
-                        </a:lnSpc>
-                        <a:spcBef>
-                          <a:spcPts val="0"/>
-                        </a:spcBef>
-                        <a:spcAft>
-                          <a:spcPts val="0"/>
-                        </a:spcAft>
-                        <a:buClrTx/>
-                        <a:buSzTx/>
-                        <a:buFontTx/>
-                        <a:buNone/>
-                        <a:tabLst/>
-                        <a:defRPr/>
-                      </a:pPr>
-                      <a:r>
-                        <a:rPr lang="en-US" sz="1800" dirty="0">
-                          <a:solidFill>
-                            <a:schemeClr val="tx1"/>
-                          </a:solidFill>
-                        </a:rPr>
-                        <a:t>$30,000</a:t>
-                      </a:r>
-                      <a:endParaRPr lang="ru-RU" sz="1800" dirty="0">
-                        <a:solidFill>
-                          <a:schemeClr val="tx1"/>
-                        </a:solidFill>
-                      </a:endParaRPr>
-                    </a:p>
-                  </a:txBody>
-                  <a:tcPr marL="95186" marR="95186" marT="47593" marB="47593" anchor="ctr"/>
-                </a:tc>
-                <a:tc>
-                  <a:txBody>
-                    <a:bodyPr/>
-                    <a:lstStyle/>
-                    <a:p>
-                      <a:pPr marL="0" marR="0" lvl="0" indent="0" algn="l" defTabSz="914400" rtl="0" eaLnBrk="1" fontAlgn="auto" latinLnBrk="0" hangingPunct="1">
-                        <a:lnSpc>
-                          <a:spcPct val="100000"/>
-                        </a:lnSpc>
-                        <a:spcBef>
-                          <a:spcPts val="0"/>
-                        </a:spcBef>
-                        <a:spcAft>
-                          <a:spcPts val="0"/>
-                        </a:spcAft>
-                        <a:buClrTx/>
-                        <a:buSzTx/>
-                        <a:buFontTx/>
-                        <a:buNone/>
-                        <a:tabLst/>
-                        <a:defRPr/>
-                      </a:pPr>
-                      <a:r>
-                        <a:rPr lang="en-US" sz="1800" dirty="0">
-                          <a:solidFill>
-                            <a:schemeClr val="tx1"/>
-                          </a:solidFill>
-                        </a:rPr>
-                        <a:t>$25,000</a:t>
-                      </a:r>
-                      <a:endParaRPr lang="ru-RU" sz="1800" dirty="0">
-                        <a:solidFill>
-                          <a:schemeClr val="tx1"/>
-                        </a:solidFill>
-                      </a:endParaRPr>
-                    </a:p>
-                  </a:txBody>
-                  <a:tcPr marL="95186" marR="95186" marT="47593" marB="47593" anchor="ctr"/>
-                </a:tc>
-                <a:extLst>
-                  <a:ext uri="{0D108BD9-81ED-4DB2-BD59-A6C34878D82A}">
-                    <a16:rowId xmlns:a16="http://schemas.microsoft.com/office/drawing/2014/main" val="3321589815"/>
-                  </a:ext>
-                </a:extLst>
-              </a:tr>
-              <a:tr h="785097">
-                <a:tc>
-                  <a:txBody>
-                    <a:bodyPr/>
-                    <a:lstStyle/>
-                    <a:p>
-                      <a:pPr algn="l"/>
-                      <a:r>
-                        <a:rPr lang="en-US" sz="1800" dirty="0">
-                          <a:solidFill>
-                            <a:schemeClr val="tx1"/>
-                          </a:solidFill>
-                        </a:rPr>
-                        <a:t>20XX</a:t>
-                      </a:r>
-                      <a:endParaRPr lang="ru-RU" sz="1800" dirty="0">
-                        <a:solidFill>
-                          <a:schemeClr val="tx1"/>
-                        </a:solidFill>
-                      </a:endParaRPr>
-                    </a:p>
-                  </a:txBody>
-                  <a:tcPr anchor="ctr"/>
-                </a:tc>
-                <a:tc>
-                  <a:txBody>
-                    <a:bodyPr/>
-                    <a:lstStyle/>
-                    <a:p>
-                      <a:pPr algn="l"/>
-                      <a:r>
-                        <a:rPr lang="en-US" sz="1800" dirty="0">
-                          <a:solidFill>
-                            <a:schemeClr val="tx1"/>
-                          </a:solidFill>
-                        </a:rPr>
-                        <a:t>40</a:t>
-                      </a:r>
-                      <a:endParaRPr lang="ru-RU" sz="1800" dirty="0">
-                        <a:solidFill>
-                          <a:schemeClr val="tx1"/>
-                        </a:solidFill>
-                      </a:endParaRPr>
-                    </a:p>
-                  </a:txBody>
-                  <a:tcPr marL="95186" marR="95186" marT="47593" marB="47593" anchor="ctr"/>
-                </a:tc>
-                <a:tc>
-                  <a:txBody>
-                    <a:bodyPr/>
-                    <a:lstStyle/>
-                    <a:p>
-                      <a:pPr algn="l"/>
-                      <a:r>
-                        <a:rPr lang="en-US" sz="1800" dirty="0">
-                          <a:solidFill>
-                            <a:schemeClr val="tx1"/>
-                          </a:solidFill>
-                        </a:rPr>
-                        <a:t>400</a:t>
-                      </a:r>
-                      <a:endParaRPr lang="ru-RU" sz="1800" dirty="0">
-                        <a:solidFill>
-                          <a:schemeClr val="tx1"/>
-                        </a:solidFill>
-                      </a:endParaRPr>
-                    </a:p>
-                  </a:txBody>
-                  <a:tcPr marL="95186" marR="95186" marT="47593" marB="47593" anchor="ctr"/>
-                </a:tc>
-                <a:tc>
-                  <a:txBody>
-                    <a:bodyPr/>
-                    <a:lstStyle/>
-                    <a:p>
-                      <a:pPr marL="0" marR="0" lvl="0" indent="0" algn="l" defTabSz="914400" rtl="0" eaLnBrk="1" fontAlgn="auto" latinLnBrk="0" hangingPunct="1">
-                        <a:lnSpc>
-                          <a:spcPct val="100000"/>
-                        </a:lnSpc>
-                        <a:spcBef>
-                          <a:spcPts val="0"/>
-                        </a:spcBef>
-                        <a:spcAft>
-                          <a:spcPts val="0"/>
-                        </a:spcAft>
-                        <a:buClrTx/>
-                        <a:buSzTx/>
-                        <a:buFontTx/>
-                        <a:buNone/>
-                        <a:tabLst/>
-                        <a:defRPr/>
-                      </a:pPr>
-                      <a:r>
-                        <a:rPr lang="en-US" sz="1800" dirty="0">
-                          <a:solidFill>
-                            <a:schemeClr val="tx1"/>
-                          </a:solidFill>
-                        </a:rPr>
-                        <a:t>$40,000</a:t>
-                      </a:r>
-                      <a:endParaRPr lang="ru-RU" sz="1800" dirty="0">
-                        <a:solidFill>
-                          <a:schemeClr val="tx1"/>
-                        </a:solidFill>
-                      </a:endParaRPr>
-                    </a:p>
-                  </a:txBody>
-                  <a:tcPr marL="95186" marR="95186" marT="47593" marB="47593" anchor="ctr"/>
-                </a:tc>
-                <a:tc>
-                  <a:txBody>
-                    <a:bodyPr/>
-                    <a:lstStyle/>
-                    <a:p>
-                      <a:pPr marL="0" marR="0" lvl="0" indent="0" algn="l" defTabSz="914400" rtl="0" eaLnBrk="1" fontAlgn="auto" latinLnBrk="0" hangingPunct="1">
-                        <a:lnSpc>
-                          <a:spcPct val="100000"/>
-                        </a:lnSpc>
-                        <a:spcBef>
-                          <a:spcPts val="0"/>
-                        </a:spcBef>
-                        <a:spcAft>
-                          <a:spcPts val="0"/>
-                        </a:spcAft>
-                        <a:buClrTx/>
-                        <a:buSzTx/>
-                        <a:buFontTx/>
-                        <a:buNone/>
-                        <a:tabLst/>
-                        <a:defRPr/>
-                      </a:pPr>
-                      <a:r>
-                        <a:rPr lang="en-US" sz="1800" dirty="0">
-                          <a:solidFill>
-                            <a:schemeClr val="tx1"/>
-                          </a:solidFill>
-                        </a:rPr>
-                        <a:t>$30,000</a:t>
-                      </a:r>
-                      <a:endParaRPr lang="ru-RU" sz="1800" dirty="0">
-                        <a:solidFill>
-                          <a:schemeClr val="tx1"/>
-                        </a:solidFill>
-                      </a:endParaRPr>
-                    </a:p>
-                  </a:txBody>
-                  <a:tcPr marL="95186" marR="95186" marT="47593" marB="47593" anchor="ctr"/>
-                </a:tc>
-                <a:extLst>
-                  <a:ext uri="{0D108BD9-81ED-4DB2-BD59-A6C34878D82A}">
-                    <a16:rowId xmlns:a16="http://schemas.microsoft.com/office/drawing/2014/main" val="3345832805"/>
-                  </a:ext>
-                </a:extLst>
-              </a:tr>
-            </a:tbl>
-          </a:graphicData>
-        </a:graphic>
-      </p:graphicFrame>
-      <p:sp>
-        <p:nvSpPr>
-          <p:cNvPr id="5" name="Slide Number Placeholder 4">
-            <a:extLst>
-              <a:ext uri="{FF2B5EF4-FFF2-40B4-BE49-F238E27FC236}">
-                <a16:creationId xmlns:a16="http://schemas.microsoft.com/office/drawing/2014/main" id="{0FF6EF25-1A43-B685-800B-85D36602EF9F}"/>
-              </a:ext>
-            </a:extLst>
-          </p:cNvPr>
-          <p:cNvSpPr>
-            <a:spLocks noGrp="1"/>
-          </p:cNvSpPr>
-          <p:nvPr>
-            <p:ph type="sldNum" sz="quarter" idx="4"/>
-          </p:nvPr>
-        </p:nvSpPr>
-        <p:spPr>
-          <a:xfrm>
-            <a:off x="914400" y="6246254"/>
-            <a:ext cx="631065" cy="296214"/>
-          </a:xfrm>
-        </p:spPr>
-        <p:txBody>
-          <a:bodyPr/>
-          <a:lstStyle/>
-          <a:p>
-            <a:fld id="{B5CEABB6-07DC-46E8-9B57-56EC44A396E5}" type="slidenum">
-              <a:rPr lang="en-US" smtClean="0"/>
-              <a:pPr/>
-              <a:t>13</a:t>
-            </a:fld>
-            <a:endParaRPr lang="en-US" dirty="0"/>
-          </a:p>
-        </p:txBody>
-      </p:sp>
-    </p:spTree>
-    <p:extLst>
-      <p:ext uri="{BB962C8B-B14F-4D97-AF65-F5344CB8AC3E}">
-        <p14:creationId xmlns:p14="http://schemas.microsoft.com/office/powerpoint/2010/main" val="2149261472"/>
-      </p:ext>
-    </p:extLst>
-  </p:cSld>
-  <p:clrMapOvr>
-    <a:masterClrMapping/>
-  </p:clrMapOvr>
-</p:sld>
-</file>
-
-<file path=ppt/slides/slide14.xml><?xml version="1.0" encoding="utf-8"?>
-<p:sld xmlns:a="http://schemas.openxmlformats.org/drawingml/2006/main" xmlns:r="http://schemas.openxmlformats.org/officeDocument/2006/relationships" xmlns:p="http://schemas.openxmlformats.org/presentationml/2006/main">
-  <p:cSld>
-    <p:spTree>
-      <p:nvGrpSpPr>
-        <p:cNvPr id="1" name=""/>
-        <p:cNvGrpSpPr/>
-        <p:nvPr/>
-      </p:nvGrpSpPr>
-      <p:grpSpPr>
-        <a:xfrm>
-          <a:off x="0" y="0"/>
-          <a:ext cx="0" cy="0"/>
-          <a:chOff x="0" y="0"/>
-          <a:chExt cx="0" cy="0"/>
-        </a:xfrm>
-      </p:grpSpPr>
-      <p:sp>
-        <p:nvSpPr>
-          <p:cNvPr id="2" name="Title 1">
-            <a:extLst>
-              <a:ext uri="{FF2B5EF4-FFF2-40B4-BE49-F238E27FC236}">
-                <a16:creationId xmlns:a16="http://schemas.microsoft.com/office/drawing/2014/main" id="{958ECED9-3D31-C7EF-C4E5-0D218F611807}"/>
-              </a:ext>
-            </a:extLst>
-          </p:cNvPr>
-          <p:cNvSpPr>
-            <a:spLocks noGrp="1"/>
-          </p:cNvSpPr>
-          <p:nvPr>
-            <p:ph type="title"/>
-          </p:nvPr>
-        </p:nvSpPr>
-        <p:spPr>
-          <a:xfrm>
-            <a:off x="923545" y="584477"/>
-            <a:ext cx="10354052" cy="1209765"/>
-          </a:xfrm>
-        </p:spPr>
-        <p:txBody>
-          <a:bodyPr/>
-          <a:lstStyle/>
-          <a:p>
-            <a:r>
-              <a:rPr lang="en-US" dirty="0"/>
-              <a:t>Financials</a:t>
-            </a:r>
-          </a:p>
-        </p:txBody>
-      </p:sp>
-      <p:graphicFrame>
-        <p:nvGraphicFramePr>
-          <p:cNvPr id="5" name="Table 9">
-            <a:extLst>
-              <a:ext uri="{FF2B5EF4-FFF2-40B4-BE49-F238E27FC236}">
-                <a16:creationId xmlns:a16="http://schemas.microsoft.com/office/drawing/2014/main" id="{B782709C-FC0C-E355-9C94-A8EE025BAC7B}"/>
-              </a:ext>
-            </a:extLst>
-          </p:cNvPr>
-          <p:cNvGraphicFramePr>
-            <a:graphicFrameLocks noGrp="1"/>
-          </p:cNvGraphicFramePr>
-          <p:nvPr>
-            <p:ph type="tbl" sz="quarter" idx="10"/>
-            <p:extLst>
-              <p:ext uri="{D42A27DB-BD31-4B8C-83A1-F6EECF244321}">
-                <p14:modId xmlns:p14="http://schemas.microsoft.com/office/powerpoint/2010/main" val="829977845"/>
-              </p:ext>
-            </p:extLst>
-          </p:nvPr>
-        </p:nvGraphicFramePr>
-        <p:xfrm>
-          <a:off x="923925" y="2009775"/>
-          <a:ext cx="10363201" cy="3934070"/>
-        </p:xfrm>
-        <a:graphic>
-          <a:graphicData uri="http://schemas.openxmlformats.org/drawingml/2006/table">
-            <a:tbl>
-              <a:tblPr firstRow="1" bandRow="1">
-                <a:tableStyleId>{5C22544A-7EE6-4342-B048-85BDC9FD1C3A}</a:tableStyleId>
-              </a:tblPr>
-              <a:tblGrid>
-                <a:gridCol w="4324555">
-                  <a:extLst>
-                    <a:ext uri="{9D8B030D-6E8A-4147-A177-3AD203B41FA5}">
-                      <a16:colId xmlns:a16="http://schemas.microsoft.com/office/drawing/2014/main" val="3446012419"/>
-                    </a:ext>
-                  </a:extLst>
-                </a:gridCol>
-                <a:gridCol w="2012882">
-                  <a:extLst>
-                    <a:ext uri="{9D8B030D-6E8A-4147-A177-3AD203B41FA5}">
-                      <a16:colId xmlns:a16="http://schemas.microsoft.com/office/drawing/2014/main" val="4052646397"/>
-                    </a:ext>
-                  </a:extLst>
-                </a:gridCol>
-                <a:gridCol w="2012882">
-                  <a:extLst>
-                    <a:ext uri="{9D8B030D-6E8A-4147-A177-3AD203B41FA5}">
-                      <a16:colId xmlns:a16="http://schemas.microsoft.com/office/drawing/2014/main" val="1935352797"/>
-                    </a:ext>
-                  </a:extLst>
-                </a:gridCol>
-                <a:gridCol w="2012882">
-                  <a:extLst>
-                    <a:ext uri="{9D8B030D-6E8A-4147-A177-3AD203B41FA5}">
-                      <a16:colId xmlns:a16="http://schemas.microsoft.com/office/drawing/2014/main" val="1218263486"/>
-                    </a:ext>
-                  </a:extLst>
-                </a:gridCol>
-              </a:tblGrid>
-              <a:tr h="562010">
-                <a:tc>
-                  <a:txBody>
-                    <a:bodyPr/>
-                    <a:lstStyle/>
-                    <a:p>
-                      <a:pPr algn="l" fontAlgn="b"/>
-                      <a:endParaRPr lang="en-US" sz="1800" b="0" i="0" u="none" strike="noStrike" dirty="0">
-                        <a:solidFill>
-                          <a:schemeClr val="tx1"/>
-                        </a:solidFill>
-                        <a:effectLst/>
-                        <a:latin typeface="+mn-lt"/>
-                      </a:endParaRPr>
-                    </a:p>
-                  </a:txBody>
-                  <a:tcPr marL="288000" anchor="ctr"/>
-                </a:tc>
-                <a:tc>
-                  <a:txBody>
-                    <a:bodyPr/>
-                    <a:lstStyle/>
-                    <a:p>
-                      <a:pPr algn="l" fontAlgn="b"/>
-                      <a:r>
-                        <a:rPr lang="en-US" sz="1800" b="1" u="none" strike="noStrike" dirty="0">
-                          <a:solidFill>
-                            <a:schemeClr val="tx1"/>
-                          </a:solidFill>
-                          <a:effectLst/>
-                        </a:rPr>
-                        <a:t>Year 1</a:t>
-                      </a:r>
-                      <a:endParaRPr lang="en-US" sz="1800" b="1" i="0" u="none" strike="noStrike" dirty="0">
-                        <a:solidFill>
-                          <a:schemeClr val="tx1"/>
-                        </a:solidFill>
-                        <a:effectLst/>
-                        <a:latin typeface="+mn-lt"/>
-                      </a:endParaRPr>
-                    </a:p>
-                  </a:txBody>
-                  <a:tcPr anchor="ctr"/>
-                </a:tc>
-                <a:tc>
-                  <a:txBody>
-                    <a:bodyPr/>
-                    <a:lstStyle/>
-                    <a:p>
-                      <a:pPr algn="l" fontAlgn="b"/>
-                      <a:r>
-                        <a:rPr lang="en-US" sz="1800" b="1" u="none" strike="noStrike" dirty="0">
-                          <a:solidFill>
-                            <a:schemeClr val="tx1"/>
-                          </a:solidFill>
-                          <a:effectLst/>
-                        </a:rPr>
-                        <a:t>Year 2</a:t>
-                      </a:r>
-                      <a:endParaRPr lang="en-US" sz="1800" b="1" i="0" u="none" strike="noStrike" dirty="0">
-                        <a:solidFill>
-                          <a:schemeClr val="tx1"/>
-                        </a:solidFill>
-                        <a:effectLst/>
-                        <a:latin typeface="+mn-lt"/>
-                      </a:endParaRPr>
-                    </a:p>
-                  </a:txBody>
-                  <a:tcPr anchor="ctr"/>
-                </a:tc>
-                <a:tc>
-                  <a:txBody>
-                    <a:bodyPr/>
-                    <a:lstStyle/>
-                    <a:p>
-                      <a:pPr algn="l" fontAlgn="b"/>
-                      <a:r>
-                        <a:rPr lang="en-US" sz="1800" b="1" u="none" strike="noStrike" dirty="0">
-                          <a:solidFill>
-                            <a:schemeClr val="tx1"/>
-                          </a:solidFill>
-                          <a:effectLst/>
-                        </a:rPr>
-                        <a:t>Year 3</a:t>
-                      </a:r>
-                      <a:endParaRPr lang="en-US" sz="1800" b="1" i="0" u="none" strike="noStrike" dirty="0">
-                        <a:solidFill>
-                          <a:schemeClr val="tx1"/>
-                        </a:solidFill>
-                        <a:effectLst/>
-                        <a:latin typeface="+mn-lt"/>
-                      </a:endParaRPr>
-                    </a:p>
-                  </a:txBody>
-                  <a:tcPr anchor="ctr"/>
-                </a:tc>
-                <a:extLst>
-                  <a:ext uri="{0D108BD9-81ED-4DB2-BD59-A6C34878D82A}">
-                    <a16:rowId xmlns:a16="http://schemas.microsoft.com/office/drawing/2014/main" val="4140773105"/>
-                  </a:ext>
-                </a:extLst>
-              </a:tr>
-              <a:tr h="562010">
-                <a:tc>
-                  <a:txBody>
-                    <a:bodyPr/>
-                    <a:lstStyle/>
-                    <a:p>
-                      <a:pPr algn="l" fontAlgn="b"/>
-                      <a:r>
-                        <a:rPr lang="en-US" sz="1800" b="0" u="none" strike="noStrike" dirty="0">
-                          <a:solidFill>
-                            <a:schemeClr val="tx1"/>
-                          </a:solidFill>
-                          <a:effectLst/>
-                        </a:rPr>
-                        <a:t>Income</a:t>
-                      </a:r>
-                      <a:endParaRPr lang="en-US" sz="1800" b="0" i="0" u="none" strike="noStrike" dirty="0">
-                        <a:solidFill>
-                          <a:schemeClr val="tx1"/>
-                        </a:solidFill>
-                        <a:effectLst/>
-                        <a:latin typeface="+mn-lt"/>
-                      </a:endParaRPr>
-                    </a:p>
-                  </a:txBody>
-                  <a:tcPr marL="288000" anchor="ctr"/>
-                </a:tc>
-                <a:tc>
-                  <a:txBody>
-                    <a:bodyPr/>
-                    <a:lstStyle/>
-                    <a:p>
-                      <a:pPr algn="l" fontAlgn="b"/>
-                      <a:endParaRPr lang="en-US" sz="1800" b="0" i="0" u="none" strike="noStrike" dirty="0">
-                        <a:solidFill>
-                          <a:schemeClr val="tx1"/>
-                        </a:solidFill>
-                        <a:effectLst/>
-                        <a:latin typeface="+mn-lt"/>
-                      </a:endParaRPr>
-                    </a:p>
-                  </a:txBody>
-                  <a:tcPr anchor="ctr"/>
-                </a:tc>
-                <a:tc>
-                  <a:txBody>
-                    <a:bodyPr/>
-                    <a:lstStyle/>
-                    <a:p>
-                      <a:pPr algn="l" fontAlgn="b"/>
-                      <a:endParaRPr lang="en-US" sz="1800" b="0" i="0" u="none" strike="noStrike" dirty="0">
-                        <a:solidFill>
-                          <a:schemeClr val="tx1"/>
-                        </a:solidFill>
-                        <a:effectLst/>
-                        <a:latin typeface="+mn-lt"/>
-                      </a:endParaRPr>
-                    </a:p>
-                  </a:txBody>
-                  <a:tcPr anchor="ctr"/>
-                </a:tc>
-                <a:tc>
-                  <a:txBody>
-                    <a:bodyPr/>
-                    <a:lstStyle/>
-                    <a:p>
-                      <a:pPr algn="l" fontAlgn="b"/>
-                      <a:endParaRPr lang="en-US" sz="1800" b="0" i="0" u="none" strike="noStrike" dirty="0">
-                        <a:solidFill>
-                          <a:schemeClr val="tx1"/>
-                        </a:solidFill>
-                        <a:effectLst/>
-                        <a:latin typeface="+mn-lt"/>
-                      </a:endParaRPr>
-                    </a:p>
-                  </a:txBody>
-                  <a:tcPr anchor="ctr"/>
-                </a:tc>
-                <a:extLst>
-                  <a:ext uri="{0D108BD9-81ED-4DB2-BD59-A6C34878D82A}">
-                    <a16:rowId xmlns:a16="http://schemas.microsoft.com/office/drawing/2014/main" val="4142911372"/>
-                  </a:ext>
-                </a:extLst>
-              </a:tr>
-              <a:tr h="562010">
-                <a:tc>
-                  <a:txBody>
-                    <a:bodyPr/>
-                    <a:lstStyle/>
-                    <a:p>
-                      <a:pPr lvl="1" algn="l" fontAlgn="b"/>
-                      <a:r>
-                        <a:rPr lang="en-US" sz="1800" b="0" u="none" strike="noStrike" dirty="0">
-                          <a:solidFill>
-                            <a:schemeClr val="tx1"/>
-                          </a:solidFill>
-                          <a:effectLst/>
-                        </a:rPr>
-                        <a:t>Users</a:t>
-                      </a:r>
-                      <a:endParaRPr lang="en-US" sz="1800" b="0" i="0" u="none" strike="noStrike" dirty="0">
-                        <a:solidFill>
-                          <a:schemeClr val="tx1"/>
-                        </a:solidFill>
-                        <a:effectLst/>
-                        <a:latin typeface="+mn-lt"/>
-                      </a:endParaRPr>
-                    </a:p>
-                  </a:txBody>
-                  <a:tcPr marL="288000" anchor="ctr"/>
-                </a:tc>
-                <a:tc>
-                  <a:txBody>
-                    <a:bodyPr/>
-                    <a:lstStyle/>
-                    <a:p>
-                      <a:pPr algn="l" fontAlgn="b"/>
-                      <a:r>
-                        <a:rPr lang="en-US" sz="1800" b="0" u="none" strike="noStrike" dirty="0">
-                          <a:solidFill>
-                            <a:schemeClr val="tx1"/>
-                          </a:solidFill>
-                          <a:effectLst/>
-                        </a:rPr>
-                        <a:t>50,000</a:t>
-                      </a:r>
-                      <a:endParaRPr lang="en-US" sz="1800" b="0" i="0" u="none" strike="noStrike" dirty="0">
-                        <a:solidFill>
-                          <a:schemeClr val="tx1"/>
-                        </a:solidFill>
-                        <a:effectLst/>
-                        <a:latin typeface="+mn-lt"/>
-                      </a:endParaRPr>
-                    </a:p>
-                  </a:txBody>
-                  <a:tcPr anchor="ctr"/>
-                </a:tc>
-                <a:tc>
-                  <a:txBody>
-                    <a:bodyPr/>
-                    <a:lstStyle/>
-                    <a:p>
-                      <a:pPr algn="l" fontAlgn="b"/>
-                      <a:r>
-                        <a:rPr lang="en-US" sz="1800" b="0" u="none" strike="noStrike" dirty="0">
-                          <a:solidFill>
-                            <a:schemeClr val="tx1"/>
-                          </a:solidFill>
-                          <a:effectLst/>
-                        </a:rPr>
-                        <a:t>400,000</a:t>
-                      </a:r>
-                      <a:endParaRPr lang="en-US" sz="1800" b="0" i="0" u="none" strike="noStrike" dirty="0">
-                        <a:solidFill>
-                          <a:schemeClr val="tx1"/>
-                        </a:solidFill>
-                        <a:effectLst/>
-                        <a:latin typeface="+mn-lt"/>
-                      </a:endParaRPr>
-                    </a:p>
-                  </a:txBody>
-                  <a:tcPr anchor="ctr"/>
-                </a:tc>
-                <a:tc>
-                  <a:txBody>
-                    <a:bodyPr/>
-                    <a:lstStyle/>
-                    <a:p>
-                      <a:pPr algn="l" fontAlgn="b"/>
-                      <a:r>
-                        <a:rPr lang="en-US" sz="1800" b="0" u="none" strike="noStrike" dirty="0">
-                          <a:solidFill>
-                            <a:schemeClr val="tx1"/>
-                          </a:solidFill>
-                          <a:effectLst/>
-                        </a:rPr>
-                        <a:t>1,600,000</a:t>
-                      </a:r>
-                      <a:endParaRPr lang="en-US" sz="1800" b="0" i="0" u="none" strike="noStrike" dirty="0">
-                        <a:solidFill>
-                          <a:schemeClr val="tx1"/>
-                        </a:solidFill>
-                        <a:effectLst/>
-                        <a:latin typeface="+mn-lt"/>
-                      </a:endParaRPr>
-                    </a:p>
-                  </a:txBody>
-                  <a:tcPr anchor="ctr"/>
-                </a:tc>
-                <a:extLst>
-                  <a:ext uri="{0D108BD9-81ED-4DB2-BD59-A6C34878D82A}">
-                    <a16:rowId xmlns:a16="http://schemas.microsoft.com/office/drawing/2014/main" val="1543393929"/>
-                  </a:ext>
-                </a:extLst>
-              </a:tr>
-              <a:tr h="562010">
-                <a:tc>
-                  <a:txBody>
-                    <a:bodyPr/>
-                    <a:lstStyle/>
-                    <a:p>
-                      <a:pPr lvl="1" algn="l" fontAlgn="b"/>
-                      <a:r>
-                        <a:rPr lang="en-US" sz="1800" b="0" u="none" strike="noStrike" dirty="0">
-                          <a:solidFill>
-                            <a:schemeClr val="tx1"/>
-                          </a:solidFill>
-                          <a:effectLst/>
-                        </a:rPr>
-                        <a:t>Sales</a:t>
-                      </a:r>
-                      <a:endParaRPr lang="en-US" sz="1800" b="0" i="0" u="none" strike="noStrike" dirty="0">
-                        <a:solidFill>
-                          <a:schemeClr val="tx1"/>
-                        </a:solidFill>
-                        <a:effectLst/>
-                        <a:latin typeface="+mn-lt"/>
-                      </a:endParaRPr>
-                    </a:p>
-                  </a:txBody>
-                  <a:tcPr marL="288000" anchor="ctr"/>
-                </a:tc>
-                <a:tc>
-                  <a:txBody>
-                    <a:bodyPr/>
-                    <a:lstStyle/>
-                    <a:p>
-                      <a:pPr algn="l" fontAlgn="b"/>
-                      <a:r>
-                        <a:rPr lang="en-US" sz="1800" b="0" u="none" strike="noStrike" dirty="0">
-                          <a:solidFill>
-                            <a:schemeClr val="tx1"/>
-                          </a:solidFill>
-                          <a:effectLst/>
-                        </a:rPr>
-                        <a:t>500,000</a:t>
-                      </a:r>
-                      <a:endParaRPr lang="en-US" sz="1800" b="0" i="0" u="none" strike="noStrike" dirty="0">
-                        <a:solidFill>
-                          <a:schemeClr val="tx1"/>
-                        </a:solidFill>
-                        <a:effectLst/>
-                        <a:latin typeface="+mn-lt"/>
-                      </a:endParaRPr>
-                    </a:p>
-                  </a:txBody>
-                  <a:tcPr anchor="ctr"/>
-                </a:tc>
-                <a:tc>
-                  <a:txBody>
-                    <a:bodyPr/>
-                    <a:lstStyle/>
-                    <a:p>
-                      <a:pPr algn="l" fontAlgn="b"/>
-                      <a:r>
-                        <a:rPr lang="en-US" sz="1800" b="0" u="none" strike="noStrike" dirty="0">
-                          <a:solidFill>
-                            <a:schemeClr val="tx1"/>
-                          </a:solidFill>
-                          <a:effectLst/>
-                        </a:rPr>
-                        <a:t>4,000,000</a:t>
-                      </a:r>
-                      <a:endParaRPr lang="en-US" sz="1800" b="0" i="0" u="none" strike="noStrike" dirty="0">
-                        <a:solidFill>
-                          <a:schemeClr val="tx1"/>
-                        </a:solidFill>
-                        <a:effectLst/>
-                        <a:latin typeface="+mn-lt"/>
-                      </a:endParaRPr>
-                    </a:p>
-                  </a:txBody>
-                  <a:tcPr anchor="ctr"/>
-                </a:tc>
-                <a:tc>
-                  <a:txBody>
-                    <a:bodyPr/>
-                    <a:lstStyle/>
-                    <a:p>
-                      <a:pPr algn="l" fontAlgn="b"/>
-                      <a:r>
-                        <a:rPr lang="en-US" sz="1800" b="0" u="none" strike="noStrike" dirty="0">
-                          <a:solidFill>
-                            <a:schemeClr val="tx1"/>
-                          </a:solidFill>
-                          <a:effectLst/>
-                        </a:rPr>
-                        <a:t>16,000,000</a:t>
-                      </a:r>
-                      <a:endParaRPr lang="en-US" sz="1800" b="0" i="0" u="none" strike="noStrike" dirty="0">
-                        <a:solidFill>
-                          <a:schemeClr val="tx1"/>
-                        </a:solidFill>
-                        <a:effectLst/>
-                        <a:latin typeface="+mn-lt"/>
-                      </a:endParaRPr>
-                    </a:p>
-                  </a:txBody>
-                  <a:tcPr anchor="ctr"/>
-                </a:tc>
-                <a:extLst>
-                  <a:ext uri="{0D108BD9-81ED-4DB2-BD59-A6C34878D82A}">
-                    <a16:rowId xmlns:a16="http://schemas.microsoft.com/office/drawing/2014/main" val="255711469"/>
-                  </a:ext>
-                </a:extLst>
-              </a:tr>
-              <a:tr h="562010">
-                <a:tc>
-                  <a:txBody>
-                    <a:bodyPr/>
-                    <a:lstStyle/>
-                    <a:p>
-                      <a:pPr lvl="1" algn="l" fontAlgn="b"/>
-                      <a:r>
-                        <a:rPr lang="en-US" sz="1800" b="0" u="none" strike="noStrike" dirty="0">
-                          <a:solidFill>
-                            <a:schemeClr val="tx1"/>
-                          </a:solidFill>
-                          <a:effectLst/>
-                        </a:rPr>
-                        <a:t>Average price per sale</a:t>
-                      </a:r>
-                      <a:endParaRPr lang="en-US" sz="1800" b="0" i="0" u="none" strike="noStrike" dirty="0">
-                        <a:solidFill>
-                          <a:schemeClr val="tx1"/>
-                        </a:solidFill>
-                        <a:effectLst/>
-                        <a:latin typeface="+mn-lt"/>
-                      </a:endParaRPr>
-                    </a:p>
-                  </a:txBody>
-                  <a:tcPr marL="288000" anchor="ctr"/>
-                </a:tc>
-                <a:tc>
-                  <a:txBody>
-                    <a:bodyPr/>
-                    <a:lstStyle/>
-                    <a:p>
-                      <a:pPr algn="l" fontAlgn="b"/>
-                      <a:r>
-                        <a:rPr lang="en-US" sz="1800" b="0" u="none" strike="noStrike" dirty="0">
-                          <a:solidFill>
-                            <a:schemeClr val="tx1"/>
-                          </a:solidFill>
-                          <a:effectLst/>
-                        </a:rPr>
-                        <a:t>75</a:t>
-                      </a:r>
-                      <a:endParaRPr lang="en-US" sz="1800" b="0" i="0" u="none" strike="noStrike" dirty="0">
-                        <a:solidFill>
-                          <a:schemeClr val="tx1"/>
-                        </a:solidFill>
-                        <a:effectLst/>
-                        <a:latin typeface="+mn-lt"/>
-                      </a:endParaRPr>
-                    </a:p>
-                  </a:txBody>
-                  <a:tcPr anchor="ctr"/>
-                </a:tc>
-                <a:tc>
-                  <a:txBody>
-                    <a:bodyPr/>
-                    <a:lstStyle/>
-                    <a:p>
-                      <a:pPr algn="l" fontAlgn="b"/>
-                      <a:r>
-                        <a:rPr lang="en-US" sz="1800" b="0" u="none" strike="noStrike" dirty="0">
-                          <a:solidFill>
-                            <a:schemeClr val="tx1"/>
-                          </a:solidFill>
-                          <a:effectLst/>
-                        </a:rPr>
-                        <a:t>80</a:t>
-                      </a:r>
-                      <a:endParaRPr lang="en-US" sz="1800" b="0" i="0" u="none" strike="noStrike" dirty="0">
-                        <a:solidFill>
-                          <a:schemeClr val="tx1"/>
-                        </a:solidFill>
-                        <a:effectLst/>
-                        <a:latin typeface="+mn-lt"/>
-                      </a:endParaRPr>
-                    </a:p>
-                  </a:txBody>
-                  <a:tcPr anchor="ctr"/>
-                </a:tc>
-                <a:tc>
-                  <a:txBody>
-                    <a:bodyPr/>
-                    <a:lstStyle/>
-                    <a:p>
-                      <a:pPr algn="l" fontAlgn="b"/>
-                      <a:r>
-                        <a:rPr lang="en-US" sz="1800" b="0" u="none" strike="noStrike" dirty="0">
-                          <a:solidFill>
-                            <a:schemeClr val="tx1"/>
-                          </a:solidFill>
-                          <a:effectLst/>
-                        </a:rPr>
-                        <a:t>90</a:t>
-                      </a:r>
-                      <a:endParaRPr lang="en-US" sz="1800" b="0" i="0" u="none" strike="noStrike" dirty="0">
-                        <a:solidFill>
-                          <a:schemeClr val="tx1"/>
-                        </a:solidFill>
-                        <a:effectLst/>
-                        <a:latin typeface="+mn-lt"/>
-                      </a:endParaRPr>
-                    </a:p>
-                  </a:txBody>
-                  <a:tcPr anchor="ctr"/>
-                </a:tc>
-                <a:extLst>
-                  <a:ext uri="{0D108BD9-81ED-4DB2-BD59-A6C34878D82A}">
-                    <a16:rowId xmlns:a16="http://schemas.microsoft.com/office/drawing/2014/main" val="1498944196"/>
-                  </a:ext>
-                </a:extLst>
-              </a:tr>
-              <a:tr h="562010">
-                <a:tc>
-                  <a:txBody>
-                    <a:bodyPr/>
-                    <a:lstStyle/>
-                    <a:p>
-                      <a:pPr lvl="1" algn="l" fontAlgn="b"/>
-                      <a:r>
-                        <a:rPr lang="en-US" sz="1800" b="0" u="none" strike="noStrike" dirty="0">
-                          <a:solidFill>
-                            <a:schemeClr val="tx1"/>
-                          </a:solidFill>
-                          <a:effectLst/>
-                        </a:rPr>
-                        <a:t>Revenue @ 15%</a:t>
-                      </a:r>
-                      <a:endParaRPr lang="en-US" sz="1800" b="0" i="0" u="none" strike="noStrike" dirty="0">
-                        <a:solidFill>
-                          <a:schemeClr val="tx1"/>
-                        </a:solidFill>
-                        <a:effectLst/>
-                        <a:latin typeface="+mn-lt"/>
-                      </a:endParaRPr>
-                    </a:p>
-                  </a:txBody>
-                  <a:tcPr marL="288000" anchor="ctr"/>
-                </a:tc>
-                <a:tc>
-                  <a:txBody>
-                    <a:bodyPr/>
-                    <a:lstStyle/>
-                    <a:p>
-                      <a:pPr algn="l" fontAlgn="b"/>
-                      <a:r>
-                        <a:rPr lang="en-US" sz="1800" b="0" u="none" strike="noStrike" dirty="0">
-                          <a:solidFill>
-                            <a:schemeClr val="tx1"/>
-                          </a:solidFill>
-                          <a:effectLst/>
-                        </a:rPr>
-                        <a:t>5,625,000</a:t>
-                      </a:r>
-                      <a:endParaRPr lang="en-US" sz="1800" b="0" i="0" u="none" strike="noStrike" dirty="0">
-                        <a:solidFill>
-                          <a:schemeClr val="tx1"/>
-                        </a:solidFill>
-                        <a:effectLst/>
-                        <a:latin typeface="+mn-lt"/>
-                      </a:endParaRPr>
-                    </a:p>
-                  </a:txBody>
-                  <a:tcPr anchor="ctr"/>
-                </a:tc>
-                <a:tc>
-                  <a:txBody>
-                    <a:bodyPr/>
-                    <a:lstStyle/>
-                    <a:p>
-                      <a:pPr algn="l" fontAlgn="b"/>
-                      <a:r>
-                        <a:rPr lang="en-US" sz="1800" b="0" u="none" strike="noStrike" dirty="0">
-                          <a:solidFill>
-                            <a:schemeClr val="tx1"/>
-                          </a:solidFill>
-                          <a:effectLst/>
-                        </a:rPr>
-                        <a:t>48,000,000</a:t>
-                      </a:r>
-                      <a:endParaRPr lang="en-US" sz="1800" b="0" i="0" u="none" strike="noStrike" dirty="0">
-                        <a:solidFill>
-                          <a:schemeClr val="tx1"/>
-                        </a:solidFill>
-                        <a:effectLst/>
-                        <a:latin typeface="+mn-lt"/>
-                      </a:endParaRPr>
-                    </a:p>
-                  </a:txBody>
-                  <a:tcPr anchor="ctr"/>
-                </a:tc>
-                <a:tc>
-                  <a:txBody>
-                    <a:bodyPr/>
-                    <a:lstStyle/>
-                    <a:p>
-                      <a:pPr algn="l" fontAlgn="b"/>
-                      <a:r>
-                        <a:rPr lang="en-US" sz="1800" b="0" u="none" strike="noStrike" dirty="0">
-                          <a:solidFill>
-                            <a:schemeClr val="tx1"/>
-                          </a:solidFill>
-                          <a:effectLst/>
-                        </a:rPr>
-                        <a:t>216,000,000</a:t>
-                      </a:r>
-                      <a:endParaRPr lang="en-US" sz="1800" b="0" i="0" u="none" strike="noStrike" dirty="0">
-                        <a:solidFill>
-                          <a:schemeClr val="tx1"/>
-                        </a:solidFill>
-                        <a:effectLst/>
-                        <a:latin typeface="+mn-lt"/>
-                      </a:endParaRPr>
-                    </a:p>
-                  </a:txBody>
-                  <a:tcPr anchor="ctr"/>
-                </a:tc>
-                <a:extLst>
-                  <a:ext uri="{0D108BD9-81ED-4DB2-BD59-A6C34878D82A}">
-                    <a16:rowId xmlns:a16="http://schemas.microsoft.com/office/drawing/2014/main" val="2561606819"/>
-                  </a:ext>
-                </a:extLst>
-              </a:tr>
-              <a:tr h="562010">
-                <a:tc>
-                  <a:txBody>
-                    <a:bodyPr/>
-                    <a:lstStyle/>
-                    <a:p>
-                      <a:pPr algn="l" fontAlgn="b"/>
-                      <a:r>
-                        <a:rPr lang="en-US" sz="1800" b="1" u="none" strike="noStrike" dirty="0">
-                          <a:solidFill>
-                            <a:schemeClr val="tx1"/>
-                          </a:solidFill>
-                          <a:effectLst/>
-                        </a:rPr>
-                        <a:t>Gross profit</a:t>
-                      </a:r>
-                      <a:endParaRPr lang="en-US" sz="1800" b="1" i="0" u="none" strike="noStrike" dirty="0">
-                        <a:solidFill>
-                          <a:schemeClr val="tx1"/>
-                        </a:solidFill>
-                        <a:effectLst/>
-                        <a:latin typeface="+mn-lt"/>
-                      </a:endParaRPr>
-                    </a:p>
-                  </a:txBody>
-                  <a:tcPr marL="288000" anchor="ctr"/>
-                </a:tc>
-                <a:tc>
-                  <a:txBody>
-                    <a:bodyPr/>
-                    <a:lstStyle/>
-                    <a:p>
-                      <a:pPr algn="l" fontAlgn="b"/>
-                      <a:r>
-                        <a:rPr lang="en-US" sz="1800" b="1" u="none" strike="noStrike" dirty="0">
-                          <a:solidFill>
-                            <a:schemeClr val="tx1"/>
-                          </a:solidFill>
-                          <a:effectLst/>
-                        </a:rPr>
-                        <a:t>5,625,000</a:t>
-                      </a:r>
-                      <a:endParaRPr lang="en-US" sz="1800" b="1" i="0" u="none" strike="noStrike" dirty="0">
-                        <a:solidFill>
-                          <a:schemeClr val="tx1"/>
-                        </a:solidFill>
-                        <a:effectLst/>
-                        <a:latin typeface="+mn-lt"/>
-                      </a:endParaRPr>
-                    </a:p>
-                  </a:txBody>
-                  <a:tcPr anchor="ctr"/>
-                </a:tc>
-                <a:tc>
-                  <a:txBody>
-                    <a:bodyPr/>
-                    <a:lstStyle/>
-                    <a:p>
-                      <a:pPr algn="l" fontAlgn="b"/>
-                      <a:r>
-                        <a:rPr lang="en-US" sz="1800" b="1" u="none" strike="noStrike" dirty="0">
-                          <a:solidFill>
-                            <a:schemeClr val="tx1"/>
-                          </a:solidFill>
-                          <a:effectLst/>
-                        </a:rPr>
-                        <a:t>48,000,000</a:t>
-                      </a:r>
-                      <a:endParaRPr lang="en-US" sz="1800" b="1" i="0" u="none" strike="noStrike" dirty="0">
-                        <a:solidFill>
-                          <a:schemeClr val="tx1"/>
-                        </a:solidFill>
-                        <a:effectLst/>
-                        <a:latin typeface="+mn-lt"/>
-                      </a:endParaRPr>
-                    </a:p>
-                  </a:txBody>
-                  <a:tcPr anchor="ctr"/>
-                </a:tc>
-                <a:tc>
-                  <a:txBody>
-                    <a:bodyPr/>
-                    <a:lstStyle/>
-                    <a:p>
-                      <a:pPr algn="l" fontAlgn="b"/>
-                      <a:r>
-                        <a:rPr lang="en-US" sz="1800" b="1" u="none" strike="noStrike" dirty="0">
-                          <a:solidFill>
-                            <a:schemeClr val="tx1"/>
-                          </a:solidFill>
-                          <a:effectLst/>
-                        </a:rPr>
-                        <a:t>216,000,000</a:t>
-                      </a:r>
-                      <a:endParaRPr lang="en-US" sz="1800" b="1" i="0" u="none" strike="noStrike" dirty="0">
-                        <a:solidFill>
-                          <a:schemeClr val="tx1"/>
-                        </a:solidFill>
-                        <a:effectLst/>
-                        <a:latin typeface="+mn-lt"/>
-                      </a:endParaRPr>
-                    </a:p>
-                  </a:txBody>
-                  <a:tcPr anchor="ctr"/>
-                </a:tc>
-                <a:extLst>
-                  <a:ext uri="{0D108BD9-81ED-4DB2-BD59-A6C34878D82A}">
-                    <a16:rowId xmlns:a16="http://schemas.microsoft.com/office/drawing/2014/main" val="365120011"/>
-                  </a:ext>
-                </a:extLst>
-              </a:tr>
-            </a:tbl>
-          </a:graphicData>
-        </a:graphic>
-      </p:graphicFrame>
-      <p:sp>
-        <p:nvSpPr>
-          <p:cNvPr id="4" name="Slide Number Placeholder 3">
-            <a:extLst>
-              <a:ext uri="{FF2B5EF4-FFF2-40B4-BE49-F238E27FC236}">
-                <a16:creationId xmlns:a16="http://schemas.microsoft.com/office/drawing/2014/main" id="{BFE50FF3-CE3C-DDFB-B8EA-5BA1668A1068}"/>
-              </a:ext>
-            </a:extLst>
-          </p:cNvPr>
-          <p:cNvSpPr>
-            <a:spLocks noGrp="1"/>
-          </p:cNvSpPr>
-          <p:nvPr>
-            <p:ph type="sldNum" sz="quarter" idx="4"/>
-          </p:nvPr>
-        </p:nvSpPr>
-        <p:spPr>
-          <a:xfrm>
-            <a:off x="914400" y="6246254"/>
-            <a:ext cx="631065" cy="296214"/>
-          </a:xfrm>
-        </p:spPr>
-        <p:txBody>
-          <a:bodyPr/>
-          <a:lstStyle/>
-          <a:p>
-            <a:fld id="{B5CEABB6-07DC-46E8-9B57-56EC44A396E5}" type="slidenum">
-              <a:rPr lang="en-US" smtClean="0"/>
-              <a:pPr/>
-              <a:t>14</a:t>
-            </a:fld>
-            <a:endParaRPr lang="en-US" dirty="0"/>
-          </a:p>
-        </p:txBody>
-      </p:sp>
-    </p:spTree>
-    <p:extLst>
-      <p:ext uri="{BB962C8B-B14F-4D97-AF65-F5344CB8AC3E}">
-        <p14:creationId xmlns:p14="http://schemas.microsoft.com/office/powerpoint/2010/main" val="2323500703"/>
-      </p:ext>
-    </p:extLst>
-  </p:cSld>
-  <p:clrMapOvr>
-    <a:masterClrMapping/>
-  </p:clrMapOvr>
-</p:sld>
-</file>
-
-<file path=ppt/slides/slide15.xml><?xml version="1.0" encoding="utf-8"?>
-<p:sld xmlns:a="http://schemas.openxmlformats.org/drawingml/2006/main" xmlns:r="http://schemas.openxmlformats.org/officeDocument/2006/relationships" xmlns:p="http://schemas.openxmlformats.org/presentationml/2006/main">
-  <p:cSld>
-    <p:bg>
-      <p:bgPr>
-        <a:solidFill>
-          <a:schemeClr val="tx1"/>
-        </a:solidFill>
-        <a:effectLst/>
-      </p:bgPr>
-    </p:bg>
-    <p:spTree>
-      <p:nvGrpSpPr>
-        <p:cNvPr id="1" name=""/>
-        <p:cNvGrpSpPr/>
-        <p:nvPr/>
-      </p:nvGrpSpPr>
-      <p:grpSpPr>
-        <a:xfrm>
-          <a:off x="0" y="0"/>
-          <a:ext cx="0" cy="0"/>
-          <a:chOff x="0" y="0"/>
-          <a:chExt cx="0" cy="0"/>
-        </a:xfrm>
-      </p:grpSpPr>
-      <p:pic>
-        <p:nvPicPr>
-          <p:cNvPr id="3" name="Graphic 2">
-            <a:extLst>
-              <a:ext uri="{FF2B5EF4-FFF2-40B4-BE49-F238E27FC236}">
-                <a16:creationId xmlns:a16="http://schemas.microsoft.com/office/drawing/2014/main" id="{77B52831-0916-294C-0ACB-9774B9805D9B}"/>
-              </a:ext>
-              <a:ext uri="{C183D7F6-B498-43B3-948B-1728B52AA6E4}">
-                <adec:decorative xmlns:adec="http://schemas.microsoft.com/office/drawing/2017/decorative" val="1"/>
+          <p:cNvPr id="4" name="Picture 3">
+            <a:extLst>
+              <a:ext uri="{FF2B5EF4-FFF2-40B4-BE49-F238E27FC236}">
+                <a16:creationId xmlns:a16="http://schemas.microsoft.com/office/drawing/2014/main" id="{C4689EBB-7866-B3F0-C800-4239337A3AE6}"/>
               </a:ext>
             </a:extLst>
           </p:cNvPr>
@@ -9441,115 +7201,26 @@
           </p:cNvPicPr>
           <p:nvPr/>
         </p:nvPicPr>
-        <p:blipFill rotWithShape="1">
-          <a:blip r:embed="rId3">
-            <a:extLst>
-              <a:ext uri="{96DAC541-7B7A-43D3-8B79-37D633B846F1}">
-                <asvg:svgBlip xmlns:asvg="http://schemas.microsoft.com/office/drawing/2016/SVG/main" r:embed="rId4"/>
-              </a:ext>
-            </a:extLst>
-          </a:blip>
-          <a:srcRect l="4151" r="18577"/>
-          <a:stretch/>
+        <p:blipFill>
+          <a:blip r:embed="rId4"/>
+          <a:stretch>
+            <a:fillRect/>
+          </a:stretch>
         </p:blipFill>
         <p:spPr>
-          <a:xfrm flipH="1">
-            <a:off x="0" y="0"/>
-            <a:ext cx="5181600" cy="6858000"/>
+          <a:xfrm>
+            <a:off x="9447607" y="3237670"/>
+            <a:ext cx="2162477" cy="790685"/>
           </a:xfrm>
           <a:prstGeom prst="rect">
             <a:avLst/>
           </a:prstGeom>
         </p:spPr>
       </p:pic>
-      <p:sp>
-        <p:nvSpPr>
-          <p:cNvPr id="7" name="Title 6">
-            <a:extLst>
-              <a:ext uri="{FF2B5EF4-FFF2-40B4-BE49-F238E27FC236}">
-                <a16:creationId xmlns:a16="http://schemas.microsoft.com/office/drawing/2014/main" id="{E82E216E-9EE0-9D3F-D692-083F575A3D04}"/>
-              </a:ext>
-            </a:extLst>
-          </p:cNvPr>
-          <p:cNvSpPr>
-            <a:spLocks noGrp="1"/>
-          </p:cNvSpPr>
-          <p:nvPr>
-            <p:ph type="title"/>
-          </p:nvPr>
-        </p:nvSpPr>
-        <p:spPr>
-          <a:xfrm>
-            <a:off x="6091515" y="374090"/>
-            <a:ext cx="5057104" cy="3624984"/>
-          </a:xfrm>
-        </p:spPr>
-        <p:txBody>
-          <a:bodyPr/>
-          <a:lstStyle/>
-          <a:p>
-            <a:r>
-              <a:rPr lang="en-US" dirty="0"/>
-              <a:t>Thank you</a:t>
-            </a:r>
-          </a:p>
-        </p:txBody>
-      </p:sp>
-      <p:sp>
-        <p:nvSpPr>
-          <p:cNvPr id="10" name="Content Placeholder 9">
-            <a:extLst>
-              <a:ext uri="{FF2B5EF4-FFF2-40B4-BE49-F238E27FC236}">
-                <a16:creationId xmlns:a16="http://schemas.microsoft.com/office/drawing/2014/main" id="{1F398FDD-E639-CF6A-B875-443655F2B31B}"/>
-              </a:ext>
-            </a:extLst>
-          </p:cNvPr>
-          <p:cNvSpPr>
-            <a:spLocks noGrp="1"/>
-          </p:cNvSpPr>
-          <p:nvPr>
-            <p:ph idx="1"/>
-          </p:nvPr>
-        </p:nvSpPr>
-        <p:spPr>
-          <a:xfrm>
-            <a:off x="6091514" y="4172989"/>
-            <a:ext cx="5057103" cy="2519363"/>
-          </a:xfrm>
-        </p:spPr>
-        <p:txBody>
-          <a:bodyPr/>
-          <a:lstStyle/>
-          <a:p>
-            <a:r>
-              <a:rPr lang="en-US" dirty="0"/>
-              <a:t>Brita Tamm</a:t>
-            </a:r>
-          </a:p>
-          <a:p>
-            <a:r>
-              <a:rPr lang="en-US" dirty="0"/>
-              <a:t>502-555-0152</a:t>
-            </a:r>
-          </a:p>
-          <a:p>
-            <a:r>
-              <a:rPr lang="en-US" dirty="0"/>
-              <a:t>brita@firstupconsultants.com</a:t>
-            </a:r>
-          </a:p>
-          <a:p>
-            <a:r>
-              <a:rPr lang="en-US" dirty="0"/>
-              <a:t>www.firstupconsultants.com</a:t>
-            </a:r>
-          </a:p>
-        </p:txBody>
-      </p:sp>
     </p:spTree>
     <p:extLst>
       <p:ext uri="{BB962C8B-B14F-4D97-AF65-F5344CB8AC3E}">
-        <p14:creationId xmlns:p14="http://schemas.microsoft.com/office/powerpoint/2010/main" val="769932640"/>
+        <p14:creationId xmlns:p14="http://schemas.microsoft.com/office/powerpoint/2010/main" val="57693782"/>
       </p:ext>
     </p:extLst>
   </p:cSld>
@@ -10059,235 +7730,156 @@
           <a:chExt cx="0" cy="0"/>
         </a:xfrm>
       </p:grpSpPr>
+      <p:sp>
+        <p:nvSpPr>
+          <p:cNvPr id="3" name="Content Placeholder 2">
+            <a:extLst>
+              <a:ext uri="{FF2B5EF4-FFF2-40B4-BE49-F238E27FC236}">
+                <a16:creationId xmlns:a16="http://schemas.microsoft.com/office/drawing/2014/main" id="{59F97739-E0DF-24F3-7886-013A799A52C3}"/>
+              </a:ext>
+            </a:extLst>
+          </p:cNvPr>
+          <p:cNvSpPr>
+            <a:spLocks noGrp="1"/>
+          </p:cNvSpPr>
+          <p:nvPr>
+            <p:ph sz="quarter" idx="10"/>
+          </p:nvPr>
+        </p:nvSpPr>
+        <p:spPr>
+          <a:xfrm>
+            <a:off x="914399" y="2011680"/>
+            <a:ext cx="4059937" cy="4155757"/>
+          </a:xfrm>
+        </p:spPr>
+        <p:txBody>
+          <a:bodyPr/>
+          <a:lstStyle/>
+          <a:p>
+            <a:pPr marL="228600" indent="-228600">
+              <a:spcBef>
+                <a:spcPts val="0"/>
+              </a:spcBef>
+              <a:spcAft>
+                <a:spcPts val="1200"/>
+              </a:spcAft>
+              <a:buFont typeface="Arial" panose="020B0604020202020204" pitchFamily="34" charset="0"/>
+              <a:buChar char="•"/>
+            </a:pPr>
+            <a:r>
+              <a:rPr lang="en-US" sz="2000" cap="none" dirty="0">
+                <a:cs typeface="Calibri"/>
+              </a:rPr>
+              <a:t>Output Layer Activation</a:t>
+            </a:r>
+          </a:p>
+          <a:p>
+            <a:pPr marL="228600" indent="-228600">
+              <a:spcBef>
+                <a:spcPts val="0"/>
+              </a:spcBef>
+              <a:spcAft>
+                <a:spcPts val="1200"/>
+              </a:spcAft>
+              <a:buFont typeface="Arial" panose="020B0604020202020204" pitchFamily="34" charset="0"/>
+              <a:buChar char="•"/>
+            </a:pPr>
+            <a:r>
+              <a:rPr lang="en-US" dirty="0">
+                <a:cs typeface="Calibri"/>
+              </a:rPr>
+              <a:t>Loss Function and Metrics</a:t>
+            </a:r>
+          </a:p>
+          <a:p>
+            <a:pPr marL="228600" indent="-228600">
+              <a:spcBef>
+                <a:spcPts val="0"/>
+              </a:spcBef>
+              <a:spcAft>
+                <a:spcPts val="1200"/>
+              </a:spcAft>
+              <a:buFont typeface="Arial" panose="020B0604020202020204" pitchFamily="34" charset="0"/>
+              <a:buChar char="•"/>
+            </a:pPr>
+            <a:r>
+              <a:rPr lang="en-US" dirty="0">
+                <a:cs typeface="Calibri"/>
+              </a:rPr>
+              <a:t>Evaluate MAE</a:t>
+            </a:r>
+          </a:p>
+          <a:p>
+            <a:pPr marL="228600" indent="-228600">
+              <a:spcBef>
+                <a:spcPts val="0"/>
+              </a:spcBef>
+              <a:spcAft>
+                <a:spcPts val="1200"/>
+              </a:spcAft>
+              <a:buFont typeface="Arial" panose="020B0604020202020204" pitchFamily="34" charset="0"/>
+              <a:buChar char="•"/>
+            </a:pPr>
+            <a:r>
+              <a:rPr lang="en-US" dirty="0">
+                <a:cs typeface="Calibri"/>
+              </a:rPr>
+              <a:t>Variables to Adjust to Different Datasets</a:t>
+            </a:r>
+          </a:p>
+          <a:p>
+            <a:pPr lvl="1"/>
+            <a:r>
+              <a:rPr lang="en-US" dirty="0" err="1">
+                <a:cs typeface="Calibri"/>
+              </a:rPr>
+              <a:t>input_shape</a:t>
+            </a:r>
+            <a:endParaRPr lang="en-US" dirty="0">
+              <a:cs typeface="Calibri"/>
+            </a:endParaRPr>
+          </a:p>
+          <a:p>
+            <a:pPr lvl="1"/>
+            <a:r>
+              <a:rPr lang="en-US" dirty="0">
+                <a:cs typeface="Calibri"/>
+              </a:rPr>
+              <a:t>hidden_nodes_layer1</a:t>
+            </a:r>
+          </a:p>
+          <a:p>
+            <a:pPr lvl="1"/>
+            <a:r>
+              <a:rPr lang="en-US" dirty="0">
+                <a:cs typeface="Calibri"/>
+              </a:rPr>
+              <a:t>hidden_nodes_layer2</a:t>
+            </a:r>
+          </a:p>
+          <a:p>
+            <a:pPr lvl="1"/>
+            <a:r>
+              <a:rPr lang="en-US" dirty="0">
+                <a:cs typeface="Calibri"/>
+              </a:rPr>
+              <a:t>hidden_nodes_layer3</a:t>
+            </a:r>
+          </a:p>
+          <a:p>
+            <a:pPr lvl="1"/>
+            <a:endParaRPr lang="en-US" cap="none" dirty="0">
+              <a:cs typeface="Calibri"/>
+            </a:endParaRPr>
+          </a:p>
+        </p:txBody>
+      </p:sp>
       <p:pic>
         <p:nvPicPr>
-          <p:cNvPr id="2050" name="Picture 2">
-            <a:extLst>
-              <a:ext uri="{FF2B5EF4-FFF2-40B4-BE49-F238E27FC236}">
-                <a16:creationId xmlns:a16="http://schemas.microsoft.com/office/drawing/2014/main" id="{F64A0F35-DE2F-00AE-EAF7-F5CBAD1D7F46}"/>
-              </a:ext>
-            </a:extLst>
-          </p:cNvPr>
-          <p:cNvPicPr>
-            <a:picLocks noChangeAspect="1" noChangeArrowheads="1"/>
-          </p:cNvPicPr>
-          <p:nvPr/>
-        </p:nvPicPr>
-        <p:blipFill>
-          <a:blip r:embed="rId3">
-            <a:extLst>
-              <a:ext uri="{28A0092B-C50C-407E-A947-70E740481C1C}">
-                <a14:useLocalDpi xmlns:a14="http://schemas.microsoft.com/office/drawing/2010/main" val="0"/>
-              </a:ext>
-            </a:extLst>
-          </a:blip>
-          <a:srcRect/>
-          <a:stretch>
-            <a:fillRect/>
-          </a:stretch>
-        </p:blipFill>
-        <p:spPr bwMode="auto">
-          <a:xfrm>
-            <a:off x="356081" y="1084711"/>
-            <a:ext cx="4122042" cy="2344290"/>
-          </a:xfrm>
-          <a:prstGeom prst="rect">
-            <a:avLst/>
-          </a:prstGeom>
-          <a:noFill/>
-          <a:extLst>
-            <a:ext uri="{909E8E84-426E-40DD-AFC4-6F175D3DCCD1}">
-              <a14:hiddenFill xmlns:a14="http://schemas.microsoft.com/office/drawing/2010/main">
-                <a:solidFill>
-                  <a:srgbClr val="FFFFFF"/>
-                </a:solidFill>
-              </a14:hiddenFill>
-            </a:ext>
-          </a:extLst>
-        </p:spPr>
-      </p:pic>
-      <p:pic>
-        <p:nvPicPr>
-          <p:cNvPr id="3074" name="Picture 2">
-            <a:extLst>
-              <a:ext uri="{FF2B5EF4-FFF2-40B4-BE49-F238E27FC236}">
-                <a16:creationId xmlns:a16="http://schemas.microsoft.com/office/drawing/2014/main" id="{051E70E8-C0E6-0C55-39C3-4442F48063B6}"/>
-              </a:ext>
-            </a:extLst>
-          </p:cNvPr>
-          <p:cNvPicPr>
-            <a:picLocks noChangeAspect="1" noChangeArrowheads="1"/>
-          </p:cNvPicPr>
-          <p:nvPr/>
-        </p:nvPicPr>
-        <p:blipFill>
-          <a:blip r:embed="rId4">
-            <a:extLst>
-              <a:ext uri="{28A0092B-C50C-407E-A947-70E740481C1C}">
-                <a14:useLocalDpi xmlns:a14="http://schemas.microsoft.com/office/drawing/2010/main" val="0"/>
-              </a:ext>
-            </a:extLst>
-          </a:blip>
-          <a:srcRect/>
-          <a:stretch>
-            <a:fillRect/>
-          </a:stretch>
-        </p:blipFill>
-        <p:spPr bwMode="auto">
-          <a:xfrm>
-            <a:off x="356083" y="3549365"/>
-            <a:ext cx="4115703" cy="2340684"/>
-          </a:xfrm>
-          <a:prstGeom prst="rect">
-            <a:avLst/>
-          </a:prstGeom>
-          <a:noFill/>
-          <a:extLst>
-            <a:ext uri="{909E8E84-426E-40DD-AFC4-6F175D3DCCD1}">
-              <a14:hiddenFill xmlns:a14="http://schemas.microsoft.com/office/drawing/2010/main">
-                <a:solidFill>
-                  <a:srgbClr val="FFFFFF"/>
-                </a:solidFill>
-              </a14:hiddenFill>
-            </a:ext>
-          </a:extLst>
-        </p:spPr>
-      </p:pic>
-      <p:sp>
-        <p:nvSpPr>
-          <p:cNvPr id="12" name="TextBox 11">
-            <a:extLst>
-              <a:ext uri="{FF2B5EF4-FFF2-40B4-BE49-F238E27FC236}">
-                <a16:creationId xmlns:a16="http://schemas.microsoft.com/office/drawing/2014/main" id="{7940EF8F-26E5-4791-4334-3B739B35F69B}"/>
-              </a:ext>
-            </a:extLst>
-          </p:cNvPr>
-          <p:cNvSpPr txBox="1"/>
-          <p:nvPr/>
-        </p:nvSpPr>
-        <p:spPr>
-          <a:xfrm>
-            <a:off x="2447214" y="207899"/>
-            <a:ext cx="5090817" cy="523220"/>
-          </a:xfrm>
-          <a:prstGeom prst="rect">
-            <a:avLst/>
-          </a:prstGeom>
-          <a:noFill/>
-        </p:spPr>
-        <p:txBody>
-          <a:bodyPr wrap="none" rtlCol="0">
-            <a:spAutoFit/>
-          </a:bodyPr>
-          <a:lstStyle/>
-          <a:p>
-            <a:r>
-              <a:rPr lang="en-US" sz="2800" b="1" dirty="0"/>
-              <a:t>Diabetes Optimization Function</a:t>
-            </a:r>
-          </a:p>
-        </p:txBody>
-      </p:sp>
-      <p:pic>
-        <p:nvPicPr>
-          <p:cNvPr id="3076" name="Picture 4">
-            <a:extLst>
-              <a:ext uri="{FF2B5EF4-FFF2-40B4-BE49-F238E27FC236}">
-                <a16:creationId xmlns:a16="http://schemas.microsoft.com/office/drawing/2014/main" id="{25549CF6-273F-41C3-D59C-718D43B2140E}"/>
-              </a:ext>
-            </a:extLst>
-          </p:cNvPr>
-          <p:cNvPicPr>
-            <a:picLocks noChangeAspect="1" noChangeArrowheads="1"/>
-          </p:cNvPicPr>
-          <p:nvPr/>
-        </p:nvPicPr>
-        <p:blipFill>
-          <a:blip r:embed="rId5">
-            <a:extLst>
-              <a:ext uri="{28A0092B-C50C-407E-A947-70E740481C1C}">
-                <a14:useLocalDpi xmlns:a14="http://schemas.microsoft.com/office/drawing/2010/main" val="0"/>
-              </a:ext>
-            </a:extLst>
-          </a:blip>
-          <a:srcRect/>
-          <a:stretch>
-            <a:fillRect/>
-          </a:stretch>
-        </p:blipFill>
-        <p:spPr bwMode="auto">
-          <a:xfrm>
-            <a:off x="4773531" y="1084711"/>
-            <a:ext cx="4122042" cy="2344290"/>
-          </a:xfrm>
-          <a:prstGeom prst="rect">
-            <a:avLst/>
-          </a:prstGeom>
-          <a:noFill/>
-          <a:extLst>
-            <a:ext uri="{909E8E84-426E-40DD-AFC4-6F175D3DCCD1}">
-              <a14:hiddenFill xmlns:a14="http://schemas.microsoft.com/office/drawing/2010/main">
-                <a:solidFill>
-                  <a:srgbClr val="FFFFFF"/>
-                </a:solidFill>
-              </a14:hiddenFill>
-            </a:ext>
-          </a:extLst>
-        </p:spPr>
-      </p:pic>
-      <p:pic>
-        <p:nvPicPr>
-          <p:cNvPr id="3078" name="Picture 6">
-            <a:extLst>
-              <a:ext uri="{FF2B5EF4-FFF2-40B4-BE49-F238E27FC236}">
-                <a16:creationId xmlns:a16="http://schemas.microsoft.com/office/drawing/2014/main" id="{EBF4DC59-E2BA-95AD-0121-4919292B4C6E}"/>
-              </a:ext>
-            </a:extLst>
-          </p:cNvPr>
-          <p:cNvPicPr>
-            <a:picLocks noChangeAspect="1" noChangeArrowheads="1"/>
-          </p:cNvPicPr>
-          <p:nvPr/>
-        </p:nvPicPr>
-        <p:blipFill>
-          <a:blip r:embed="rId6">
-            <a:extLst>
-              <a:ext uri="{28A0092B-C50C-407E-A947-70E740481C1C}">
-                <a14:useLocalDpi xmlns:a14="http://schemas.microsoft.com/office/drawing/2010/main" val="0"/>
-              </a:ext>
-            </a:extLst>
-          </a:blip>
-          <a:srcRect/>
-          <a:stretch>
-            <a:fillRect/>
-          </a:stretch>
-        </p:blipFill>
-        <p:spPr bwMode="auto">
-          <a:xfrm>
-            <a:off x="6834552" y="3971546"/>
-            <a:ext cx="3734333" cy="2343430"/>
-          </a:xfrm>
-          <a:prstGeom prst="rect">
-            <a:avLst/>
-          </a:prstGeom>
-          <a:noFill/>
-          <a:extLst>
-            <a:ext uri="{909E8E84-426E-40DD-AFC4-6F175D3DCCD1}">
-              <a14:hiddenFill xmlns:a14="http://schemas.microsoft.com/office/drawing/2010/main">
-                <a:solidFill>
-                  <a:srgbClr val="FFFFFF"/>
-                </a:solidFill>
-              </a14:hiddenFill>
-            </a:ext>
-          </a:extLst>
-        </p:spPr>
-      </p:pic>
-      <p:pic>
-        <p:nvPicPr>
-          <p:cNvPr id="14" name="Picture 13">
-            <a:extLst>
-              <a:ext uri="{FF2B5EF4-FFF2-40B4-BE49-F238E27FC236}">
-                <a16:creationId xmlns:a16="http://schemas.microsoft.com/office/drawing/2014/main" id="{78A459D0-4042-92C0-2971-BC33350DFBFB}"/>
+          <p:cNvPr id="8" name="Picture 7">
+            <a:extLst>
+              <a:ext uri="{FF2B5EF4-FFF2-40B4-BE49-F238E27FC236}">
+                <a16:creationId xmlns:a16="http://schemas.microsoft.com/office/drawing/2014/main" id="{92D93420-7B79-E58D-2964-CF0A904893E9}"/>
               </a:ext>
             </a:extLst>
           </p:cNvPr>
@@ -10297,25 +7889,714 @@
           <p:nvPr/>
         </p:nvPicPr>
         <p:blipFill>
-          <a:blip r:embed="rId7"/>
+          <a:blip r:embed="rId3"/>
           <a:stretch>
             <a:fillRect/>
           </a:stretch>
         </p:blipFill>
         <p:spPr>
           <a:xfrm>
-            <a:off x="9190981" y="1633427"/>
-            <a:ext cx="2905530" cy="1448002"/>
+            <a:off x="5600855" y="54191"/>
+            <a:ext cx="5114071" cy="5724144"/>
           </a:xfrm>
           <a:prstGeom prst="rect">
             <a:avLst/>
           </a:prstGeom>
         </p:spPr>
       </p:pic>
+      <p:sp>
+        <p:nvSpPr>
+          <p:cNvPr id="9" name="Oval 8">
+            <a:extLst>
+              <a:ext uri="{FF2B5EF4-FFF2-40B4-BE49-F238E27FC236}">
+                <a16:creationId xmlns:a16="http://schemas.microsoft.com/office/drawing/2014/main" id="{4FF6E9AC-B879-2FDF-9297-11F5B042BD3F}"/>
+              </a:ext>
+            </a:extLst>
+          </p:cNvPr>
+          <p:cNvSpPr/>
+          <p:nvPr/>
+        </p:nvSpPr>
+        <p:spPr>
+          <a:xfrm>
+            <a:off x="7420038" y="3587598"/>
+            <a:ext cx="1161288" cy="300738"/>
+          </a:xfrm>
+          <a:prstGeom prst="ellipse">
+            <a:avLst/>
+          </a:prstGeom>
+          <a:noFill/>
+          <a:ln w="19050">
+            <a:solidFill>
+              <a:srgbClr val="FF0000"/>
+            </a:solidFill>
+          </a:ln>
+        </p:spPr>
+        <p:style>
+          <a:lnRef idx="2">
+            <a:schemeClr val="accent1">
+              <a:shade val="15000"/>
+            </a:schemeClr>
+          </a:lnRef>
+          <a:fillRef idx="1">
+            <a:schemeClr val="accent1"/>
+          </a:fillRef>
+          <a:effectRef idx="0">
+            <a:schemeClr val="accent1"/>
+          </a:effectRef>
+          <a:fontRef idx="minor">
+            <a:schemeClr val="lt1"/>
+          </a:fontRef>
+        </p:style>
+        <p:txBody>
+          <a:bodyPr rtlCol="0" anchor="ctr"/>
+          <a:lstStyle/>
+          <a:p>
+            <a:pPr algn="ctr"/>
+            <a:endParaRPr lang="en-US"/>
+          </a:p>
+        </p:txBody>
+      </p:sp>
+      <p:sp>
+        <p:nvSpPr>
+          <p:cNvPr id="10" name="Oval 9">
+            <a:extLst>
+              <a:ext uri="{FF2B5EF4-FFF2-40B4-BE49-F238E27FC236}">
+                <a16:creationId xmlns:a16="http://schemas.microsoft.com/office/drawing/2014/main" id="{159FF394-6E30-D2DD-FA27-97240261F826}"/>
+              </a:ext>
+            </a:extLst>
+          </p:cNvPr>
+          <p:cNvSpPr/>
+          <p:nvPr/>
+        </p:nvSpPr>
+        <p:spPr>
+          <a:xfrm>
+            <a:off x="7282461" y="5440901"/>
+            <a:ext cx="1350478" cy="324930"/>
+          </a:xfrm>
+          <a:prstGeom prst="ellipse">
+            <a:avLst/>
+          </a:prstGeom>
+          <a:noFill/>
+          <a:ln w="19050">
+            <a:solidFill>
+              <a:srgbClr val="FF0000"/>
+            </a:solidFill>
+          </a:ln>
+        </p:spPr>
+        <p:style>
+          <a:lnRef idx="2">
+            <a:schemeClr val="accent1">
+              <a:shade val="15000"/>
+            </a:schemeClr>
+          </a:lnRef>
+          <a:fillRef idx="1">
+            <a:schemeClr val="accent1"/>
+          </a:fillRef>
+          <a:effectRef idx="0">
+            <a:schemeClr val="accent1"/>
+          </a:effectRef>
+          <a:fontRef idx="minor">
+            <a:schemeClr val="lt1"/>
+          </a:fontRef>
+        </p:style>
+        <p:txBody>
+          <a:bodyPr rtlCol="0" anchor="ctr"/>
+          <a:lstStyle/>
+          <a:p>
+            <a:pPr algn="ctr"/>
+            <a:endParaRPr lang="en-US"/>
+          </a:p>
+        </p:txBody>
+      </p:sp>
+      <p:sp>
+        <p:nvSpPr>
+          <p:cNvPr id="11" name="Oval 10">
+            <a:extLst>
+              <a:ext uri="{FF2B5EF4-FFF2-40B4-BE49-F238E27FC236}">
+                <a16:creationId xmlns:a16="http://schemas.microsoft.com/office/drawing/2014/main" id="{9E54FC1B-C031-F7E4-A583-2088D60FE31A}"/>
+              </a:ext>
+            </a:extLst>
+          </p:cNvPr>
+          <p:cNvSpPr/>
+          <p:nvPr/>
+        </p:nvSpPr>
+        <p:spPr>
+          <a:xfrm>
+            <a:off x="8632939" y="5440901"/>
+            <a:ext cx="923043" cy="324930"/>
+          </a:xfrm>
+          <a:prstGeom prst="ellipse">
+            <a:avLst/>
+          </a:prstGeom>
+          <a:noFill/>
+          <a:ln w="19050">
+            <a:solidFill>
+              <a:srgbClr val="FF0000"/>
+            </a:solidFill>
+          </a:ln>
+        </p:spPr>
+        <p:style>
+          <a:lnRef idx="2">
+            <a:schemeClr val="accent1">
+              <a:shade val="15000"/>
+            </a:schemeClr>
+          </a:lnRef>
+          <a:fillRef idx="1">
+            <a:schemeClr val="accent1"/>
+          </a:fillRef>
+          <a:effectRef idx="0">
+            <a:schemeClr val="accent1"/>
+          </a:effectRef>
+          <a:fontRef idx="minor">
+            <a:schemeClr val="lt1"/>
+          </a:fontRef>
+        </p:style>
+        <p:txBody>
+          <a:bodyPr rtlCol="0" anchor="ctr"/>
+          <a:lstStyle/>
+          <a:p>
+            <a:pPr algn="ctr"/>
+            <a:endParaRPr lang="en-US"/>
+          </a:p>
+        </p:txBody>
+      </p:sp>
+      <p:sp>
+        <p:nvSpPr>
+          <p:cNvPr id="13" name="Title 12">
+            <a:extLst>
+              <a:ext uri="{FF2B5EF4-FFF2-40B4-BE49-F238E27FC236}">
+                <a16:creationId xmlns:a16="http://schemas.microsoft.com/office/drawing/2014/main" id="{17F083A5-AE3B-2454-F473-B0BE01D1706F}"/>
+              </a:ext>
+            </a:extLst>
+          </p:cNvPr>
+          <p:cNvSpPr>
+            <a:spLocks noGrp="1"/>
+          </p:cNvSpPr>
+          <p:nvPr>
+            <p:ph type="title"/>
+          </p:nvPr>
+        </p:nvSpPr>
+        <p:spPr>
+          <a:xfrm>
+            <a:off x="516931" y="690563"/>
+            <a:ext cx="4923749" cy="1019365"/>
+          </a:xfrm>
+        </p:spPr>
+        <p:txBody>
+          <a:bodyPr>
+            <a:normAutofit/>
+          </a:bodyPr>
+          <a:lstStyle/>
+          <a:p>
+            <a:r>
+              <a:rPr lang="en-US" sz="2800" dirty="0"/>
+              <a:t>Change Function to Work with Continuous Data</a:t>
+            </a:r>
+          </a:p>
+        </p:txBody>
+      </p:sp>
+      <p:sp>
+        <p:nvSpPr>
+          <p:cNvPr id="15" name="Oval 14">
+            <a:extLst>
+              <a:ext uri="{FF2B5EF4-FFF2-40B4-BE49-F238E27FC236}">
+                <a16:creationId xmlns:a16="http://schemas.microsoft.com/office/drawing/2014/main" id="{3132A372-E8DD-918A-B06C-BBEC125FA030}"/>
+              </a:ext>
+            </a:extLst>
+          </p:cNvPr>
+          <p:cNvSpPr/>
+          <p:nvPr/>
+        </p:nvSpPr>
+        <p:spPr>
+          <a:xfrm>
+            <a:off x="7041020" y="564438"/>
+            <a:ext cx="1083343" cy="241160"/>
+          </a:xfrm>
+          <a:prstGeom prst="ellipse">
+            <a:avLst/>
+          </a:prstGeom>
+          <a:noFill/>
+          <a:ln w="19050">
+            <a:solidFill>
+              <a:srgbClr val="92D050"/>
+            </a:solidFill>
+          </a:ln>
+        </p:spPr>
+        <p:style>
+          <a:lnRef idx="2">
+            <a:schemeClr val="accent1">
+              <a:shade val="15000"/>
+            </a:schemeClr>
+          </a:lnRef>
+          <a:fillRef idx="1">
+            <a:schemeClr val="accent1"/>
+          </a:fillRef>
+          <a:effectRef idx="0">
+            <a:schemeClr val="accent1"/>
+          </a:effectRef>
+          <a:fontRef idx="minor">
+            <a:schemeClr val="lt1"/>
+          </a:fontRef>
+        </p:style>
+        <p:txBody>
+          <a:bodyPr rtlCol="0" anchor="ctr"/>
+          <a:lstStyle/>
+          <a:p>
+            <a:pPr algn="ctr"/>
+            <a:endParaRPr lang="en-US"/>
+          </a:p>
+        </p:txBody>
+      </p:sp>
+      <p:sp>
+        <p:nvSpPr>
+          <p:cNvPr id="17" name="Oval 16">
+            <a:extLst>
+              <a:ext uri="{FF2B5EF4-FFF2-40B4-BE49-F238E27FC236}">
+                <a16:creationId xmlns:a16="http://schemas.microsoft.com/office/drawing/2014/main" id="{6A553962-E8F7-409C-5AFF-23463413A098}"/>
+              </a:ext>
+            </a:extLst>
+          </p:cNvPr>
+          <p:cNvSpPr/>
+          <p:nvPr/>
+        </p:nvSpPr>
+        <p:spPr>
+          <a:xfrm>
+            <a:off x="7149357" y="2033252"/>
+            <a:ext cx="1436441" cy="241160"/>
+          </a:xfrm>
+          <a:prstGeom prst="ellipse">
+            <a:avLst/>
+          </a:prstGeom>
+          <a:noFill/>
+          <a:ln w="19050">
+            <a:solidFill>
+              <a:srgbClr val="92D050"/>
+            </a:solidFill>
+          </a:ln>
+        </p:spPr>
+        <p:style>
+          <a:lnRef idx="2">
+            <a:schemeClr val="accent1">
+              <a:shade val="15000"/>
+            </a:schemeClr>
+          </a:lnRef>
+          <a:fillRef idx="1">
+            <a:schemeClr val="accent1"/>
+          </a:fillRef>
+          <a:effectRef idx="0">
+            <a:schemeClr val="accent1"/>
+          </a:effectRef>
+          <a:fontRef idx="minor">
+            <a:schemeClr val="lt1"/>
+          </a:fontRef>
+        </p:style>
+        <p:txBody>
+          <a:bodyPr rtlCol="0" anchor="ctr"/>
+          <a:lstStyle/>
+          <a:p>
+            <a:pPr algn="ctr"/>
+            <a:endParaRPr lang="en-US"/>
+          </a:p>
+        </p:txBody>
+      </p:sp>
+      <p:sp>
+        <p:nvSpPr>
+          <p:cNvPr id="18" name="Oval 17">
+            <a:extLst>
+              <a:ext uri="{FF2B5EF4-FFF2-40B4-BE49-F238E27FC236}">
+                <a16:creationId xmlns:a16="http://schemas.microsoft.com/office/drawing/2014/main" id="{F9C2BD5F-3A42-240D-1D73-4F1FBADA6956}"/>
+              </a:ext>
+            </a:extLst>
+          </p:cNvPr>
+          <p:cNvSpPr/>
+          <p:nvPr/>
+        </p:nvSpPr>
+        <p:spPr>
+          <a:xfrm>
+            <a:off x="7149356" y="1298845"/>
+            <a:ext cx="1436442" cy="241160"/>
+          </a:xfrm>
+          <a:prstGeom prst="ellipse">
+            <a:avLst/>
+          </a:prstGeom>
+          <a:noFill/>
+          <a:ln w="19050">
+            <a:solidFill>
+              <a:srgbClr val="92D050"/>
+            </a:solidFill>
+          </a:ln>
+        </p:spPr>
+        <p:style>
+          <a:lnRef idx="2">
+            <a:schemeClr val="accent1">
+              <a:shade val="15000"/>
+            </a:schemeClr>
+          </a:lnRef>
+          <a:fillRef idx="1">
+            <a:schemeClr val="accent1"/>
+          </a:fillRef>
+          <a:effectRef idx="0">
+            <a:schemeClr val="accent1"/>
+          </a:effectRef>
+          <a:fontRef idx="minor">
+            <a:schemeClr val="lt1"/>
+          </a:fontRef>
+        </p:style>
+        <p:txBody>
+          <a:bodyPr rtlCol="0" anchor="ctr"/>
+          <a:lstStyle/>
+          <a:p>
+            <a:pPr algn="ctr"/>
+            <a:endParaRPr lang="en-US"/>
+          </a:p>
+        </p:txBody>
+      </p:sp>
+      <p:sp>
+        <p:nvSpPr>
+          <p:cNvPr id="19" name="Oval 18">
+            <a:extLst>
+              <a:ext uri="{FF2B5EF4-FFF2-40B4-BE49-F238E27FC236}">
+                <a16:creationId xmlns:a16="http://schemas.microsoft.com/office/drawing/2014/main" id="{A71154D0-0213-715B-EC4D-2A43E8FD2F38}"/>
+              </a:ext>
+            </a:extLst>
+          </p:cNvPr>
+          <p:cNvSpPr/>
+          <p:nvPr/>
+        </p:nvSpPr>
+        <p:spPr>
+          <a:xfrm>
+            <a:off x="7196498" y="2258666"/>
+            <a:ext cx="1436441" cy="241160"/>
+          </a:xfrm>
+          <a:prstGeom prst="ellipse">
+            <a:avLst/>
+          </a:prstGeom>
+          <a:noFill/>
+          <a:ln w="19050">
+            <a:solidFill>
+              <a:srgbClr val="92D050"/>
+            </a:solidFill>
+          </a:ln>
+        </p:spPr>
+        <p:style>
+          <a:lnRef idx="2">
+            <a:schemeClr val="accent1">
+              <a:shade val="15000"/>
+            </a:schemeClr>
+          </a:lnRef>
+          <a:fillRef idx="1">
+            <a:schemeClr val="accent1"/>
+          </a:fillRef>
+          <a:effectRef idx="0">
+            <a:schemeClr val="accent1"/>
+          </a:effectRef>
+          <a:fontRef idx="minor">
+            <a:schemeClr val="lt1"/>
+          </a:fontRef>
+        </p:style>
+        <p:txBody>
+          <a:bodyPr rtlCol="0" anchor="ctr"/>
+          <a:lstStyle/>
+          <a:p>
+            <a:pPr algn="ctr"/>
+            <a:endParaRPr lang="en-US"/>
+          </a:p>
+        </p:txBody>
+      </p:sp>
+      <p:sp>
+        <p:nvSpPr>
+          <p:cNvPr id="20" name="Oval 19">
+            <a:extLst>
+              <a:ext uri="{FF2B5EF4-FFF2-40B4-BE49-F238E27FC236}">
+                <a16:creationId xmlns:a16="http://schemas.microsoft.com/office/drawing/2014/main" id="{D71714FA-FE69-A708-87B8-C8B917896E8D}"/>
+              </a:ext>
+            </a:extLst>
+          </p:cNvPr>
+          <p:cNvSpPr/>
+          <p:nvPr/>
+        </p:nvSpPr>
+        <p:spPr>
+          <a:xfrm>
+            <a:off x="7144885" y="2889493"/>
+            <a:ext cx="1436441" cy="241160"/>
+          </a:xfrm>
+          <a:prstGeom prst="ellipse">
+            <a:avLst/>
+          </a:prstGeom>
+          <a:noFill/>
+          <a:ln w="19050">
+            <a:solidFill>
+              <a:srgbClr val="92D050"/>
+            </a:solidFill>
+          </a:ln>
+        </p:spPr>
+        <p:style>
+          <a:lnRef idx="2">
+            <a:schemeClr val="accent1">
+              <a:shade val="15000"/>
+            </a:schemeClr>
+          </a:lnRef>
+          <a:fillRef idx="1">
+            <a:schemeClr val="accent1"/>
+          </a:fillRef>
+          <a:effectRef idx="0">
+            <a:schemeClr val="accent1"/>
+          </a:effectRef>
+          <a:fontRef idx="minor">
+            <a:schemeClr val="lt1"/>
+          </a:fontRef>
+        </p:style>
+        <p:txBody>
+          <a:bodyPr rtlCol="0" anchor="ctr"/>
+          <a:lstStyle/>
+          <a:p>
+            <a:pPr algn="ctr"/>
+            <a:endParaRPr lang="en-US"/>
+          </a:p>
+        </p:txBody>
+      </p:sp>
+      <p:sp>
+        <p:nvSpPr>
+          <p:cNvPr id="21" name="Oval 20">
+            <a:extLst>
+              <a:ext uri="{FF2B5EF4-FFF2-40B4-BE49-F238E27FC236}">
+                <a16:creationId xmlns:a16="http://schemas.microsoft.com/office/drawing/2014/main" id="{818D6852-520D-4111-A1D5-788B65219DE9}"/>
+              </a:ext>
+            </a:extLst>
+          </p:cNvPr>
+          <p:cNvSpPr/>
+          <p:nvPr/>
+        </p:nvSpPr>
+        <p:spPr>
+          <a:xfrm>
+            <a:off x="7144885" y="3140326"/>
+            <a:ext cx="1436441" cy="241160"/>
+          </a:xfrm>
+          <a:prstGeom prst="ellipse">
+            <a:avLst/>
+          </a:prstGeom>
+          <a:noFill/>
+          <a:ln w="19050">
+            <a:solidFill>
+              <a:srgbClr val="92D050"/>
+            </a:solidFill>
+          </a:ln>
+        </p:spPr>
+        <p:style>
+          <a:lnRef idx="2">
+            <a:schemeClr val="accent1">
+              <a:shade val="15000"/>
+            </a:schemeClr>
+          </a:lnRef>
+          <a:fillRef idx="1">
+            <a:schemeClr val="accent1"/>
+          </a:fillRef>
+          <a:effectRef idx="0">
+            <a:schemeClr val="accent1"/>
+          </a:effectRef>
+          <a:fontRef idx="minor">
+            <a:schemeClr val="lt1"/>
+          </a:fontRef>
+        </p:style>
+        <p:txBody>
+          <a:bodyPr rtlCol="0" anchor="ctr"/>
+          <a:lstStyle/>
+          <a:p>
+            <a:pPr algn="ctr"/>
+            <a:endParaRPr lang="en-US"/>
+          </a:p>
+        </p:txBody>
+      </p:sp>
+      <p:sp>
+        <p:nvSpPr>
+          <p:cNvPr id="22" name="Oval 21">
+            <a:extLst>
+              <a:ext uri="{FF2B5EF4-FFF2-40B4-BE49-F238E27FC236}">
+                <a16:creationId xmlns:a16="http://schemas.microsoft.com/office/drawing/2014/main" id="{C179A988-3ED0-D009-E1B5-71A295AE6AF8}"/>
+              </a:ext>
+            </a:extLst>
+          </p:cNvPr>
+          <p:cNvSpPr/>
+          <p:nvPr/>
+        </p:nvSpPr>
+        <p:spPr>
+          <a:xfrm>
+            <a:off x="7149357" y="1034409"/>
+            <a:ext cx="1436441" cy="241160"/>
+          </a:xfrm>
+          <a:prstGeom prst="ellipse">
+            <a:avLst/>
+          </a:prstGeom>
+          <a:noFill/>
+          <a:ln w="19050">
+            <a:solidFill>
+              <a:srgbClr val="92D050"/>
+            </a:solidFill>
+          </a:ln>
+        </p:spPr>
+        <p:style>
+          <a:lnRef idx="2">
+            <a:schemeClr val="accent1">
+              <a:shade val="15000"/>
+            </a:schemeClr>
+          </a:lnRef>
+          <a:fillRef idx="1">
+            <a:schemeClr val="accent1"/>
+          </a:fillRef>
+          <a:effectRef idx="0">
+            <a:schemeClr val="accent1"/>
+          </a:effectRef>
+          <a:fontRef idx="minor">
+            <a:schemeClr val="lt1"/>
+          </a:fontRef>
+        </p:style>
+        <p:txBody>
+          <a:bodyPr rtlCol="0" anchor="ctr"/>
+          <a:lstStyle/>
+          <a:p>
+            <a:pPr algn="ctr"/>
+            <a:endParaRPr lang="en-US"/>
+          </a:p>
+        </p:txBody>
+      </p:sp>
+      <p:pic>
+        <p:nvPicPr>
+          <p:cNvPr id="26" name="Picture 25">
+            <a:extLst>
+              <a:ext uri="{FF2B5EF4-FFF2-40B4-BE49-F238E27FC236}">
+                <a16:creationId xmlns:a16="http://schemas.microsoft.com/office/drawing/2014/main" id="{DC9EA6A0-A63D-115B-1097-A40062DCE265}"/>
+              </a:ext>
+            </a:extLst>
+          </p:cNvPr>
+          <p:cNvPicPr>
+            <a:picLocks noChangeAspect="1"/>
+          </p:cNvPicPr>
+          <p:nvPr/>
+        </p:nvPicPr>
+        <p:blipFill>
+          <a:blip r:embed="rId4"/>
+          <a:stretch>
+            <a:fillRect/>
+          </a:stretch>
+        </p:blipFill>
+        <p:spPr>
+          <a:xfrm>
+            <a:off x="5600855" y="5917485"/>
+            <a:ext cx="4920609" cy="810152"/>
+          </a:xfrm>
+          <a:prstGeom prst="rect">
+            <a:avLst/>
+          </a:prstGeom>
+        </p:spPr>
+      </p:pic>
+      <p:sp>
+        <p:nvSpPr>
+          <p:cNvPr id="27" name="Oval 26">
+            <a:extLst>
+              <a:ext uri="{FF2B5EF4-FFF2-40B4-BE49-F238E27FC236}">
+                <a16:creationId xmlns:a16="http://schemas.microsoft.com/office/drawing/2014/main" id="{F1370286-AF9F-81E9-4B42-544FA6E0097D}"/>
+              </a:ext>
+            </a:extLst>
+          </p:cNvPr>
+          <p:cNvSpPr/>
+          <p:nvPr/>
+        </p:nvSpPr>
+        <p:spPr>
+          <a:xfrm>
+            <a:off x="5440680" y="6036191"/>
+            <a:ext cx="1130942" cy="262492"/>
+          </a:xfrm>
+          <a:prstGeom prst="ellipse">
+            <a:avLst/>
+          </a:prstGeom>
+          <a:noFill/>
+          <a:ln w="19050">
+            <a:solidFill>
+              <a:srgbClr val="FF0000"/>
+            </a:solidFill>
+          </a:ln>
+        </p:spPr>
+        <p:style>
+          <a:lnRef idx="2">
+            <a:schemeClr val="accent1">
+              <a:shade val="15000"/>
+            </a:schemeClr>
+          </a:lnRef>
+          <a:fillRef idx="1">
+            <a:schemeClr val="accent1"/>
+          </a:fillRef>
+          <a:effectRef idx="0">
+            <a:schemeClr val="accent1"/>
+          </a:effectRef>
+          <a:fontRef idx="minor">
+            <a:schemeClr val="lt1"/>
+          </a:fontRef>
+        </p:style>
+        <p:txBody>
+          <a:bodyPr rtlCol="0" anchor="ctr"/>
+          <a:lstStyle/>
+          <a:p>
+            <a:pPr algn="ctr"/>
+            <a:endParaRPr lang="en-US"/>
+          </a:p>
+        </p:txBody>
+      </p:sp>
+      <p:sp>
+        <p:nvSpPr>
+          <p:cNvPr id="28" name="Oval 27">
+            <a:extLst>
+              <a:ext uri="{FF2B5EF4-FFF2-40B4-BE49-F238E27FC236}">
+                <a16:creationId xmlns:a16="http://schemas.microsoft.com/office/drawing/2014/main" id="{88A14024-B8F1-BBF6-EABF-9C037518C4EE}"/>
+              </a:ext>
+            </a:extLst>
+          </p:cNvPr>
+          <p:cNvSpPr/>
+          <p:nvPr/>
+        </p:nvSpPr>
+        <p:spPr>
+          <a:xfrm>
+            <a:off x="8419220" y="6159756"/>
+            <a:ext cx="1870291" cy="324930"/>
+          </a:xfrm>
+          <a:prstGeom prst="ellipse">
+            <a:avLst/>
+          </a:prstGeom>
+          <a:noFill/>
+          <a:ln w="19050">
+            <a:solidFill>
+              <a:srgbClr val="FF0000"/>
+            </a:solidFill>
+          </a:ln>
+        </p:spPr>
+        <p:style>
+          <a:lnRef idx="2">
+            <a:schemeClr val="accent1">
+              <a:shade val="15000"/>
+            </a:schemeClr>
+          </a:lnRef>
+          <a:fillRef idx="1">
+            <a:schemeClr val="accent1"/>
+          </a:fillRef>
+          <a:effectRef idx="0">
+            <a:schemeClr val="accent1"/>
+          </a:effectRef>
+          <a:fontRef idx="minor">
+            <a:schemeClr val="lt1"/>
+          </a:fontRef>
+        </p:style>
+        <p:txBody>
+          <a:bodyPr rtlCol="0" anchor="ctr"/>
+          <a:lstStyle/>
+          <a:p>
+            <a:pPr algn="ctr"/>
+            <a:endParaRPr lang="en-US"/>
+          </a:p>
+        </p:txBody>
+      </p:sp>
     </p:spTree>
     <p:extLst>
       <p:ext uri="{BB962C8B-B14F-4D97-AF65-F5344CB8AC3E}">
-        <p14:creationId xmlns:p14="http://schemas.microsoft.com/office/powerpoint/2010/main" val="430403476"/>
+        <p14:creationId xmlns:p14="http://schemas.microsoft.com/office/powerpoint/2010/main" val="412000632"/>
       </p:ext>
     </p:extLst>
   </p:cSld>
@@ -10342,47 +8623,12 @@
           <a:chExt cx="0" cy="0"/>
         </a:xfrm>
       </p:grpSpPr>
-      <p:sp>
-        <p:nvSpPr>
-          <p:cNvPr id="5" name="Slide Number Placeholder 4">
-            <a:extLst>
-              <a:ext uri="{FF2B5EF4-FFF2-40B4-BE49-F238E27FC236}">
-                <a16:creationId xmlns:a16="http://schemas.microsoft.com/office/drawing/2014/main" id="{C99D2502-F7A7-039F-01A0-59462ADFF659}"/>
-              </a:ext>
-            </a:extLst>
-          </p:cNvPr>
-          <p:cNvSpPr>
-            <a:spLocks noGrp="1"/>
-          </p:cNvSpPr>
-          <p:nvPr>
-            <p:ph type="sldNum" sz="quarter" idx="4"/>
-          </p:nvPr>
-        </p:nvSpPr>
-        <p:spPr>
-          <a:xfrm>
-            <a:off x="914400" y="6246254"/>
-            <a:ext cx="631065" cy="296214"/>
-          </a:xfrm>
-        </p:spPr>
-        <p:txBody>
-          <a:bodyPr/>
-          <a:lstStyle/>
-          <a:p>
-            <a:fld id="{B5CEABB6-07DC-46E8-9B57-56EC44A396E5}" type="slidenum">
-              <a:rPr lang="en-US" smtClean="0"/>
-              <a:pPr/>
-              <a:t>5</a:t>
-            </a:fld>
-            <a:endParaRPr lang="en-US" dirty="0"/>
-          </a:p>
-        </p:txBody>
-      </p:sp>
       <p:pic>
         <p:nvPicPr>
-          <p:cNvPr id="2052" name="Picture 4">
-            <a:extLst>
-              <a:ext uri="{FF2B5EF4-FFF2-40B4-BE49-F238E27FC236}">
-                <a16:creationId xmlns:a16="http://schemas.microsoft.com/office/drawing/2014/main" id="{E9B43625-A9AE-B3D7-CF08-55190E9BB019}"/>
+          <p:cNvPr id="2050" name="Picture 2">
+            <a:extLst>
+              <a:ext uri="{FF2B5EF4-FFF2-40B4-BE49-F238E27FC236}">
+                <a16:creationId xmlns:a16="http://schemas.microsoft.com/office/drawing/2014/main" id="{F64A0F35-DE2F-00AE-EAF7-F5CBAD1D7F46}"/>
               </a:ext>
             </a:extLst>
           </p:cNvPr>
@@ -10406,8 +8652,8 @@
         </p:blipFill>
         <p:spPr bwMode="auto">
           <a:xfrm>
-            <a:off x="258700" y="1120569"/>
-            <a:ext cx="4058992" cy="2308432"/>
+            <a:off x="864241" y="945377"/>
+            <a:ext cx="4122042" cy="1852962"/>
           </a:xfrm>
           <a:prstGeom prst="rect">
             <a:avLst/>
@@ -10426,10 +8672,10 @@
       </p:pic>
       <p:pic>
         <p:nvPicPr>
-          <p:cNvPr id="2054" name="Picture 6">
-            <a:extLst>
-              <a:ext uri="{FF2B5EF4-FFF2-40B4-BE49-F238E27FC236}">
-                <a16:creationId xmlns:a16="http://schemas.microsoft.com/office/drawing/2014/main" id="{08695C42-CA45-5C6C-5DE0-2A9E9F5908B6}"/>
+          <p:cNvPr id="3074" name="Picture 2">
+            <a:extLst>
+              <a:ext uri="{FF2B5EF4-FFF2-40B4-BE49-F238E27FC236}">
+                <a16:creationId xmlns:a16="http://schemas.microsoft.com/office/drawing/2014/main" id="{051E70E8-C0E6-0C55-39C3-4442F48063B6}"/>
               </a:ext>
             </a:extLst>
           </p:cNvPr>
@@ -10453,8 +8699,8 @@
         </p:blipFill>
         <p:spPr bwMode="auto">
           <a:xfrm>
-            <a:off x="258699" y="3905572"/>
-            <a:ext cx="4058993" cy="2308432"/>
+            <a:off x="870580" y="4797139"/>
+            <a:ext cx="4115703" cy="1852962"/>
           </a:xfrm>
           <a:prstGeom prst="rect">
             <a:avLst/>
@@ -10471,12 +8717,47 @@
           </a:extLst>
         </p:spPr>
       </p:pic>
+      <p:sp>
+        <p:nvSpPr>
+          <p:cNvPr id="12" name="TextBox 11">
+            <a:extLst>
+              <a:ext uri="{FF2B5EF4-FFF2-40B4-BE49-F238E27FC236}">
+                <a16:creationId xmlns:a16="http://schemas.microsoft.com/office/drawing/2014/main" id="{7940EF8F-26E5-4791-4334-3B739B35F69B}"/>
+              </a:ext>
+            </a:extLst>
+          </p:cNvPr>
+          <p:cNvSpPr txBox="1"/>
+          <p:nvPr/>
+        </p:nvSpPr>
+        <p:spPr>
+          <a:xfrm>
+            <a:off x="2447214" y="207899"/>
+            <a:ext cx="5090817" cy="523220"/>
+          </a:xfrm>
+          <a:prstGeom prst="rect">
+            <a:avLst/>
+          </a:prstGeom>
+          <a:noFill/>
+        </p:spPr>
+        <p:txBody>
+          <a:bodyPr wrap="none" rtlCol="0">
+            <a:spAutoFit/>
+          </a:bodyPr>
+          <a:lstStyle/>
+          <a:p>
+            <a:r>
+              <a:rPr lang="en-US" sz="2800" b="1" dirty="0"/>
+              <a:t>Diabetes Optimization Function</a:t>
+            </a:r>
+          </a:p>
+        </p:txBody>
+      </p:sp>
       <p:pic>
         <p:nvPicPr>
-          <p:cNvPr id="2056" name="Picture 8">
-            <a:extLst>
-              <a:ext uri="{FF2B5EF4-FFF2-40B4-BE49-F238E27FC236}">
-                <a16:creationId xmlns:a16="http://schemas.microsoft.com/office/drawing/2014/main" id="{E84A585D-42FA-604A-D598-D6C0C015C5C9}"/>
+          <p:cNvPr id="1026" name="Picture 2">
+            <a:extLst>
+              <a:ext uri="{FF2B5EF4-FFF2-40B4-BE49-F238E27FC236}">
+                <a16:creationId xmlns:a16="http://schemas.microsoft.com/office/drawing/2014/main" id="{5B53973A-ACA9-196D-5E21-6D1FC6B82CC1}"/>
               </a:ext>
             </a:extLst>
           </p:cNvPr>
@@ -10500,8 +8781,8 @@
         </p:blipFill>
         <p:spPr bwMode="auto">
           <a:xfrm>
-            <a:off x="4978488" y="1120567"/>
-            <a:ext cx="4058995" cy="2308433"/>
+            <a:off x="865752" y="2871258"/>
+            <a:ext cx="4120531" cy="1852962"/>
           </a:xfrm>
           <a:prstGeom prst="rect">
             <a:avLst/>
@@ -10518,94 +8799,12 @@
           </a:extLst>
         </p:spPr>
       </p:pic>
-      <p:sp>
-        <p:nvSpPr>
-          <p:cNvPr id="13" name="TextBox 12">
-            <a:extLst>
-              <a:ext uri="{FF2B5EF4-FFF2-40B4-BE49-F238E27FC236}">
-                <a16:creationId xmlns:a16="http://schemas.microsoft.com/office/drawing/2014/main" id="{170A68A8-BE96-FE75-BD86-2F64193CD941}"/>
-              </a:ext>
-            </a:extLst>
-          </p:cNvPr>
-          <p:cNvSpPr txBox="1"/>
-          <p:nvPr/>
-        </p:nvSpPr>
-        <p:spPr>
-          <a:xfrm>
-            <a:off x="1307625" y="261685"/>
-            <a:ext cx="7175234" cy="523220"/>
-          </a:xfrm>
-          <a:prstGeom prst="rect">
-            <a:avLst/>
-          </a:prstGeom>
-          <a:noFill/>
-        </p:spPr>
-        <p:txBody>
-          <a:bodyPr wrap="none" rtlCol="0">
-            <a:spAutoFit/>
-          </a:bodyPr>
-          <a:lstStyle/>
-          <a:p>
-            <a:r>
-              <a:rPr lang="en-US" sz="2800" b="1" dirty="0"/>
-              <a:t>Chronic Heart Disease Optimization Function</a:t>
-            </a:r>
-          </a:p>
-        </p:txBody>
-      </p:sp>
       <p:pic>
         <p:nvPicPr>
-          <p:cNvPr id="2058" name="Picture 10">
-            <a:extLst>
-              <a:ext uri="{FF2B5EF4-FFF2-40B4-BE49-F238E27FC236}">
-                <a16:creationId xmlns:a16="http://schemas.microsoft.com/office/drawing/2014/main" id="{6842CBCC-F0CC-BE8D-246E-530076344933}"/>
-              </a:ext>
-            </a:extLst>
-          </p:cNvPr>
-          <p:cNvPicPr>
-            <a:picLocks noChangeAspect="1" noChangeArrowheads="1"/>
-          </p:cNvPicPr>
-          <p:nvPr/>
-        </p:nvPicPr>
-        <p:blipFill>
-          <a:blip r:embed="rId6">
-            <a:extLst>
-              <a:ext uri="{28A0092B-C50C-407E-A947-70E740481C1C}">
-                <a14:useLocalDpi xmlns:a14="http://schemas.microsoft.com/office/drawing/2010/main" val="0"/>
-              </a:ext>
-            </a:extLst>
-          </a:blip>
-          <a:srcRect/>
-          <a:stretch>
-            <a:fillRect/>
-          </a:stretch>
-        </p:blipFill>
-        <p:spPr bwMode="auto">
-          <a:xfrm>
-            <a:off x="7296760" y="3905571"/>
-            <a:ext cx="4197477" cy="2634069"/>
-          </a:xfrm>
-          <a:prstGeom prst="rect">
-            <a:avLst/>
-          </a:prstGeom>
-          <a:noFill/>
-          <a:extLst>
-            <a:ext uri="{909E8E84-426E-40DD-AFC4-6F175D3DCCD1}">
-              <a14:hiddenFill xmlns:a14="http://schemas.microsoft.com/office/drawing/2010/main">
-                <a:solidFill>
-                  <a:srgbClr val="FFFFFF"/>
-                </a:solidFill>
-              </a14:hiddenFill>
-            </a:ext>
-          </a:extLst>
-        </p:spPr>
-      </p:pic>
-      <p:pic>
-        <p:nvPicPr>
-          <p:cNvPr id="15" name="Picture 14">
-            <a:extLst>
-              <a:ext uri="{FF2B5EF4-FFF2-40B4-BE49-F238E27FC236}">
-                <a16:creationId xmlns:a16="http://schemas.microsoft.com/office/drawing/2014/main" id="{23A74E15-B519-DB83-56A4-AEDDAA54DB58}"/>
+          <p:cNvPr id="5" name="Picture 4">
+            <a:extLst>
+              <a:ext uri="{FF2B5EF4-FFF2-40B4-BE49-F238E27FC236}">
+                <a16:creationId xmlns:a16="http://schemas.microsoft.com/office/drawing/2014/main" id="{095B22E9-0A92-6368-54F7-BC11A6B88FB9}"/>
               </a:ext>
             </a:extLst>
           </p:cNvPr>
@@ -10615,25 +8814,143 @@
           <p:nvPr/>
         </p:nvPicPr>
         <p:blipFill>
-          <a:blip r:embed="rId7"/>
+          <a:blip r:embed="rId6"/>
           <a:stretch>
             <a:fillRect/>
           </a:stretch>
         </p:blipFill>
         <p:spPr>
           <a:xfrm>
-            <a:off x="4978488" y="3905571"/>
-            <a:ext cx="2819794" cy="1467055"/>
+            <a:off x="5438066" y="5173520"/>
+            <a:ext cx="2495898" cy="1476581"/>
           </a:xfrm>
           <a:prstGeom prst="rect">
             <a:avLst/>
           </a:prstGeom>
         </p:spPr>
       </p:pic>
+      <p:sp>
+        <p:nvSpPr>
+          <p:cNvPr id="8" name="TextBox 7">
+            <a:extLst>
+              <a:ext uri="{FF2B5EF4-FFF2-40B4-BE49-F238E27FC236}">
+                <a16:creationId xmlns:a16="http://schemas.microsoft.com/office/drawing/2014/main" id="{45A48C9F-2A15-49A7-FD7B-2D76BCB49FD6}"/>
+              </a:ext>
+            </a:extLst>
+          </p:cNvPr>
+          <p:cNvSpPr txBox="1"/>
+          <p:nvPr/>
+        </p:nvSpPr>
+        <p:spPr>
+          <a:xfrm>
+            <a:off x="5767753" y="2926859"/>
+            <a:ext cx="2873829" cy="861774"/>
+          </a:xfrm>
+          <a:prstGeom prst="rect">
+            <a:avLst/>
+          </a:prstGeom>
+          <a:noFill/>
+        </p:spPr>
+        <p:txBody>
+          <a:bodyPr wrap="square" rtlCol="0">
+            <a:spAutoFit/>
+          </a:bodyPr>
+          <a:lstStyle/>
+          <a:p>
+            <a:r>
+              <a:rPr lang="en-US" dirty="0"/>
+              <a:t>Model Performance</a:t>
+            </a:r>
+          </a:p>
+          <a:p>
+            <a:pPr marL="285750" indent="-285750">
+              <a:buFont typeface="Arial" panose="020B0604020202020204" pitchFamily="34" charset="0"/>
+              <a:buChar char="•"/>
+            </a:pPr>
+            <a:r>
+              <a:rPr lang="en-US" sz="1600" dirty="0"/>
+              <a:t>MAE 0.005796</a:t>
+            </a:r>
+          </a:p>
+          <a:p>
+            <a:pPr marL="285750" indent="-285750">
+              <a:buFont typeface="Arial" panose="020B0604020202020204" pitchFamily="34" charset="0"/>
+              <a:buChar char="•"/>
+            </a:pPr>
+            <a:r>
+              <a:rPr lang="en-US" sz="1600" dirty="0"/>
+              <a:t>Loss (MSE) 0.000058</a:t>
+            </a:r>
+          </a:p>
+        </p:txBody>
+      </p:sp>
+      <p:sp>
+        <p:nvSpPr>
+          <p:cNvPr id="9" name="TextBox 8">
+            <a:extLst>
+              <a:ext uri="{FF2B5EF4-FFF2-40B4-BE49-F238E27FC236}">
+                <a16:creationId xmlns:a16="http://schemas.microsoft.com/office/drawing/2014/main" id="{855CF465-89BA-2FB2-F6CC-EDE46CD96B4A}"/>
+              </a:ext>
+            </a:extLst>
+          </p:cNvPr>
+          <p:cNvSpPr txBox="1"/>
+          <p:nvPr/>
+        </p:nvSpPr>
+        <p:spPr>
+          <a:xfrm>
+            <a:off x="5767753" y="1398102"/>
+            <a:ext cx="4804072" cy="861774"/>
+          </a:xfrm>
+          <a:prstGeom prst="rect">
+            <a:avLst/>
+          </a:prstGeom>
+          <a:noFill/>
+        </p:spPr>
+        <p:txBody>
+          <a:bodyPr wrap="none" rtlCol="0">
+            <a:spAutoFit/>
+          </a:bodyPr>
+          <a:lstStyle/>
+          <a:p>
+            <a:r>
+              <a:rPr lang="en-US" dirty="0"/>
+              <a:t>Model Optimization</a:t>
+            </a:r>
+          </a:p>
+          <a:p>
+            <a:pPr marL="285750" indent="-285750">
+              <a:buFont typeface="Arial" panose="020B0604020202020204" pitchFamily="34" charset="0"/>
+              <a:buChar char="•"/>
+            </a:pPr>
+            <a:r>
+              <a:rPr lang="en-US" sz="1600" dirty="0"/>
+              <a:t>Activation Function: Exponential Linear Unit (</a:t>
+            </a:r>
+            <a:r>
+              <a:rPr lang="en-US" sz="1600" dirty="0" err="1"/>
+              <a:t>elu</a:t>
+            </a:r>
+            <a:r>
+              <a:rPr lang="en-US" sz="1600" dirty="0"/>
+              <a:t>)</a:t>
+            </a:r>
+          </a:p>
+          <a:p>
+            <a:pPr marL="285750" indent="-285750">
+              <a:buFont typeface="Arial" panose="020B0604020202020204" pitchFamily="34" charset="0"/>
+              <a:buChar char="•"/>
+            </a:pPr>
+            <a:r>
+              <a:rPr lang="en-US" sz="1600" dirty="0"/>
+              <a:t>Optimizer: Stochastic Gradient Descent (SGD)</a:t>
+            </a:r>
+          </a:p>
+        </p:txBody>
+      </p:sp>
     </p:spTree>
     <p:extLst>
       <p:ext uri="{BB962C8B-B14F-4D97-AF65-F5344CB8AC3E}">
-        <p14:creationId xmlns:p14="http://schemas.microsoft.com/office/powerpoint/2010/main" val="2398406067"/>
+        <p14:creationId xmlns:p14="http://schemas.microsoft.com/office/powerpoint/2010/main" val="430403476"/>
       </p:ext>
     </p:extLst>
   </p:cSld>
@@ -10660,12 +8977,47 @@
           <a:chExt cx="0" cy="0"/>
         </a:xfrm>
       </p:grpSpPr>
+      <p:sp>
+        <p:nvSpPr>
+          <p:cNvPr id="12" name="TextBox 11">
+            <a:extLst>
+              <a:ext uri="{FF2B5EF4-FFF2-40B4-BE49-F238E27FC236}">
+                <a16:creationId xmlns:a16="http://schemas.microsoft.com/office/drawing/2014/main" id="{7940EF8F-26E5-4791-4334-3B739B35F69B}"/>
+              </a:ext>
+            </a:extLst>
+          </p:cNvPr>
+          <p:cNvSpPr txBox="1"/>
+          <p:nvPr/>
+        </p:nvSpPr>
+        <p:spPr>
+          <a:xfrm>
+            <a:off x="2447214" y="207899"/>
+            <a:ext cx="5106977" cy="954107"/>
+          </a:xfrm>
+          <a:prstGeom prst="rect">
+            <a:avLst/>
+          </a:prstGeom>
+          <a:noFill/>
+        </p:spPr>
+        <p:txBody>
+          <a:bodyPr wrap="square" rtlCol="0">
+            <a:spAutoFit/>
+          </a:bodyPr>
+          <a:lstStyle/>
+          <a:p>
+            <a:r>
+              <a:rPr lang="en-US" sz="2800" b="1" dirty="0"/>
+              <a:t>Diabetes Random Forest Regressor Evaluation Metrics</a:t>
+            </a:r>
+          </a:p>
+        </p:txBody>
+      </p:sp>
       <p:pic>
         <p:nvPicPr>
-          <p:cNvPr id="4098" name="Picture 2">
-            <a:extLst>
-              <a:ext uri="{FF2B5EF4-FFF2-40B4-BE49-F238E27FC236}">
-                <a16:creationId xmlns:a16="http://schemas.microsoft.com/office/drawing/2014/main" id="{B686FD4D-0DDC-CE1E-151A-BD882036C34C}"/>
+          <p:cNvPr id="3078" name="Picture 6">
+            <a:extLst>
+              <a:ext uri="{FF2B5EF4-FFF2-40B4-BE49-F238E27FC236}">
+                <a16:creationId xmlns:a16="http://schemas.microsoft.com/office/drawing/2014/main" id="{EBF4DC59-E2BA-95AD-0121-4919292B4C6E}"/>
               </a:ext>
             </a:extLst>
           </p:cNvPr>
@@ -10689,8 +9041,8 @@
         </p:blipFill>
         <p:spPr bwMode="auto">
           <a:xfrm>
-            <a:off x="379914" y="1133856"/>
-            <a:ext cx="4035628" cy="2295144"/>
+            <a:off x="3044537" y="1349981"/>
+            <a:ext cx="8303444" cy="5210713"/>
           </a:xfrm>
           <a:prstGeom prst="rect">
             <a:avLst/>
@@ -10709,186 +9061,10 @@
       </p:pic>
       <p:pic>
         <p:nvPicPr>
-          <p:cNvPr id="4100" name="Picture 4">
-            <a:extLst>
-              <a:ext uri="{FF2B5EF4-FFF2-40B4-BE49-F238E27FC236}">
-                <a16:creationId xmlns:a16="http://schemas.microsoft.com/office/drawing/2014/main" id="{126347BB-10E5-2848-B8A9-33779A251947}"/>
-              </a:ext>
-            </a:extLst>
-          </p:cNvPr>
-          <p:cNvPicPr>
-            <a:picLocks noChangeAspect="1" noChangeArrowheads="1"/>
-          </p:cNvPicPr>
-          <p:nvPr/>
-        </p:nvPicPr>
-        <p:blipFill>
-          <a:blip r:embed="rId4">
-            <a:extLst>
-              <a:ext uri="{28A0092B-C50C-407E-A947-70E740481C1C}">
-                <a14:useLocalDpi xmlns:a14="http://schemas.microsoft.com/office/drawing/2010/main" val="0"/>
-              </a:ext>
-            </a:extLst>
-          </a:blip>
-          <a:srcRect/>
-          <a:stretch>
-            <a:fillRect/>
-          </a:stretch>
-        </p:blipFill>
-        <p:spPr bwMode="auto">
-          <a:xfrm>
-            <a:off x="379914" y="3520440"/>
-            <a:ext cx="4035628" cy="2295144"/>
-          </a:xfrm>
-          <a:prstGeom prst="rect">
-            <a:avLst/>
-          </a:prstGeom>
-          <a:noFill/>
-          <a:extLst>
-            <a:ext uri="{909E8E84-426E-40DD-AFC4-6F175D3DCCD1}">
-              <a14:hiddenFill xmlns:a14="http://schemas.microsoft.com/office/drawing/2010/main">
-                <a:solidFill>
-                  <a:srgbClr val="FFFFFF"/>
-                </a:solidFill>
-              </a14:hiddenFill>
-            </a:ext>
-          </a:extLst>
-        </p:spPr>
-      </p:pic>
-      <p:sp>
-        <p:nvSpPr>
-          <p:cNvPr id="11" name="TextBox 10">
-            <a:extLst>
-              <a:ext uri="{FF2B5EF4-FFF2-40B4-BE49-F238E27FC236}">
-                <a16:creationId xmlns:a16="http://schemas.microsoft.com/office/drawing/2014/main" id="{EF560E1A-5D93-7C5A-63E5-F0BE69BB027D}"/>
-              </a:ext>
-            </a:extLst>
-          </p:cNvPr>
-          <p:cNvSpPr txBox="1"/>
-          <p:nvPr/>
-        </p:nvSpPr>
-        <p:spPr>
-          <a:xfrm>
-            <a:off x="1291608" y="233520"/>
-            <a:ext cx="4804392" cy="523220"/>
-          </a:xfrm>
-          <a:prstGeom prst="rect">
-            <a:avLst/>
-          </a:prstGeom>
-          <a:noFill/>
-        </p:spPr>
-        <p:txBody>
-          <a:bodyPr wrap="none" rtlCol="0">
-            <a:spAutoFit/>
-          </a:bodyPr>
-          <a:lstStyle/>
-          <a:p>
-            <a:r>
-              <a:rPr lang="en-US" sz="2800" b="1" dirty="0"/>
-              <a:t>Cancer Optimization Function</a:t>
-            </a:r>
-          </a:p>
-        </p:txBody>
-      </p:sp>
-      <p:pic>
-        <p:nvPicPr>
-          <p:cNvPr id="4104" name="Picture 8">
-            <a:extLst>
-              <a:ext uri="{FF2B5EF4-FFF2-40B4-BE49-F238E27FC236}">
-                <a16:creationId xmlns:a16="http://schemas.microsoft.com/office/drawing/2014/main" id="{6B93406A-159D-AEF6-7AB5-FCE8DECE3987}"/>
-              </a:ext>
-            </a:extLst>
-          </p:cNvPr>
-          <p:cNvPicPr>
-            <a:picLocks noChangeAspect="1" noChangeArrowheads="1"/>
-          </p:cNvPicPr>
-          <p:nvPr/>
-        </p:nvPicPr>
-        <p:blipFill>
-          <a:blip r:embed="rId5">
-            <a:extLst>
-              <a:ext uri="{28A0092B-C50C-407E-A947-70E740481C1C}">
-                <a14:useLocalDpi xmlns:a14="http://schemas.microsoft.com/office/drawing/2010/main" val="0"/>
-              </a:ext>
-            </a:extLst>
-          </a:blip>
-          <a:srcRect/>
-          <a:stretch>
-            <a:fillRect/>
-          </a:stretch>
-        </p:blipFill>
-        <p:spPr bwMode="auto">
-          <a:xfrm>
-            <a:off x="6561372" y="3888613"/>
-            <a:ext cx="3657388" cy="2295144"/>
-          </a:xfrm>
-          <a:prstGeom prst="rect">
-            <a:avLst/>
-          </a:prstGeom>
-          <a:noFill/>
-          <a:extLst>
-            <a:ext uri="{909E8E84-426E-40DD-AFC4-6F175D3DCCD1}">
-              <a14:hiddenFill xmlns:a14="http://schemas.microsoft.com/office/drawing/2010/main">
-                <a:solidFill>
-                  <a:srgbClr val="FFFFFF"/>
-                </a:solidFill>
-              </a14:hiddenFill>
-            </a:ext>
-          </a:extLst>
-        </p:spPr>
-      </p:pic>
-      <p:pic>
-        <p:nvPicPr>
-          <p:cNvPr id="4108" name="Picture 12">
-            <a:extLst>
-              <a:ext uri="{FF2B5EF4-FFF2-40B4-BE49-F238E27FC236}">
-                <a16:creationId xmlns:a16="http://schemas.microsoft.com/office/drawing/2014/main" id="{CECB83D8-A83B-5CB5-7D9B-F1B518CF605F}"/>
-              </a:ext>
-            </a:extLst>
-          </p:cNvPr>
-          <p:cNvPicPr>
-            <a:picLocks noChangeAspect="1" noChangeArrowheads="1"/>
-          </p:cNvPicPr>
-          <p:nvPr/>
-        </p:nvPicPr>
-        <p:blipFill>
-          <a:blip r:embed="rId6">
-            <a:extLst>
-              <a:ext uri="{28A0092B-C50C-407E-A947-70E740481C1C}">
-                <a14:useLocalDpi xmlns:a14="http://schemas.microsoft.com/office/drawing/2010/main" val="0"/>
-              </a:ext>
-            </a:extLst>
-          </a:blip>
-          <a:srcRect/>
-          <a:stretch>
-            <a:fillRect/>
-          </a:stretch>
-        </p:blipFill>
-        <p:spPr bwMode="auto">
-          <a:xfrm>
-            <a:off x="4543558" y="1133856"/>
-            <a:ext cx="4035628" cy="2295144"/>
-          </a:xfrm>
-          <a:prstGeom prst="rect">
-            <a:avLst/>
-          </a:prstGeom>
-          <a:noFill/>
-          <a:extLst>
-            <a:ext uri="{909E8E84-426E-40DD-AFC4-6F175D3DCCD1}">
-              <a14:hiddenFill xmlns:a14="http://schemas.microsoft.com/office/drawing/2010/main">
-                <a:solidFill>
-                  <a:srgbClr val="FFFFFF"/>
-                </a:solidFill>
-              </a14:hiddenFill>
-            </a:ext>
-          </a:extLst>
-        </p:spPr>
-      </p:pic>
-      <p:pic>
-        <p:nvPicPr>
-          <p:cNvPr id="18" name="Picture 17">
-            <a:extLst>
-              <a:ext uri="{FF2B5EF4-FFF2-40B4-BE49-F238E27FC236}">
-                <a16:creationId xmlns:a16="http://schemas.microsoft.com/office/drawing/2014/main" id="{A5020191-D242-BD78-2CE0-06505E7DB652}"/>
+          <p:cNvPr id="3" name="Picture 2">
+            <a:extLst>
+              <a:ext uri="{FF2B5EF4-FFF2-40B4-BE49-F238E27FC236}">
+                <a16:creationId xmlns:a16="http://schemas.microsoft.com/office/drawing/2014/main" id="{33C01441-2317-9764-15D8-1410522FA3CE}"/>
               </a:ext>
             </a:extLst>
           </p:cNvPr>
@@ -10898,15 +9074,15 @@
           <p:nvPr/>
         </p:nvPicPr>
         <p:blipFill>
-          <a:blip r:embed="rId7"/>
+          <a:blip r:embed="rId4"/>
           <a:stretch>
             <a:fillRect/>
           </a:stretch>
         </p:blipFill>
         <p:spPr>
           <a:xfrm>
-            <a:off x="8707202" y="1429646"/>
-            <a:ext cx="2943636" cy="1486107"/>
+            <a:off x="497125" y="3174178"/>
+            <a:ext cx="2124371" cy="781159"/>
           </a:xfrm>
           <a:prstGeom prst="rect">
             <a:avLst/>
@@ -10916,7 +9092,7 @@
     </p:spTree>
     <p:extLst>
       <p:ext uri="{BB962C8B-B14F-4D97-AF65-F5344CB8AC3E}">
-        <p14:creationId xmlns:p14="http://schemas.microsoft.com/office/powerpoint/2010/main" val="56176599"/>
+        <p14:creationId xmlns:p14="http://schemas.microsoft.com/office/powerpoint/2010/main" val="3004326576"/>
       </p:ext>
     </p:extLst>
   </p:cSld>
@@ -10943,114 +9119,331 @@
           <a:chExt cx="0" cy="0"/>
         </a:xfrm>
       </p:grpSpPr>
-      <p:sp>
-        <p:nvSpPr>
-          <p:cNvPr id="3" name="Title 2">
-            <a:extLst>
-              <a:ext uri="{FF2B5EF4-FFF2-40B4-BE49-F238E27FC236}">
-                <a16:creationId xmlns:a16="http://schemas.microsoft.com/office/drawing/2014/main" id="{3474D05E-8A36-8D9F-519E-DB514A69D886}"/>
-              </a:ext>
-            </a:extLst>
-          </p:cNvPr>
-          <p:cNvSpPr>
-            <a:spLocks noGrp="1"/>
-          </p:cNvSpPr>
-          <p:nvPr>
-            <p:ph type="title"/>
-          </p:nvPr>
-        </p:nvSpPr>
-        <p:spPr>
-          <a:xfrm>
-            <a:off x="914400" y="315533"/>
-            <a:ext cx="5181600" cy="2376868"/>
-          </a:xfrm>
+      <p:pic>
+        <p:nvPicPr>
+          <p:cNvPr id="2052" name="Picture 4">
+            <a:extLst>
+              <a:ext uri="{FF2B5EF4-FFF2-40B4-BE49-F238E27FC236}">
+                <a16:creationId xmlns:a16="http://schemas.microsoft.com/office/drawing/2014/main" id="{E9B43625-A9AE-B3D7-CF08-55190E9BB019}"/>
+              </a:ext>
+            </a:extLst>
+          </p:cNvPr>
+          <p:cNvPicPr>
+            <a:picLocks noChangeAspect="1" noChangeArrowheads="1"/>
+          </p:cNvPicPr>
+          <p:nvPr/>
+        </p:nvPicPr>
+        <p:blipFill>
+          <a:blip r:embed="rId3">
+            <a:extLst>
+              <a:ext uri="{28A0092B-C50C-407E-A947-70E740481C1C}">
+                <a14:useLocalDpi xmlns:a14="http://schemas.microsoft.com/office/drawing/2010/main" val="0"/>
+              </a:ext>
+            </a:extLst>
+          </a:blip>
+          <a:srcRect/>
+          <a:stretch>
+            <a:fillRect/>
+          </a:stretch>
+        </p:blipFill>
+        <p:spPr bwMode="auto">
+          <a:xfrm>
+            <a:off x="627111" y="983631"/>
+            <a:ext cx="4058992" cy="1852960"/>
+          </a:xfrm>
+          <a:prstGeom prst="rect">
+            <a:avLst/>
+          </a:prstGeom>
+          <a:noFill/>
+          <a:extLst>
+            <a:ext uri="{909E8E84-426E-40DD-AFC4-6F175D3DCCD1}">
+              <a14:hiddenFill xmlns:a14="http://schemas.microsoft.com/office/drawing/2010/main">
+                <a:solidFill>
+                  <a:srgbClr val="FFFFFF"/>
+                </a:solidFill>
+              </a14:hiddenFill>
+            </a:ext>
+          </a:extLst>
+        </p:spPr>
+      </p:pic>
+      <p:pic>
+        <p:nvPicPr>
+          <p:cNvPr id="2054" name="Picture 6">
+            <a:extLst>
+              <a:ext uri="{FF2B5EF4-FFF2-40B4-BE49-F238E27FC236}">
+                <a16:creationId xmlns:a16="http://schemas.microsoft.com/office/drawing/2014/main" id="{08695C42-CA45-5C6C-5DE0-2A9E9F5908B6}"/>
+              </a:ext>
+            </a:extLst>
+          </p:cNvPr>
+          <p:cNvPicPr>
+            <a:picLocks noChangeAspect="1" noChangeArrowheads="1"/>
+          </p:cNvPicPr>
+          <p:nvPr/>
+        </p:nvPicPr>
+        <p:blipFill>
+          <a:blip r:embed="rId4">
+            <a:extLst>
+              <a:ext uri="{28A0092B-C50C-407E-A947-70E740481C1C}">
+                <a14:useLocalDpi xmlns:a14="http://schemas.microsoft.com/office/drawing/2010/main" val="0"/>
+              </a:ext>
+            </a:extLst>
+          </a:blip>
+          <a:srcRect/>
+          <a:stretch>
+            <a:fillRect/>
+          </a:stretch>
+        </p:blipFill>
+        <p:spPr bwMode="auto">
+          <a:xfrm>
+            <a:off x="627110" y="2935954"/>
+            <a:ext cx="4058993" cy="1852960"/>
+          </a:xfrm>
+          <a:prstGeom prst="rect">
+            <a:avLst/>
+          </a:prstGeom>
+          <a:noFill/>
+          <a:extLst>
+            <a:ext uri="{909E8E84-426E-40DD-AFC4-6F175D3DCCD1}">
+              <a14:hiddenFill xmlns:a14="http://schemas.microsoft.com/office/drawing/2010/main">
+                <a:solidFill>
+                  <a:srgbClr val="FFFFFF"/>
+                </a:solidFill>
+              </a14:hiddenFill>
+            </a:ext>
+          </a:extLst>
+        </p:spPr>
+      </p:pic>
+      <p:pic>
+        <p:nvPicPr>
+          <p:cNvPr id="2056" name="Picture 8">
+            <a:extLst>
+              <a:ext uri="{FF2B5EF4-FFF2-40B4-BE49-F238E27FC236}">
+                <a16:creationId xmlns:a16="http://schemas.microsoft.com/office/drawing/2014/main" id="{E84A585D-42FA-604A-D598-D6C0C015C5C9}"/>
+              </a:ext>
+            </a:extLst>
+          </p:cNvPr>
+          <p:cNvPicPr>
+            <a:picLocks noChangeAspect="1" noChangeArrowheads="1"/>
+          </p:cNvPicPr>
+          <p:nvPr/>
+        </p:nvPicPr>
+        <p:blipFill>
+          <a:blip r:embed="rId5">
+            <a:extLst>
+              <a:ext uri="{28A0092B-C50C-407E-A947-70E740481C1C}">
+                <a14:useLocalDpi xmlns:a14="http://schemas.microsoft.com/office/drawing/2010/main" val="0"/>
+              </a:ext>
+            </a:extLst>
+          </a:blip>
+          <a:srcRect/>
+          <a:stretch>
+            <a:fillRect/>
+          </a:stretch>
+        </p:blipFill>
+        <p:spPr bwMode="auto">
+          <a:xfrm>
+            <a:off x="627110" y="4874312"/>
+            <a:ext cx="4058995" cy="1852961"/>
+          </a:xfrm>
+          <a:prstGeom prst="rect">
+            <a:avLst/>
+          </a:prstGeom>
+          <a:noFill/>
+          <a:extLst>
+            <a:ext uri="{909E8E84-426E-40DD-AFC4-6F175D3DCCD1}">
+              <a14:hiddenFill xmlns:a14="http://schemas.microsoft.com/office/drawing/2010/main">
+                <a:solidFill>
+                  <a:srgbClr val="FFFFFF"/>
+                </a:solidFill>
+              </a14:hiddenFill>
+            </a:ext>
+          </a:extLst>
+        </p:spPr>
+      </p:pic>
+      <p:sp>
+        <p:nvSpPr>
+          <p:cNvPr id="13" name="TextBox 12">
+            <a:extLst>
+              <a:ext uri="{FF2B5EF4-FFF2-40B4-BE49-F238E27FC236}">
+                <a16:creationId xmlns:a16="http://schemas.microsoft.com/office/drawing/2014/main" id="{170A68A8-BE96-FE75-BD86-2F64193CD941}"/>
+              </a:ext>
+            </a:extLst>
+          </p:cNvPr>
+          <p:cNvSpPr txBox="1"/>
+          <p:nvPr/>
+        </p:nvSpPr>
+        <p:spPr>
+          <a:xfrm>
+            <a:off x="1307625" y="261685"/>
+            <a:ext cx="7175234" cy="523220"/>
+          </a:xfrm>
+          <a:prstGeom prst="rect">
+            <a:avLst/>
+          </a:prstGeom>
+          <a:noFill/>
         </p:spPr>
         <p:txBody>
-          <a:bodyPr/>
+          <a:bodyPr wrap="none" rtlCol="0">
+            <a:spAutoFit/>
+          </a:bodyPr>
           <a:lstStyle/>
           <a:p>
             <a:r>
-              <a:rPr lang="en-US"/>
-              <a:t>About us</a:t>
+              <a:rPr lang="en-US" sz="2800" b="1" dirty="0"/>
+              <a:t>Chronic Heart Disease Optimization Function</a:t>
             </a:r>
           </a:p>
         </p:txBody>
       </p:sp>
-      <p:sp>
-        <p:nvSpPr>
-          <p:cNvPr id="4" name="Content Placeholder 3">
-            <a:extLst>
-              <a:ext uri="{FF2B5EF4-FFF2-40B4-BE49-F238E27FC236}">
-                <a16:creationId xmlns:a16="http://schemas.microsoft.com/office/drawing/2014/main" id="{B20C1E08-E337-110E-DB8E-41BA4A3341A1}"/>
-              </a:ext>
-            </a:extLst>
-          </p:cNvPr>
-          <p:cNvSpPr>
-            <a:spLocks noGrp="1"/>
-          </p:cNvSpPr>
-          <p:nvPr>
-            <p:ph sz="quarter" idx="10"/>
-          </p:nvPr>
-        </p:nvSpPr>
-        <p:spPr>
-          <a:xfrm>
-            <a:off x="914400" y="2844800"/>
-            <a:ext cx="5181600" cy="3128963"/>
-          </a:xfrm>
+      <p:pic>
+        <p:nvPicPr>
+          <p:cNvPr id="15" name="Picture 14">
+            <a:extLst>
+              <a:ext uri="{FF2B5EF4-FFF2-40B4-BE49-F238E27FC236}">
+                <a16:creationId xmlns:a16="http://schemas.microsoft.com/office/drawing/2014/main" id="{23A74E15-B519-DB83-56A4-AEDDAA54DB58}"/>
+              </a:ext>
+            </a:extLst>
+          </p:cNvPr>
+          <p:cNvPicPr>
+            <a:picLocks noChangeAspect="1"/>
+          </p:cNvPicPr>
+          <p:nvPr/>
+        </p:nvPicPr>
+        <p:blipFill>
+          <a:blip r:embed="rId6"/>
+          <a:stretch>
+            <a:fillRect/>
+          </a:stretch>
+        </p:blipFill>
+        <p:spPr>
+          <a:xfrm>
+            <a:off x="5349995" y="5129260"/>
+            <a:ext cx="2819794" cy="1467055"/>
+          </a:xfrm>
+          <a:prstGeom prst="rect">
+            <a:avLst/>
+          </a:prstGeom>
+        </p:spPr>
+      </p:pic>
+      <p:sp>
+        <p:nvSpPr>
+          <p:cNvPr id="3" name="TextBox 2">
+            <a:extLst>
+              <a:ext uri="{FF2B5EF4-FFF2-40B4-BE49-F238E27FC236}">
+                <a16:creationId xmlns:a16="http://schemas.microsoft.com/office/drawing/2014/main" id="{8DD8D403-08FC-693B-FB26-8B7E2E3D0ED7}"/>
+              </a:ext>
+            </a:extLst>
+          </p:cNvPr>
+          <p:cNvSpPr txBox="1"/>
+          <p:nvPr/>
+        </p:nvSpPr>
+        <p:spPr>
+          <a:xfrm>
+            <a:off x="5767753" y="1398102"/>
+            <a:ext cx="2798715" cy="861774"/>
+          </a:xfrm>
+          <a:prstGeom prst="rect">
+            <a:avLst/>
+          </a:prstGeom>
+          <a:noFill/>
         </p:spPr>
         <p:txBody>
-          <a:bodyPr/>
+          <a:bodyPr wrap="none" rtlCol="0">
+            <a:spAutoFit/>
+          </a:bodyPr>
           <a:lstStyle/>
           <a:p>
             <a:r>
               <a:rPr lang="en-US" dirty="0"/>
-              <a:t>At Contoso, we empower organizations to foster collaborative thinking to further drive workplace innovation. By closing the loop and leveraging agile frameworks, we help business grow organically and foster a consumer first mindset.</a:t>
-            </a:r>
-          </a:p>
-          <a:p>
-            <a:endParaRPr lang="en-US" dirty="0"/>
+              <a:t>Model Optimization</a:t>
+            </a:r>
+          </a:p>
+          <a:p>
+            <a:pPr marL="285750" indent="-285750">
+              <a:buFont typeface="Arial" panose="020B0604020202020204" pitchFamily="34" charset="0"/>
+              <a:buChar char="•"/>
+            </a:pPr>
+            <a:r>
+              <a:rPr lang="en-US" sz="1600" dirty="0"/>
+              <a:t>Activation Function: Swish</a:t>
+            </a:r>
+          </a:p>
+          <a:p>
+            <a:pPr marL="285750" indent="-285750">
+              <a:buFont typeface="Arial" panose="020B0604020202020204" pitchFamily="34" charset="0"/>
+              <a:buChar char="•"/>
+            </a:pPr>
+            <a:r>
+              <a:rPr lang="en-US" sz="1600" dirty="0"/>
+              <a:t>Optimizer: </a:t>
+            </a:r>
+            <a:r>
+              <a:rPr lang="en-US" sz="1600" dirty="0" err="1"/>
+              <a:t>Adamax</a:t>
+            </a:r>
+            <a:endParaRPr lang="en-US" sz="1600" dirty="0"/>
           </a:p>
         </p:txBody>
       </p:sp>
       <p:sp>
         <p:nvSpPr>
-          <p:cNvPr id="2" name="Slide Number Placeholder 1">
-            <a:extLst>
-              <a:ext uri="{FF2B5EF4-FFF2-40B4-BE49-F238E27FC236}">
-                <a16:creationId xmlns:a16="http://schemas.microsoft.com/office/drawing/2014/main" id="{00255621-1D81-03E6-507B-CB20E070356A}"/>
-              </a:ext>
-            </a:extLst>
-          </p:cNvPr>
-          <p:cNvSpPr>
-            <a:spLocks noGrp="1"/>
-          </p:cNvSpPr>
-          <p:nvPr>
-            <p:ph type="sldNum" sz="quarter" idx="4"/>
-          </p:nvPr>
-        </p:nvSpPr>
-        <p:spPr>
-          <a:xfrm>
-            <a:off x="914400" y="6246254"/>
-            <a:ext cx="631065" cy="296214"/>
-          </a:xfrm>
+          <p:cNvPr id="4" name="TextBox 3">
+            <a:extLst>
+              <a:ext uri="{FF2B5EF4-FFF2-40B4-BE49-F238E27FC236}">
+                <a16:creationId xmlns:a16="http://schemas.microsoft.com/office/drawing/2014/main" id="{5D9BAE74-3202-D358-8212-87CF11E3A526}"/>
+              </a:ext>
+            </a:extLst>
+          </p:cNvPr>
+          <p:cNvSpPr txBox="1"/>
+          <p:nvPr/>
+        </p:nvSpPr>
+        <p:spPr>
+          <a:xfrm>
+            <a:off x="5767753" y="2926859"/>
+            <a:ext cx="2873829" cy="861774"/>
+          </a:xfrm>
+          <a:prstGeom prst="rect">
+            <a:avLst/>
+          </a:prstGeom>
+          <a:noFill/>
         </p:spPr>
         <p:txBody>
-          <a:bodyPr/>
+          <a:bodyPr wrap="square" rtlCol="0">
+            <a:spAutoFit/>
+          </a:bodyPr>
           <a:lstStyle/>
           <a:p>
-            <a:fld id="{B5CEABB6-07DC-46E8-9B57-56EC44A396E5}" type="slidenum">
-              <a:rPr lang="en-US" smtClean="0"/>
-              <a:pPr/>
-              <a:t>7</a:t>
-            </a:fld>
-            <a:endParaRPr lang="en-US" dirty="0"/>
+            <a:r>
+              <a:rPr lang="en-US" dirty="0"/>
+              <a:t>Model Performance</a:t>
+            </a:r>
+          </a:p>
+          <a:p>
+            <a:pPr marL="285750" indent="-285750">
+              <a:buFont typeface="Arial" panose="020B0604020202020204" pitchFamily="34" charset="0"/>
+              <a:buChar char="•"/>
+            </a:pPr>
+            <a:r>
+              <a:rPr lang="en-US" sz="1600" dirty="0"/>
+              <a:t>MAE 0.002372</a:t>
+            </a:r>
+          </a:p>
+          <a:p>
+            <a:pPr marL="285750" indent="-285750">
+              <a:buFont typeface="Arial" panose="020B0604020202020204" pitchFamily="34" charset="0"/>
+              <a:buChar char="•"/>
+            </a:pPr>
+            <a:r>
+              <a:rPr lang="en-US" sz="1600" dirty="0"/>
+              <a:t>Loss (MSE) 0.00001</a:t>
+            </a:r>
           </a:p>
         </p:txBody>
       </p:sp>
     </p:spTree>
     <p:extLst>
       <p:ext uri="{BB962C8B-B14F-4D97-AF65-F5344CB8AC3E}">
-        <p14:creationId xmlns:p14="http://schemas.microsoft.com/office/powerpoint/2010/main" val="542059410"/>
+        <p14:creationId xmlns:p14="http://schemas.microsoft.com/office/powerpoint/2010/main" val="2398406067"/>
       </p:ext>
     </p:extLst>
   </p:cSld>
@@ -11079,69 +9472,120 @@
       </p:grpSpPr>
       <p:sp>
         <p:nvSpPr>
-          <p:cNvPr id="2" name="Title 1">
-            <a:extLst>
-              <a:ext uri="{FF2B5EF4-FFF2-40B4-BE49-F238E27FC236}">
-                <a16:creationId xmlns:a16="http://schemas.microsoft.com/office/drawing/2014/main" id="{6A36FD5F-786B-1974-5F47-94CA02CFA6E5}"/>
-              </a:ext>
-            </a:extLst>
-          </p:cNvPr>
-          <p:cNvSpPr>
-            <a:spLocks noGrp="1"/>
-          </p:cNvSpPr>
-          <p:nvPr>
-            <p:ph type="title"/>
-          </p:nvPr>
-        </p:nvSpPr>
-        <p:spPr>
-          <a:xfrm>
-            <a:off x="914400" y="2580640"/>
-            <a:ext cx="5181600" cy="3368819"/>
-          </a:xfrm>
+          <p:cNvPr id="13" name="TextBox 12">
+            <a:extLst>
+              <a:ext uri="{FF2B5EF4-FFF2-40B4-BE49-F238E27FC236}">
+                <a16:creationId xmlns:a16="http://schemas.microsoft.com/office/drawing/2014/main" id="{170A68A8-BE96-FE75-BD86-2F64193CD941}"/>
+              </a:ext>
+            </a:extLst>
+          </p:cNvPr>
+          <p:cNvSpPr txBox="1"/>
+          <p:nvPr/>
+        </p:nvSpPr>
+        <p:spPr>
+          <a:xfrm>
+            <a:off x="1307625" y="261685"/>
+            <a:ext cx="6069920" cy="954107"/>
+          </a:xfrm>
+          <a:prstGeom prst="rect">
+            <a:avLst/>
+          </a:prstGeom>
+          <a:noFill/>
         </p:spPr>
         <p:txBody>
-          <a:bodyPr/>
+          <a:bodyPr wrap="square" rtlCol="0">
+            <a:spAutoFit/>
+          </a:bodyPr>
           <a:lstStyle/>
           <a:p>
             <a:r>
-              <a:rPr lang="en-US" dirty="0"/>
-              <a:t>Company overview</a:t>
+              <a:rPr lang="en-US" sz="2800" b="1" dirty="0"/>
+              <a:t>Chronic Heart Disease Random Forest Regressor Evaluation Metrics</a:t>
             </a:r>
           </a:p>
         </p:txBody>
       </p:sp>
       <p:pic>
         <p:nvPicPr>
-          <p:cNvPr id="14" name="Picture Placeholder 13" descr="A person looking at a piece of paper">
-            <a:extLst>
-              <a:ext uri="{FF2B5EF4-FFF2-40B4-BE49-F238E27FC236}">
-                <a16:creationId xmlns:a16="http://schemas.microsoft.com/office/drawing/2014/main" id="{F28819F3-7D3B-EB42-24FD-3C0BBC5963B5}"/>
+          <p:cNvPr id="2058" name="Picture 10">
+            <a:extLst>
+              <a:ext uri="{FF2B5EF4-FFF2-40B4-BE49-F238E27FC236}">
+                <a16:creationId xmlns:a16="http://schemas.microsoft.com/office/drawing/2014/main" id="{6842CBCC-F0CC-BE8D-246E-530076344933}"/>
               </a:ext>
             </a:extLst>
           </p:cNvPr>
           <p:cNvPicPr>
-            <a:picLocks noGrp="1" noChangeAspect="1"/>
+            <a:picLocks noChangeAspect="1" noChangeArrowheads="1"/>
           </p:cNvPicPr>
-          <p:nvPr>
-            <p:ph type="pic" sz="quarter" idx="10"/>
-          </p:nvPr>
+          <p:nvPr/>
         </p:nvPicPr>
         <p:blipFill>
-          <a:blip r:embed="rId3"/>
-          <a:srcRect t="119" b="119"/>
-          <a:stretch/>
+          <a:blip r:embed="rId3">
+            <a:extLst>
+              <a:ext uri="{28A0092B-C50C-407E-A947-70E740481C1C}">
+                <a14:useLocalDpi xmlns:a14="http://schemas.microsoft.com/office/drawing/2010/main" val="0"/>
+              </a:ext>
+            </a:extLst>
+          </a:blip>
+          <a:srcRect/>
+          <a:stretch>
+            <a:fillRect/>
+          </a:stretch>
         </p:blipFill>
-        <p:spPr>
-          <a:xfrm>
-            <a:off x="5815584" y="-10159"/>
-            <a:ext cx="6386576" cy="6868160"/>
-          </a:xfrm>
+        <p:spPr bwMode="auto">
+          <a:xfrm>
+            <a:off x="3501736" y="1524057"/>
+            <a:ext cx="7992501" cy="5015584"/>
+          </a:xfrm>
+          <a:prstGeom prst="rect">
+            <a:avLst/>
+          </a:prstGeom>
+          <a:noFill/>
+          <a:extLst>
+            <a:ext uri="{909E8E84-426E-40DD-AFC4-6F175D3DCCD1}">
+              <a14:hiddenFill xmlns:a14="http://schemas.microsoft.com/office/drawing/2010/main">
+                <a:solidFill>
+                  <a:srgbClr val="FFFFFF"/>
+                </a:solidFill>
+              </a14:hiddenFill>
+            </a:ext>
+          </a:extLst>
+        </p:spPr>
+      </p:pic>
+      <p:pic>
+        <p:nvPicPr>
+          <p:cNvPr id="6" name="Picture 5">
+            <a:extLst>
+              <a:ext uri="{FF2B5EF4-FFF2-40B4-BE49-F238E27FC236}">
+                <a16:creationId xmlns:a16="http://schemas.microsoft.com/office/drawing/2014/main" id="{C26DECAE-7047-B7D0-DA10-8D96627AA3D4}"/>
+              </a:ext>
+            </a:extLst>
+          </p:cNvPr>
+          <p:cNvPicPr>
+            <a:picLocks noChangeAspect="1"/>
+          </p:cNvPicPr>
+          <p:nvPr/>
+        </p:nvPicPr>
+        <p:blipFill>
+          <a:blip r:embed="rId4"/>
+          <a:stretch>
+            <a:fillRect/>
+          </a:stretch>
+        </p:blipFill>
+        <p:spPr>
+          <a:xfrm>
+            <a:off x="697763" y="3222111"/>
+            <a:ext cx="2124371" cy="809738"/>
+          </a:xfrm>
+          <a:prstGeom prst="rect">
+            <a:avLst/>
+          </a:prstGeom>
         </p:spPr>
       </p:pic>
     </p:spTree>
     <p:extLst>
       <p:ext uri="{BB962C8B-B14F-4D97-AF65-F5344CB8AC3E}">
-        <p14:creationId xmlns:p14="http://schemas.microsoft.com/office/powerpoint/2010/main" val="4293742996"/>
+        <p14:creationId xmlns:p14="http://schemas.microsoft.com/office/powerpoint/2010/main" val="3390378805"/>
       </p:ext>
     </p:extLst>
   </p:cSld>
@@ -11168,209 +9612,326 @@
           <a:chExt cx="0" cy="0"/>
         </a:xfrm>
       </p:grpSpPr>
-      <p:sp>
-        <p:nvSpPr>
-          <p:cNvPr id="2" name="Title 1">
-            <a:extLst>
-              <a:ext uri="{FF2B5EF4-FFF2-40B4-BE49-F238E27FC236}">
-                <a16:creationId xmlns:a16="http://schemas.microsoft.com/office/drawing/2014/main" id="{018E4F0B-A6EB-861C-1C34-CAA9BDE47858}"/>
-              </a:ext>
-            </a:extLst>
-          </p:cNvPr>
-          <p:cNvSpPr>
-            <a:spLocks noGrp="1"/>
-          </p:cNvSpPr>
-          <p:nvPr>
-            <p:ph type="title"/>
-          </p:nvPr>
-        </p:nvSpPr>
-        <p:spPr/>
+      <p:pic>
+        <p:nvPicPr>
+          <p:cNvPr id="4098" name="Picture 2">
+            <a:extLst>
+              <a:ext uri="{FF2B5EF4-FFF2-40B4-BE49-F238E27FC236}">
+                <a16:creationId xmlns:a16="http://schemas.microsoft.com/office/drawing/2014/main" id="{B686FD4D-0DDC-CE1E-151A-BD882036C34C}"/>
+              </a:ext>
+            </a:extLst>
+          </p:cNvPr>
+          <p:cNvPicPr>
+            <a:picLocks noChangeAspect="1" noChangeArrowheads="1"/>
+          </p:cNvPicPr>
+          <p:nvPr/>
+        </p:nvPicPr>
+        <p:blipFill>
+          <a:blip r:embed="rId3">
+            <a:extLst>
+              <a:ext uri="{28A0092B-C50C-407E-A947-70E740481C1C}">
+                <a14:useLocalDpi xmlns:a14="http://schemas.microsoft.com/office/drawing/2010/main" val="0"/>
+              </a:ext>
+            </a:extLst>
+          </a:blip>
+          <a:srcRect/>
+          <a:stretch>
+            <a:fillRect/>
+          </a:stretch>
+        </p:blipFill>
+        <p:spPr bwMode="auto">
+          <a:xfrm>
+            <a:off x="751703" y="936773"/>
+            <a:ext cx="4035628" cy="1852960"/>
+          </a:xfrm>
+          <a:prstGeom prst="rect">
+            <a:avLst/>
+          </a:prstGeom>
+          <a:noFill/>
+          <a:extLst>
+            <a:ext uri="{909E8E84-426E-40DD-AFC4-6F175D3DCCD1}">
+              <a14:hiddenFill xmlns:a14="http://schemas.microsoft.com/office/drawing/2010/main">
+                <a:solidFill>
+                  <a:srgbClr val="FFFFFF"/>
+                </a:solidFill>
+              </a14:hiddenFill>
+            </a:ext>
+          </a:extLst>
+        </p:spPr>
+      </p:pic>
+      <p:pic>
+        <p:nvPicPr>
+          <p:cNvPr id="4100" name="Picture 4">
+            <a:extLst>
+              <a:ext uri="{FF2B5EF4-FFF2-40B4-BE49-F238E27FC236}">
+                <a16:creationId xmlns:a16="http://schemas.microsoft.com/office/drawing/2014/main" id="{126347BB-10E5-2848-B8A9-33779A251947}"/>
+              </a:ext>
+            </a:extLst>
+          </p:cNvPr>
+          <p:cNvPicPr>
+            <a:picLocks noChangeAspect="1" noChangeArrowheads="1"/>
+          </p:cNvPicPr>
+          <p:nvPr/>
+        </p:nvPicPr>
+        <p:blipFill>
+          <a:blip r:embed="rId4">
+            <a:extLst>
+              <a:ext uri="{28A0092B-C50C-407E-A947-70E740481C1C}">
+                <a14:useLocalDpi xmlns:a14="http://schemas.microsoft.com/office/drawing/2010/main" val="0"/>
+              </a:ext>
+            </a:extLst>
+          </a:blip>
+          <a:srcRect/>
+          <a:stretch>
+            <a:fillRect/>
+          </a:stretch>
+        </p:blipFill>
+        <p:spPr bwMode="auto">
+          <a:xfrm>
+            <a:off x="751703" y="2865419"/>
+            <a:ext cx="4035628" cy="1852960"/>
+          </a:xfrm>
+          <a:prstGeom prst="rect">
+            <a:avLst/>
+          </a:prstGeom>
+          <a:noFill/>
+          <a:extLst>
+            <a:ext uri="{909E8E84-426E-40DD-AFC4-6F175D3DCCD1}">
+              <a14:hiddenFill xmlns:a14="http://schemas.microsoft.com/office/drawing/2010/main">
+                <a:solidFill>
+                  <a:srgbClr val="FFFFFF"/>
+                </a:solidFill>
+              </a14:hiddenFill>
+            </a:ext>
+          </a:extLst>
+        </p:spPr>
+      </p:pic>
+      <p:sp>
+        <p:nvSpPr>
+          <p:cNvPr id="11" name="TextBox 10">
+            <a:extLst>
+              <a:ext uri="{FF2B5EF4-FFF2-40B4-BE49-F238E27FC236}">
+                <a16:creationId xmlns:a16="http://schemas.microsoft.com/office/drawing/2014/main" id="{EF560E1A-5D93-7C5A-63E5-F0BE69BB027D}"/>
+              </a:ext>
+            </a:extLst>
+          </p:cNvPr>
+          <p:cNvSpPr txBox="1"/>
+          <p:nvPr/>
+        </p:nvSpPr>
+        <p:spPr>
+          <a:xfrm>
+            <a:off x="1291608" y="233520"/>
+            <a:ext cx="4804392" cy="523220"/>
+          </a:xfrm>
+          <a:prstGeom prst="rect">
+            <a:avLst/>
+          </a:prstGeom>
+          <a:noFill/>
+        </p:spPr>
         <p:txBody>
-          <a:bodyPr/>
+          <a:bodyPr wrap="none" rtlCol="0">
+            <a:spAutoFit/>
+          </a:bodyPr>
           <a:lstStyle/>
           <a:p>
             <a:r>
-              <a:rPr lang="en-US" sz="3200" dirty="0"/>
-              <a:t>Problem </a:t>
+              <a:rPr lang="en-US" sz="2800" b="1" dirty="0"/>
+              <a:t>Cancer Optimization Function</a:t>
             </a:r>
           </a:p>
         </p:txBody>
       </p:sp>
-      <p:sp>
-        <p:nvSpPr>
-          <p:cNvPr id="3" name="Content Placeholder 2">
-            <a:extLst>
-              <a:ext uri="{FF2B5EF4-FFF2-40B4-BE49-F238E27FC236}">
-                <a16:creationId xmlns:a16="http://schemas.microsoft.com/office/drawing/2014/main" id="{59F97739-E0DF-24F3-7886-013A799A52C3}"/>
-              </a:ext>
-            </a:extLst>
-          </p:cNvPr>
-          <p:cNvSpPr>
-            <a:spLocks noGrp="1"/>
-          </p:cNvSpPr>
-          <p:nvPr>
-            <p:ph sz="quarter" idx="10"/>
-          </p:nvPr>
-        </p:nvSpPr>
-        <p:spPr/>
+      <p:pic>
+        <p:nvPicPr>
+          <p:cNvPr id="4108" name="Picture 12">
+            <a:extLst>
+              <a:ext uri="{FF2B5EF4-FFF2-40B4-BE49-F238E27FC236}">
+                <a16:creationId xmlns:a16="http://schemas.microsoft.com/office/drawing/2014/main" id="{CECB83D8-A83B-5CB5-7D9B-F1B518CF605F}"/>
+              </a:ext>
+            </a:extLst>
+          </p:cNvPr>
+          <p:cNvPicPr>
+            <a:picLocks noChangeAspect="1" noChangeArrowheads="1"/>
+          </p:cNvPicPr>
+          <p:nvPr/>
+        </p:nvPicPr>
+        <p:blipFill>
+          <a:blip r:embed="rId5">
+            <a:extLst>
+              <a:ext uri="{28A0092B-C50C-407E-A947-70E740481C1C}">
+                <a14:useLocalDpi xmlns:a14="http://schemas.microsoft.com/office/drawing/2010/main" val="0"/>
+              </a:ext>
+            </a:extLst>
+          </a:blip>
+          <a:srcRect/>
+          <a:stretch>
+            <a:fillRect/>
+          </a:stretch>
+        </p:blipFill>
+        <p:spPr bwMode="auto">
+          <a:xfrm>
+            <a:off x="751703" y="4788949"/>
+            <a:ext cx="4035628" cy="1835531"/>
+          </a:xfrm>
+          <a:prstGeom prst="rect">
+            <a:avLst/>
+          </a:prstGeom>
+          <a:noFill/>
+          <a:extLst>
+            <a:ext uri="{909E8E84-426E-40DD-AFC4-6F175D3DCCD1}">
+              <a14:hiddenFill xmlns:a14="http://schemas.microsoft.com/office/drawing/2010/main">
+                <a:solidFill>
+                  <a:srgbClr val="FFFFFF"/>
+                </a:solidFill>
+              </a14:hiddenFill>
+            </a:ext>
+          </a:extLst>
+        </p:spPr>
+      </p:pic>
+      <p:pic>
+        <p:nvPicPr>
+          <p:cNvPr id="18" name="Picture 17">
+            <a:extLst>
+              <a:ext uri="{FF2B5EF4-FFF2-40B4-BE49-F238E27FC236}">
+                <a16:creationId xmlns:a16="http://schemas.microsoft.com/office/drawing/2014/main" id="{A5020191-D242-BD78-2CE0-06505E7DB652}"/>
+              </a:ext>
+            </a:extLst>
+          </p:cNvPr>
+          <p:cNvPicPr>
+            <a:picLocks noChangeAspect="1"/>
+          </p:cNvPicPr>
+          <p:nvPr/>
+        </p:nvPicPr>
+        <p:blipFill>
+          <a:blip r:embed="rId6"/>
+          <a:stretch>
+            <a:fillRect/>
+          </a:stretch>
+        </p:blipFill>
+        <p:spPr>
+          <a:xfrm>
+            <a:off x="5226153" y="5138373"/>
+            <a:ext cx="2943636" cy="1486107"/>
+          </a:xfrm>
+          <a:prstGeom prst="rect">
+            <a:avLst/>
+          </a:prstGeom>
+        </p:spPr>
+      </p:pic>
+      <p:sp>
+        <p:nvSpPr>
+          <p:cNvPr id="3" name="TextBox 2">
+            <a:extLst>
+              <a:ext uri="{FF2B5EF4-FFF2-40B4-BE49-F238E27FC236}">
+                <a16:creationId xmlns:a16="http://schemas.microsoft.com/office/drawing/2014/main" id="{C2DDBD6C-02CD-78C7-5692-C3E4F3A705EB}"/>
+              </a:ext>
+            </a:extLst>
+          </p:cNvPr>
+          <p:cNvSpPr txBox="1"/>
+          <p:nvPr/>
+        </p:nvSpPr>
+        <p:spPr>
+          <a:xfrm>
+            <a:off x="5767753" y="2926859"/>
+            <a:ext cx="2873829" cy="861774"/>
+          </a:xfrm>
+          <a:prstGeom prst="rect">
+            <a:avLst/>
+          </a:prstGeom>
+          <a:noFill/>
+        </p:spPr>
         <p:txBody>
-          <a:bodyPr/>
+          <a:bodyPr wrap="square" rtlCol="0">
+            <a:spAutoFit/>
+          </a:bodyPr>
           <a:lstStyle/>
           <a:p>
-            <a:pPr marL="228600" indent="-228600">
-              <a:spcBef>
-                <a:spcPts val="0"/>
-              </a:spcBef>
-              <a:spcAft>
-                <a:spcPts val="1200"/>
-              </a:spcAft>
+            <a:r>
+              <a:rPr lang="en-US" dirty="0"/>
+              <a:t>Model Performance</a:t>
+            </a:r>
+          </a:p>
+          <a:p>
+            <a:pPr marL="285750" indent="-285750">
               <a:buFont typeface="Arial" panose="020B0604020202020204" pitchFamily="34" charset="0"/>
               <a:buChar char="•"/>
             </a:pPr>
             <a:r>
-              <a:rPr lang="en-US" sz="2000" b="1" cap="none" dirty="0"/>
-              <a:t>Market gap</a:t>
-            </a:r>
-            <a:r>
-              <a:rPr lang="en-US" sz="2000" cap="none" dirty="0"/>
-              <a:t>: few, if any, products on the market help customers like we do</a:t>
-            </a:r>
-            <a:endParaRPr lang="en-US" sz="2000" cap="none" dirty="0">
-              <a:cs typeface="Calibri"/>
-            </a:endParaRPr>
-          </a:p>
-          <a:p>
-            <a:pPr marL="228600" indent="-228600">
-              <a:spcBef>
-                <a:spcPts val="0"/>
-              </a:spcBef>
-              <a:spcAft>
-                <a:spcPts val="1200"/>
-              </a:spcAft>
+              <a:rPr lang="en-US" sz="1600" dirty="0"/>
+              <a:t>MAE 0.000948</a:t>
+            </a:r>
+          </a:p>
+          <a:p>
+            <a:pPr marL="285750" indent="-285750">
               <a:buFont typeface="Arial" panose="020B0604020202020204" pitchFamily="34" charset="0"/>
               <a:buChar char="•"/>
             </a:pPr>
             <a:r>
-              <a:rPr lang="en-US" sz="2000" b="1" cap="none" dirty="0"/>
-              <a:t>Customers</a:t>
-            </a:r>
-            <a:r>
-              <a:rPr lang="en-US" sz="2000" cap="none" dirty="0"/>
-              <a:t>: 66% of US consumers spend money on multiple products that only partially resolves their issue</a:t>
-            </a:r>
-          </a:p>
-          <a:p>
-            <a:pPr marL="228600" indent="-228600">
-              <a:spcBef>
-                <a:spcPts val="0"/>
-              </a:spcBef>
-              <a:spcAft>
-                <a:spcPts val="1200"/>
-              </a:spcAft>
+              <a:rPr lang="en-US" sz="1600" dirty="0"/>
+              <a:t>Loss (MSE) 0.000002</a:t>
+            </a:r>
+          </a:p>
+        </p:txBody>
+      </p:sp>
+      <p:sp>
+        <p:nvSpPr>
+          <p:cNvPr id="4" name="TextBox 3">
+            <a:extLst>
+              <a:ext uri="{FF2B5EF4-FFF2-40B4-BE49-F238E27FC236}">
+                <a16:creationId xmlns:a16="http://schemas.microsoft.com/office/drawing/2014/main" id="{492F11E0-6C1B-62CF-B4AE-D14580FFA683}"/>
+              </a:ext>
+            </a:extLst>
+          </p:cNvPr>
+          <p:cNvSpPr txBox="1"/>
+          <p:nvPr/>
+        </p:nvSpPr>
+        <p:spPr>
+          <a:xfrm>
+            <a:off x="5767753" y="1398102"/>
+            <a:ext cx="2798715" cy="861774"/>
+          </a:xfrm>
+          <a:prstGeom prst="rect">
+            <a:avLst/>
+          </a:prstGeom>
+          <a:noFill/>
+        </p:spPr>
+        <p:txBody>
+          <a:bodyPr wrap="none" rtlCol="0">
+            <a:spAutoFit/>
+          </a:bodyPr>
+          <a:lstStyle/>
+          <a:p>
+            <a:r>
+              <a:rPr lang="en-US" dirty="0"/>
+              <a:t>Model Optimization</a:t>
+            </a:r>
+          </a:p>
+          <a:p>
+            <a:pPr marL="285750" indent="-285750">
               <a:buFont typeface="Arial" panose="020B0604020202020204" pitchFamily="34" charset="0"/>
               <a:buChar char="•"/>
             </a:pPr>
             <a:r>
-              <a:rPr lang="en-US" sz="2000" b="1" cap="none" dirty="0"/>
-              <a:t>Financials</a:t>
-            </a:r>
-            <a:r>
-              <a:rPr lang="en-US" sz="2000" cap="none" dirty="0"/>
-              <a:t>: </a:t>
-            </a:r>
-            <a:r>
-              <a:rPr lang="en-US" sz="2000" cap="none" dirty="0">
-                <a:ea typeface="+mn-lt"/>
-                <a:cs typeface="+mn-lt"/>
-              </a:rPr>
-              <a:t>millennials account for about a quarter of the $48 billion spent on other products in 2018</a:t>
-            </a:r>
-            <a:endParaRPr lang="en-US" sz="2000" cap="none" dirty="0">
-              <a:cs typeface="Calibri" panose="020F0502020204030204"/>
-            </a:endParaRPr>
-          </a:p>
-          <a:p>
-            <a:pPr marL="228600" indent="-228600">
-              <a:spcBef>
-                <a:spcPts val="0"/>
-              </a:spcBef>
-              <a:spcAft>
-                <a:spcPts val="1200"/>
-              </a:spcAft>
+              <a:rPr lang="en-US" sz="1600" dirty="0"/>
+              <a:t>Activation Function: Swish</a:t>
+            </a:r>
+          </a:p>
+          <a:p>
+            <a:pPr marL="285750" indent="-285750">
               <a:buFont typeface="Arial" panose="020B0604020202020204" pitchFamily="34" charset="0"/>
               <a:buChar char="•"/>
             </a:pPr>
             <a:r>
-              <a:rPr lang="en-US" sz="2000" b="1" cap="none" dirty="0"/>
-              <a:t>Costs</a:t>
-            </a:r>
-            <a:r>
-              <a:rPr lang="en-US" sz="2000" cap="none" dirty="0"/>
-              <a:t>: loss of productivity costing consumers thousands of dollars </a:t>
-            </a:r>
-            <a:endParaRPr lang="en-US" sz="2000" cap="none" dirty="0">
-              <a:cs typeface="Calibri" panose="020F0502020204030204"/>
-            </a:endParaRPr>
-          </a:p>
-          <a:p>
-            <a:pPr marL="228600" indent="-228600">
-              <a:spcBef>
-                <a:spcPts val="0"/>
-              </a:spcBef>
-              <a:spcAft>
-                <a:spcPts val="1200"/>
-              </a:spcAft>
-              <a:buFont typeface="Arial" panose="020B0604020202020204" pitchFamily="34" charset="0"/>
-              <a:buChar char="•"/>
-            </a:pPr>
-            <a:r>
-              <a:rPr lang="en-US" sz="2000" b="1" cap="none" dirty="0"/>
-              <a:t>Usability</a:t>
-            </a:r>
-            <a:r>
-              <a:rPr lang="en-US" sz="2000" cap="none" dirty="0"/>
-              <a:t>: customers want something easy to use that helps make their life easier </a:t>
-            </a:r>
-            <a:endParaRPr lang="en-US" sz="2000" cap="none" dirty="0">
-              <a:cs typeface="Calibri"/>
-            </a:endParaRPr>
-          </a:p>
-        </p:txBody>
-      </p:sp>
-      <p:sp>
-        <p:nvSpPr>
-          <p:cNvPr id="4" name="Slide Number Placeholder 3">
-            <a:extLst>
-              <a:ext uri="{FF2B5EF4-FFF2-40B4-BE49-F238E27FC236}">
-                <a16:creationId xmlns:a16="http://schemas.microsoft.com/office/drawing/2014/main" id="{6FE0D061-7327-A55C-AF6A-A95C24DD8B72}"/>
-              </a:ext>
-            </a:extLst>
-          </p:cNvPr>
-          <p:cNvSpPr>
-            <a:spLocks noGrp="1"/>
-          </p:cNvSpPr>
-          <p:nvPr>
-            <p:ph type="sldNum" sz="quarter" idx="4"/>
-          </p:nvPr>
-        </p:nvSpPr>
-        <p:spPr/>
-        <p:txBody>
-          <a:bodyPr/>
-          <a:lstStyle/>
-          <a:p>
-            <a:fld id="{B5CEABB6-07DC-46E8-9B57-56EC44A396E5}" type="slidenum">
-              <a:rPr lang="en-US" smtClean="0"/>
-              <a:pPr/>
-              <a:t>9</a:t>
-            </a:fld>
-            <a:endParaRPr lang="en-US" dirty="0"/>
+              <a:rPr lang="en-US" sz="1600" dirty="0"/>
+              <a:t>Optimizer: RMSprop</a:t>
+            </a:r>
           </a:p>
         </p:txBody>
       </p:sp>
     </p:spTree>
     <p:extLst>
       <p:ext uri="{BB962C8B-B14F-4D97-AF65-F5344CB8AC3E}">
-        <p14:creationId xmlns:p14="http://schemas.microsoft.com/office/powerpoint/2010/main" val="412000632"/>
+        <p14:creationId xmlns:p14="http://schemas.microsoft.com/office/powerpoint/2010/main" val="56176599"/>
       </p:ext>
     </p:extLst>
   </p:cSld>
@@ -12172,6 +10733,15 @@
 </file>
 
 <file path=customXml/item1.xml><?xml version="1.0" encoding="utf-8"?>
+<?mso-contentType ?>
+<FormTemplates xmlns="http://schemas.microsoft.com/sharepoint/v3/contenttype/forms">
+  <Display>DocumentLibraryForm</Display>
+  <Edit>DocumentLibraryForm</Edit>
+  <New>DocumentLibraryForm</New>
+</FormTemplates>
+</file>
+
+<file path=customXml/item2.xml><?xml version="1.0" encoding="utf-8"?>
 <p:properties xmlns:p="http://schemas.microsoft.com/office/2006/metadata/properties" xmlns:xsi="http://www.w3.org/2001/XMLSchema-instance" xmlns:pc="http://schemas.microsoft.com/office/infopath/2007/PartnerControls">
   <documentManagement>
     <_ip_UnifiedCompliancePolicyUIAction xmlns="http://schemas.microsoft.com/sharepoint/v3" xsi:nil="true"/>
@@ -12189,15 +10759,6 @@
     <MediaServiceKeyPoints xmlns="71af3243-3dd4-4a8d-8c0d-dd76da1f02a5" xsi:nil="true"/>
   </documentManagement>
 </p:properties>
-</file>
-
-<file path=customXml/item2.xml><?xml version="1.0" encoding="utf-8"?>
-<?mso-contentType ?>
-<FormTemplates xmlns="http://schemas.microsoft.com/sharepoint/v3/contenttype/forms">
-  <Display>DocumentLibraryForm</Display>
-  <Edit>DocumentLibraryForm</Edit>
-  <New>DocumentLibraryForm</New>
-</FormTemplates>
 </file>
 
 <file path=customXml/item3.xml><?xml version="1.0" encoding="utf-8"?>
@@ -12513,6 +11074,14 @@
 </file>
 
 <file path=customXml/itemProps1.xml><?xml version="1.0" encoding="utf-8"?>
+<ds:datastoreItem xmlns:ds="http://schemas.openxmlformats.org/officeDocument/2006/customXml" ds:itemID="{B7B39BD0-040C-43BE-B0E4-512B09E8003F}">
+  <ds:schemaRefs>
+    <ds:schemaRef ds:uri="http://schemas.microsoft.com/sharepoint/v3/contenttype/forms"/>
+  </ds:schemaRefs>
+</ds:datastoreItem>
+</file>
+
+<file path=customXml/itemProps2.xml><?xml version="1.0" encoding="utf-8"?>
 <ds:datastoreItem xmlns:ds="http://schemas.openxmlformats.org/officeDocument/2006/customXml" ds:itemID="{AB045227-5724-4DBF-9712-031B1BFB2C3C}">
   <ds:schemaRefs>
     <ds:schemaRef ds:uri="http://schemas.microsoft.com/office/2006/metadata/properties"/>
@@ -12520,14 +11089,6 @@
     <ds:schemaRef ds:uri="http://schemas.microsoft.com/sharepoint/v3"/>
     <ds:schemaRef ds:uri="71af3243-3dd4-4a8d-8c0d-dd76da1f02a5"/>
     <ds:schemaRef ds:uri="230e9df3-be65-4c73-a93b-d1236ebd677e"/>
-  </ds:schemaRefs>
-</ds:datastoreItem>
-</file>
-
-<file path=customXml/itemProps2.xml><?xml version="1.0" encoding="utf-8"?>
-<ds:datastoreItem xmlns:ds="http://schemas.openxmlformats.org/officeDocument/2006/customXml" ds:itemID="{B7B39BD0-040C-43BE-B0E4-512B09E8003F}">
-  <ds:schemaRefs>
-    <ds:schemaRef ds:uri="http://schemas.microsoft.com/sharepoint/v3/contenttype/forms"/>
   </ds:schemaRefs>
 </ds:datastoreItem>
 </file>
